--- a/Final Group 8 Phase 2 Project_POWERPOINT_DSF PT6.pptx
+++ b/Final Group 8 Phase 2 Project_POWERPOINT_DSF PT6.pptx
@@ -1,6 +1,6 @@
 
 <file path=ppt/presentation.xml><?xml version="1.0" encoding="utf-8"?>
-<p:presentation xmlns:a="http://schemas.openxmlformats.org/drawingml/2006/main" xmlns:r="http://schemas.openxmlformats.org/officeDocument/2006/relationships" xmlns:mc="http://schemas.openxmlformats.org/markup-compatibility/2006" xmlns:mv="urn:schemas-microsoft-com:mac:vml" xmlns:p="http://schemas.openxmlformats.org/presentationml/2006/main" xmlns:c="http://schemas.openxmlformats.org/drawingml/2006/chart" xmlns:dgm="http://schemas.openxmlformats.org/drawingml/2006/diagram" xmlns:o="urn:schemas-microsoft-com:office:office" xmlns:v="urn:schemas-microsoft-com:vml" xmlns:pvml="urn:schemas-microsoft-com:office:powerpoint" xmlns:com="http://schemas.openxmlformats.org/drawingml/2006/compatibility" xmlns:p14="http://schemas.microsoft.com/office/powerpoint/2010/main" xmlns:p15="http://schemas.microsoft.com/office/powerpoint/2012/main" xmlns:ahyp="http://schemas.microsoft.com/office/drawing/2018/hyperlinkcolor" autoCompressPictures="0" embedTrueTypeFonts="1" strictFirstAndLastChars="0" saveSubsetFonts="1">
+<p:presentation xmlns:a="http://schemas.openxmlformats.org/drawingml/2006/main" xmlns:r="http://schemas.openxmlformats.org/officeDocument/2006/relationships" xmlns:mc="http://schemas.openxmlformats.org/markup-compatibility/2006" xmlns:mv="urn:schemas-microsoft-com:mac:vml" xmlns:p="http://schemas.openxmlformats.org/presentationml/2006/main" xmlns:c="http://schemas.openxmlformats.org/drawingml/2006/chart" xmlns:dgm="http://schemas.openxmlformats.org/drawingml/2006/diagram" xmlns:o="urn:schemas-microsoft-com:office:office" xmlns:v="urn:schemas-microsoft-com:vml" xmlns:pvml="urn:schemas-microsoft-com:office:powerpoint" xmlns:com="http://schemas.openxmlformats.org/drawingml/2006/compatibility" xmlns:p14="http://schemas.microsoft.com/office/powerpoint/2010/main" xmlns:p15="http://schemas.microsoft.com/office/powerpoint/2012/main" xmlns:ahyp="http://schemas.microsoft.com/office/drawing/2018/hyperlinkcolor" autoCompressPictures="0" strictFirstAndLastChars="0" saveSubsetFonts="1">
   <p:sldMasterIdLst>
     <p:sldMasterId id="2147483648" r:id="rId4"/>
   </p:sldMasterIdLst>
@@ -23,37 +23,11 @@
     <p:sldId id="268" r:id="rId18"/>
     <p:sldId id="269" r:id="rId19"/>
     <p:sldId id="270" r:id="rId20"/>
+    <p:sldId id="271" r:id="rId21"/>
+    <p:sldId id="272" r:id="rId22"/>
   </p:sldIdLst>
   <p:sldSz cy="6858000" cx="12192000"/>
   <p:notesSz cx="6858000" cy="9144000"/>
-  <p:embeddedFontLst>
-    <p:embeddedFont>
-      <p:font typeface="Montserrat"/>
-      <p:regular r:id="rId21"/>
-      <p:bold r:id="rId22"/>
-      <p:italic r:id="rId23"/>
-      <p:boldItalic r:id="rId24"/>
-    </p:embeddedFont>
-    <p:embeddedFont>
-      <p:font typeface="Helvetica Neue"/>
-      <p:regular r:id="rId25"/>
-      <p:bold r:id="rId26"/>
-      <p:italic r:id="rId27"/>
-      <p:boldItalic r:id="rId28"/>
-    </p:embeddedFont>
-    <p:embeddedFont>
-      <p:font typeface="Montserrat ExtraBold"/>
-      <p:bold r:id="rId29"/>
-      <p:boldItalic r:id="rId30"/>
-    </p:embeddedFont>
-    <p:embeddedFont>
-      <p:font typeface="Century Gothic"/>
-      <p:regular r:id="rId31"/>
-      <p:bold r:id="rId32"/>
-      <p:italic r:id="rId33"/>
-      <p:boldItalic r:id="rId34"/>
-    </p:embeddedFont>
-  </p:embeddedFontLst>
   <p:defaultTextStyle>
     <a:defPPr lvl="0" marR="0" rtl="0" algn="l">
       <a:lnSpc>
@@ -299,7 +273,7 @@
       </p15:sldGuideLst>
     </p:ext>
     <p:ext uri="GoogleSlidesCustomDataVersion2">
-      <go:slidesCustomData xmlns:go="http://customooxmlschemas.google.com/" r:id="rId35" roundtripDataSignature="AMtx7mjegOYGSIHfyP8AakPLhzB9MZzibw=="/>
+      <go:slidesCustomData xmlns:go="http://customooxmlschemas.google.com/" r:id="rId23" roundtripDataSignature="AMtx7mhjreqzccmWOKhLxD9rcNziKjUGaA=="/>
     </p:ext>
   </p:extLst>
 </p:presentation>
@@ -892,7 +866,7 @@
       </p:grpSpPr>
       <p:sp>
         <p:nvSpPr>
-          <p:cNvPr id="69" name="Google Shape;69;p1:notes"/>
+          <p:cNvPr id="69" name="Google Shape;69;g2ca6d4f84d4_2_331:notes"/>
           <p:cNvSpPr/>
           <p:nvPr>
             <p:ph idx="2" type="sldImg"/>
@@ -900,8 +874,8 @@
         </p:nvSpPr>
         <p:spPr>
           <a:xfrm>
-            <a:off x="381000" y="685800"/>
-            <a:ext cx="6096000" cy="3429000"/>
+            <a:off x="1143225" y="685800"/>
+            <a:ext cx="4572300" cy="3429000"/>
           </a:xfrm>
           <a:custGeom>
             <a:rect b="b" l="l" r="r" t="t"/>
@@ -923,21 +897,11 @@
               </a:path>
             </a:pathLst>
           </a:custGeom>
-          <a:noFill/>
-          <a:ln cap="flat" cmpd="sng" w="9525">
-            <a:solidFill>
-              <a:srgbClr val="000000"/>
-            </a:solidFill>
-            <a:prstDash val="solid"/>
-            <a:round/>
-            <a:headEnd len="sm" w="sm" type="none"/>
-            <a:tailEnd len="sm" w="sm" type="none"/>
-          </a:ln>
         </p:spPr>
       </p:sp>
       <p:sp>
         <p:nvSpPr>
-          <p:cNvPr id="70" name="Google Shape;70;p1:notes"/>
+          <p:cNvPr id="70" name="Google Shape;70;g2ca6d4f84d4_2_331:notes"/>
           <p:cNvSpPr txBox="1"/>
           <p:nvPr>
             <p:ph idx="1" type="body"/>
@@ -951,10 +915,6 @@
           <a:prstGeom prst="rect">
             <a:avLst/>
           </a:prstGeom>
-          <a:noFill/>
-          <a:ln>
-            <a:noFill/>
-          </a:ln>
         </p:spPr>
         <p:txBody>
           <a:bodyPr anchorCtr="0" anchor="t" bIns="91425" lIns="91425" spcFirstLastPara="1" rIns="91425" wrap="square" tIns="91425">
@@ -963,16 +923,12 @@
           <a:lstStyle/>
           <a:p>
             <a:pPr indent="0" lvl="0" marL="0" rtl="0" algn="l">
-              <a:lnSpc>
-                <a:spcPct val="100000"/>
-              </a:lnSpc>
-              <a:spcBef>
-                <a:spcPts val="0"/>
-              </a:spcBef>
-              <a:spcAft>
-                <a:spcPts val="0"/>
-              </a:spcAft>
-              <a:buSzPts val="1100"/>
+              <a:spcBef>
+                <a:spcPts val="0"/>
+              </a:spcBef>
+              <a:spcAft>
+                <a:spcPts val="0"/>
+              </a:spcAft>
               <a:buNone/>
             </a:pPr>
             <a:r>
@@ -1009,7 +965,46 @@
       </p:grpSpPr>
       <p:sp>
         <p:nvSpPr>
-          <p:cNvPr id="148" name="Google Shape;148;g2ca772be537_1_20:notes"/>
+          <p:cNvPr id="148" name="Google Shape;148;g2ca6d4f84d4_2_165:notes"/>
+          <p:cNvSpPr txBox="1"/>
+          <p:nvPr>
+            <p:ph idx="1" type="body"/>
+          </p:nvPr>
+        </p:nvSpPr>
+        <p:spPr>
+          <a:xfrm>
+            <a:off x="685800" y="4343400"/>
+            <a:ext cx="5486400" cy="4114800"/>
+          </a:xfrm>
+          <a:prstGeom prst="rect">
+            <a:avLst/>
+          </a:prstGeom>
+        </p:spPr>
+        <p:txBody>
+          <a:bodyPr anchorCtr="0" anchor="t" bIns="91425" lIns="91425" spcFirstLastPara="1" rIns="91425" wrap="square" tIns="91425">
+            <a:noAutofit/>
+          </a:bodyPr>
+          <a:lstStyle/>
+          <a:p>
+            <a:pPr indent="0" lvl="0" marL="0" rtl="0" algn="l">
+              <a:spcBef>
+                <a:spcPts val="0"/>
+              </a:spcBef>
+              <a:spcAft>
+                <a:spcPts val="0"/>
+              </a:spcAft>
+              <a:buNone/>
+            </a:pPr>
+            <a:r>
+              <a:t/>
+            </a:r>
+            <a:endParaRPr/>
+          </a:p>
+        </p:txBody>
+      </p:sp>
+      <p:sp>
+        <p:nvSpPr>
+          <p:cNvPr id="149" name="Google Shape;149;g2ca6d4f84d4_2_165:notes"/>
           <p:cNvSpPr/>
           <p:nvPr>
             <p:ph idx="2" type="sldImg"/>
@@ -1042,45 +1037,6 @@
           </a:custGeom>
         </p:spPr>
       </p:sp>
-      <p:sp>
-        <p:nvSpPr>
-          <p:cNvPr id="149" name="Google Shape;149;g2ca772be537_1_20:notes"/>
-          <p:cNvSpPr txBox="1"/>
-          <p:nvPr>
-            <p:ph idx="1" type="body"/>
-          </p:nvPr>
-        </p:nvSpPr>
-        <p:spPr>
-          <a:xfrm>
-            <a:off x="685800" y="4343400"/>
-            <a:ext cx="5486400" cy="4114800"/>
-          </a:xfrm>
-          <a:prstGeom prst="rect">
-            <a:avLst/>
-          </a:prstGeom>
-        </p:spPr>
-        <p:txBody>
-          <a:bodyPr anchorCtr="0" anchor="t" bIns="91425" lIns="91425" spcFirstLastPara="1" rIns="91425" wrap="square" tIns="91425">
-            <a:noAutofit/>
-          </a:bodyPr>
-          <a:lstStyle/>
-          <a:p>
-            <a:pPr indent="0" lvl="0" marL="0" rtl="0" algn="l">
-              <a:spcBef>
-                <a:spcPts val="0"/>
-              </a:spcBef>
-              <a:spcAft>
-                <a:spcPts val="0"/>
-              </a:spcAft>
-              <a:buNone/>
-            </a:pPr>
-            <a:r>
-              <a:t/>
-            </a:r>
-            <a:endParaRPr/>
-          </a:p>
-        </p:txBody>
-      </p:sp>
     </p:spTree>
   </p:cSld>
   <p:clrMapOvr>
@@ -1108,7 +1064,46 @@
       </p:grpSpPr>
       <p:sp>
         <p:nvSpPr>
-          <p:cNvPr id="156" name="Google Shape;156;g2ca772be537_1_27:notes"/>
+          <p:cNvPr id="156" name="Google Shape;156;g2ca6d4f84d4_2_247:notes"/>
+          <p:cNvSpPr txBox="1"/>
+          <p:nvPr>
+            <p:ph idx="1" type="body"/>
+          </p:nvPr>
+        </p:nvSpPr>
+        <p:spPr>
+          <a:xfrm>
+            <a:off x="685800" y="4343400"/>
+            <a:ext cx="5486400" cy="4114800"/>
+          </a:xfrm>
+          <a:prstGeom prst="rect">
+            <a:avLst/>
+          </a:prstGeom>
+        </p:spPr>
+        <p:txBody>
+          <a:bodyPr anchorCtr="0" anchor="t" bIns="91425" lIns="91425" spcFirstLastPara="1" rIns="91425" wrap="square" tIns="91425">
+            <a:noAutofit/>
+          </a:bodyPr>
+          <a:lstStyle/>
+          <a:p>
+            <a:pPr indent="0" lvl="0" marL="0" rtl="0" algn="l">
+              <a:spcBef>
+                <a:spcPts val="0"/>
+              </a:spcBef>
+              <a:spcAft>
+                <a:spcPts val="0"/>
+              </a:spcAft>
+              <a:buNone/>
+            </a:pPr>
+            <a:r>
+              <a:t/>
+            </a:r>
+            <a:endParaRPr/>
+          </a:p>
+        </p:txBody>
+      </p:sp>
+      <p:sp>
+        <p:nvSpPr>
+          <p:cNvPr id="157" name="Google Shape;157;g2ca6d4f84d4_2_247:notes"/>
           <p:cNvSpPr/>
           <p:nvPr>
             <p:ph idx="2" type="sldImg"/>
@@ -1141,45 +1136,6 @@
           </a:custGeom>
         </p:spPr>
       </p:sp>
-      <p:sp>
-        <p:nvSpPr>
-          <p:cNvPr id="157" name="Google Shape;157;g2ca772be537_1_27:notes"/>
-          <p:cNvSpPr txBox="1"/>
-          <p:nvPr>
-            <p:ph idx="1" type="body"/>
-          </p:nvPr>
-        </p:nvSpPr>
-        <p:spPr>
-          <a:xfrm>
-            <a:off x="685800" y="4343400"/>
-            <a:ext cx="5486400" cy="4114800"/>
-          </a:xfrm>
-          <a:prstGeom prst="rect">
-            <a:avLst/>
-          </a:prstGeom>
-        </p:spPr>
-        <p:txBody>
-          <a:bodyPr anchorCtr="0" anchor="t" bIns="91425" lIns="91425" spcFirstLastPara="1" rIns="91425" wrap="square" tIns="91425">
-            <a:noAutofit/>
-          </a:bodyPr>
-          <a:lstStyle/>
-          <a:p>
-            <a:pPr indent="0" lvl="0" marL="0" rtl="0" algn="l">
-              <a:spcBef>
-                <a:spcPts val="0"/>
-              </a:spcBef>
-              <a:spcAft>
-                <a:spcPts val="0"/>
-              </a:spcAft>
-              <a:buNone/>
-            </a:pPr>
-            <a:r>
-              <a:t/>
-            </a:r>
-            <a:endParaRPr/>
-          </a:p>
-        </p:txBody>
-      </p:sp>
     </p:spTree>
   </p:cSld>
   <p:clrMapOvr>
@@ -1193,7 +1149,7 @@
   <p:cSld>
     <p:spTree>
       <p:nvGrpSpPr>
-        <p:cNvPr id="162" name="Shape 162"/>
+        <p:cNvPr id="163" name="Shape 163"/>
         <p:cNvGrpSpPr/>
         <p:nvPr/>
       </p:nvGrpSpPr>
@@ -1207,7 +1163,7 @@
       </p:grpSpPr>
       <p:sp>
         <p:nvSpPr>
-          <p:cNvPr id="163" name="Google Shape;163;p12:notes"/>
+          <p:cNvPr id="164" name="Google Shape;164;g2ca9327ea0d_0_5:notes"/>
           <p:cNvSpPr txBox="1"/>
           <p:nvPr>
             <p:ph idx="1" type="body"/>
@@ -1254,7 +1210,7 @@
       </p:sp>
       <p:sp>
         <p:nvSpPr>
-          <p:cNvPr id="164" name="Google Shape;164;p12:notes"/>
+          <p:cNvPr id="165" name="Google Shape;165;g2ca9327ea0d_0_5:notes"/>
           <p:cNvSpPr/>
           <p:nvPr>
             <p:ph idx="2" type="sldImg"/>
@@ -1310,7 +1266,7 @@
   <p:cSld>
     <p:spTree>
       <p:nvGrpSpPr>
-        <p:cNvPr id="172" name="Shape 172"/>
+        <p:cNvPr id="171" name="Shape 171"/>
         <p:cNvGrpSpPr/>
         <p:nvPr/>
       </p:nvGrpSpPr>
@@ -1324,7 +1280,106 @@
       </p:grpSpPr>
       <p:sp>
         <p:nvSpPr>
-          <p:cNvPr id="173" name="Google Shape;173;p13:notes"/>
+          <p:cNvPr id="172" name="Google Shape;172;g2ca772be537_1_27:notes"/>
+          <p:cNvSpPr/>
+          <p:nvPr>
+            <p:ph idx="2" type="sldImg"/>
+          </p:nvPr>
+        </p:nvSpPr>
+        <p:spPr>
+          <a:xfrm>
+            <a:off x="1143225" y="685800"/>
+            <a:ext cx="4572300" cy="3429000"/>
+          </a:xfrm>
+          <a:custGeom>
+            <a:rect b="b" l="l" r="r" t="t"/>
+            <a:pathLst>
+              <a:path extrusionOk="0" h="120000" w="120000">
+                <a:moveTo>
+                  <a:pt x="0" y="0"/>
+                </a:moveTo>
+                <a:lnTo>
+                  <a:pt x="120000" y="0"/>
+                </a:lnTo>
+                <a:lnTo>
+                  <a:pt x="120000" y="120000"/>
+                </a:lnTo>
+                <a:lnTo>
+                  <a:pt x="0" y="120000"/>
+                </a:lnTo>
+                <a:close/>
+              </a:path>
+            </a:pathLst>
+          </a:custGeom>
+        </p:spPr>
+      </p:sp>
+      <p:sp>
+        <p:nvSpPr>
+          <p:cNvPr id="173" name="Google Shape;173;g2ca772be537_1_27:notes"/>
+          <p:cNvSpPr txBox="1"/>
+          <p:nvPr>
+            <p:ph idx="1" type="body"/>
+          </p:nvPr>
+        </p:nvSpPr>
+        <p:spPr>
+          <a:xfrm>
+            <a:off x="685800" y="4343400"/>
+            <a:ext cx="5486400" cy="4114800"/>
+          </a:xfrm>
+          <a:prstGeom prst="rect">
+            <a:avLst/>
+          </a:prstGeom>
+        </p:spPr>
+        <p:txBody>
+          <a:bodyPr anchorCtr="0" anchor="t" bIns="91425" lIns="91425" spcFirstLastPara="1" rIns="91425" wrap="square" tIns="91425">
+            <a:noAutofit/>
+          </a:bodyPr>
+          <a:lstStyle/>
+          <a:p>
+            <a:pPr indent="0" lvl="0" marL="0" rtl="0" algn="l">
+              <a:spcBef>
+                <a:spcPts val="0"/>
+              </a:spcBef>
+              <a:spcAft>
+                <a:spcPts val="0"/>
+              </a:spcAft>
+              <a:buNone/>
+            </a:pPr>
+            <a:r>
+              <a:t/>
+            </a:r>
+            <a:endParaRPr/>
+          </a:p>
+        </p:txBody>
+      </p:sp>
+    </p:spTree>
+  </p:cSld>
+  <p:clrMapOvr>
+    <a:masterClrMapping/>
+  </p:clrMapOvr>
+</p:notes>
+</file>
+
+<file path=ppt/notesSlides/notesSlide14.xml><?xml version="1.0" encoding="utf-8"?>
+<p:notes xmlns:a="http://schemas.openxmlformats.org/drawingml/2006/main" xmlns:r="http://schemas.openxmlformats.org/officeDocument/2006/relationships" xmlns:mc="http://schemas.openxmlformats.org/markup-compatibility/2006" xmlns:mv="urn:schemas-microsoft-com:mac:vml" xmlns:p="http://schemas.openxmlformats.org/presentationml/2006/main" xmlns:c="http://schemas.openxmlformats.org/drawingml/2006/chart" xmlns:dgm="http://schemas.openxmlformats.org/drawingml/2006/diagram" xmlns:o="urn:schemas-microsoft-com:office:office" xmlns:v="urn:schemas-microsoft-com:vml" xmlns:pvml="urn:schemas-microsoft-com:office:powerpoint" xmlns:com="http://schemas.openxmlformats.org/drawingml/2006/compatibility" xmlns:p14="http://schemas.microsoft.com/office/powerpoint/2010/main" xmlns:p15="http://schemas.microsoft.com/office/powerpoint/2012/main" xmlns:ahyp="http://schemas.microsoft.com/office/drawing/2018/hyperlinkcolor" showMasterPhAnim="0" showMasterSp="0">
+  <p:cSld>
+    <p:spTree>
+      <p:nvGrpSpPr>
+        <p:cNvPr id="178" name="Shape 178"/>
+        <p:cNvGrpSpPr/>
+        <p:nvPr/>
+      </p:nvGrpSpPr>
+      <p:grpSpPr>
+        <a:xfrm>
+          <a:off x="0" y="0"/>
+          <a:ext cx="0" cy="0"/>
+          <a:chOff x="0" y="0"/>
+          <a:chExt cx="0" cy="0"/>
+        </a:xfrm>
+      </p:grpSpPr>
+      <p:sp>
+        <p:nvSpPr>
+          <p:cNvPr id="179" name="Google Shape;179;p12:notes"/>
           <p:cNvSpPr txBox="1"/>
           <p:nvPr>
             <p:ph idx="1" type="body"/>
@@ -1371,124 +1426,7 @@
       </p:sp>
       <p:sp>
         <p:nvSpPr>
-          <p:cNvPr id="174" name="Google Shape;174;p13:notes"/>
-          <p:cNvSpPr/>
-          <p:nvPr>
-            <p:ph idx="2" type="sldImg"/>
-          </p:nvPr>
-        </p:nvSpPr>
-        <p:spPr>
-          <a:xfrm>
-            <a:off x="381000" y="685800"/>
-            <a:ext cx="6096000" cy="3429000"/>
-          </a:xfrm>
-          <a:custGeom>
-            <a:rect b="b" l="l" r="r" t="t"/>
-            <a:pathLst>
-              <a:path extrusionOk="0" h="120000" w="120000">
-                <a:moveTo>
-                  <a:pt x="0" y="0"/>
-                </a:moveTo>
-                <a:lnTo>
-                  <a:pt x="120000" y="0"/>
-                </a:lnTo>
-                <a:lnTo>
-                  <a:pt x="120000" y="120000"/>
-                </a:lnTo>
-                <a:lnTo>
-                  <a:pt x="0" y="120000"/>
-                </a:lnTo>
-                <a:close/>
-              </a:path>
-            </a:pathLst>
-          </a:custGeom>
-          <a:noFill/>
-          <a:ln cap="flat" cmpd="sng" w="9525">
-            <a:solidFill>
-              <a:srgbClr val="000000"/>
-            </a:solidFill>
-            <a:prstDash val="solid"/>
-            <a:round/>
-            <a:headEnd len="sm" w="sm" type="none"/>
-            <a:tailEnd len="sm" w="sm" type="none"/>
-          </a:ln>
-        </p:spPr>
-      </p:sp>
-    </p:spTree>
-  </p:cSld>
-  <p:clrMapOvr>
-    <a:masterClrMapping/>
-  </p:clrMapOvr>
-</p:notes>
-</file>
-
-<file path=ppt/notesSlides/notesSlide14.xml><?xml version="1.0" encoding="utf-8"?>
-<p:notes xmlns:a="http://schemas.openxmlformats.org/drawingml/2006/main" xmlns:r="http://schemas.openxmlformats.org/officeDocument/2006/relationships" xmlns:mc="http://schemas.openxmlformats.org/markup-compatibility/2006" xmlns:mv="urn:schemas-microsoft-com:mac:vml" xmlns:p="http://schemas.openxmlformats.org/presentationml/2006/main" xmlns:c="http://schemas.openxmlformats.org/drawingml/2006/chart" xmlns:dgm="http://schemas.openxmlformats.org/drawingml/2006/diagram" xmlns:o="urn:schemas-microsoft-com:office:office" xmlns:v="urn:schemas-microsoft-com:vml" xmlns:pvml="urn:schemas-microsoft-com:office:powerpoint" xmlns:com="http://schemas.openxmlformats.org/drawingml/2006/compatibility" xmlns:p14="http://schemas.microsoft.com/office/powerpoint/2010/main" xmlns:p15="http://schemas.microsoft.com/office/powerpoint/2012/main" xmlns:ahyp="http://schemas.microsoft.com/office/drawing/2018/hyperlinkcolor" showMasterPhAnim="0" showMasterSp="0">
-  <p:cSld>
-    <p:spTree>
-      <p:nvGrpSpPr>
-        <p:cNvPr id="180" name="Shape 180"/>
-        <p:cNvGrpSpPr/>
-        <p:nvPr/>
-      </p:nvGrpSpPr>
-      <p:grpSpPr>
-        <a:xfrm>
-          <a:off x="0" y="0"/>
-          <a:ext cx="0" cy="0"/>
-          <a:chOff x="0" y="0"/>
-          <a:chExt cx="0" cy="0"/>
-        </a:xfrm>
-      </p:grpSpPr>
-      <p:sp>
-        <p:nvSpPr>
-          <p:cNvPr id="181" name="Google Shape;181;g2ca9327ea0d_0_23:notes"/>
-          <p:cNvSpPr txBox="1"/>
-          <p:nvPr>
-            <p:ph idx="1" type="body"/>
-          </p:nvPr>
-        </p:nvSpPr>
-        <p:spPr>
-          <a:xfrm>
-            <a:off x="685800" y="4343400"/>
-            <a:ext cx="5486400" cy="4114800"/>
-          </a:xfrm>
-          <a:prstGeom prst="rect">
-            <a:avLst/>
-          </a:prstGeom>
-          <a:noFill/>
-          <a:ln>
-            <a:noFill/>
-          </a:ln>
-        </p:spPr>
-        <p:txBody>
-          <a:bodyPr anchorCtr="0" anchor="t" bIns="91425" lIns="91425" spcFirstLastPara="1" rIns="91425" wrap="square" tIns="91425">
-            <a:noAutofit/>
-          </a:bodyPr>
-          <a:lstStyle/>
-          <a:p>
-            <a:pPr indent="0" lvl="0" marL="0" rtl="0" algn="l">
-              <a:lnSpc>
-                <a:spcPct val="100000"/>
-              </a:lnSpc>
-              <a:spcBef>
-                <a:spcPts val="0"/>
-              </a:spcBef>
-              <a:spcAft>
-                <a:spcPts val="0"/>
-              </a:spcAft>
-              <a:buSzPts val="1100"/>
-              <a:buNone/>
-            </a:pPr>
-            <a:r>
-              <a:t/>
-            </a:r>
-            <a:endParaRPr/>
-          </a:p>
-        </p:txBody>
-      </p:sp>
-      <p:sp>
-        <p:nvSpPr>
-          <p:cNvPr id="182" name="Google Shape;182;g2ca9327ea0d_0_23:notes"/>
+          <p:cNvPr id="180" name="Google Shape;180;p12:notes"/>
           <p:cNvSpPr/>
           <p:nvPr>
             <p:ph idx="2" type="sldImg"/>
@@ -1544,7 +1482,7 @@
   <p:cSld>
     <p:spTree>
       <p:nvGrpSpPr>
-        <p:cNvPr id="187" name="Shape 187"/>
+        <p:cNvPr id="188" name="Shape 188"/>
         <p:cNvGrpSpPr/>
         <p:nvPr/>
       </p:nvGrpSpPr>
@@ -1558,7 +1496,241 @@
       </p:grpSpPr>
       <p:sp>
         <p:nvSpPr>
-          <p:cNvPr id="188" name="Google Shape;188;p14:notes"/>
+          <p:cNvPr id="189" name="Google Shape;189;p13:notes"/>
+          <p:cNvSpPr txBox="1"/>
+          <p:nvPr>
+            <p:ph idx="1" type="body"/>
+          </p:nvPr>
+        </p:nvSpPr>
+        <p:spPr>
+          <a:xfrm>
+            <a:off x="685800" y="4343400"/>
+            <a:ext cx="5486400" cy="4114800"/>
+          </a:xfrm>
+          <a:prstGeom prst="rect">
+            <a:avLst/>
+          </a:prstGeom>
+          <a:noFill/>
+          <a:ln>
+            <a:noFill/>
+          </a:ln>
+        </p:spPr>
+        <p:txBody>
+          <a:bodyPr anchorCtr="0" anchor="t" bIns="91425" lIns="91425" spcFirstLastPara="1" rIns="91425" wrap="square" tIns="91425">
+            <a:noAutofit/>
+          </a:bodyPr>
+          <a:lstStyle/>
+          <a:p>
+            <a:pPr indent="0" lvl="0" marL="0" rtl="0" algn="l">
+              <a:lnSpc>
+                <a:spcPct val="100000"/>
+              </a:lnSpc>
+              <a:spcBef>
+                <a:spcPts val="0"/>
+              </a:spcBef>
+              <a:spcAft>
+                <a:spcPts val="0"/>
+              </a:spcAft>
+              <a:buSzPts val="1100"/>
+              <a:buNone/>
+            </a:pPr>
+            <a:r>
+              <a:t/>
+            </a:r>
+            <a:endParaRPr/>
+          </a:p>
+        </p:txBody>
+      </p:sp>
+      <p:sp>
+        <p:nvSpPr>
+          <p:cNvPr id="190" name="Google Shape;190;p13:notes"/>
+          <p:cNvSpPr/>
+          <p:nvPr>
+            <p:ph idx="2" type="sldImg"/>
+          </p:nvPr>
+        </p:nvSpPr>
+        <p:spPr>
+          <a:xfrm>
+            <a:off x="381000" y="685800"/>
+            <a:ext cx="6096000" cy="3429000"/>
+          </a:xfrm>
+          <a:custGeom>
+            <a:rect b="b" l="l" r="r" t="t"/>
+            <a:pathLst>
+              <a:path extrusionOk="0" h="120000" w="120000">
+                <a:moveTo>
+                  <a:pt x="0" y="0"/>
+                </a:moveTo>
+                <a:lnTo>
+                  <a:pt x="120000" y="0"/>
+                </a:lnTo>
+                <a:lnTo>
+                  <a:pt x="120000" y="120000"/>
+                </a:lnTo>
+                <a:lnTo>
+                  <a:pt x="0" y="120000"/>
+                </a:lnTo>
+                <a:close/>
+              </a:path>
+            </a:pathLst>
+          </a:custGeom>
+          <a:noFill/>
+          <a:ln cap="flat" cmpd="sng" w="9525">
+            <a:solidFill>
+              <a:srgbClr val="000000"/>
+            </a:solidFill>
+            <a:prstDash val="solid"/>
+            <a:round/>
+            <a:headEnd len="sm" w="sm" type="none"/>
+            <a:tailEnd len="sm" w="sm" type="none"/>
+          </a:ln>
+        </p:spPr>
+      </p:sp>
+    </p:spTree>
+  </p:cSld>
+  <p:clrMapOvr>
+    <a:masterClrMapping/>
+  </p:clrMapOvr>
+</p:notes>
+</file>
+
+<file path=ppt/notesSlides/notesSlide16.xml><?xml version="1.0" encoding="utf-8"?>
+<p:notes xmlns:a="http://schemas.openxmlformats.org/drawingml/2006/main" xmlns:r="http://schemas.openxmlformats.org/officeDocument/2006/relationships" xmlns:mc="http://schemas.openxmlformats.org/markup-compatibility/2006" xmlns:mv="urn:schemas-microsoft-com:mac:vml" xmlns:p="http://schemas.openxmlformats.org/presentationml/2006/main" xmlns:c="http://schemas.openxmlformats.org/drawingml/2006/chart" xmlns:dgm="http://schemas.openxmlformats.org/drawingml/2006/diagram" xmlns:o="urn:schemas-microsoft-com:office:office" xmlns:v="urn:schemas-microsoft-com:vml" xmlns:pvml="urn:schemas-microsoft-com:office:powerpoint" xmlns:com="http://schemas.openxmlformats.org/drawingml/2006/compatibility" xmlns:p14="http://schemas.microsoft.com/office/powerpoint/2010/main" xmlns:p15="http://schemas.microsoft.com/office/powerpoint/2012/main" xmlns:ahyp="http://schemas.microsoft.com/office/drawing/2018/hyperlinkcolor" showMasterPhAnim="0" showMasterSp="0">
+  <p:cSld>
+    <p:spTree>
+      <p:nvGrpSpPr>
+        <p:cNvPr id="196" name="Shape 196"/>
+        <p:cNvGrpSpPr/>
+        <p:nvPr/>
+      </p:nvGrpSpPr>
+      <p:grpSpPr>
+        <a:xfrm>
+          <a:off x="0" y="0"/>
+          <a:ext cx="0" cy="0"/>
+          <a:chOff x="0" y="0"/>
+          <a:chExt cx="0" cy="0"/>
+        </a:xfrm>
+      </p:grpSpPr>
+      <p:sp>
+        <p:nvSpPr>
+          <p:cNvPr id="197" name="Google Shape;197;g2ca9327ea0d_0_23:notes"/>
+          <p:cNvSpPr txBox="1"/>
+          <p:nvPr>
+            <p:ph idx="1" type="body"/>
+          </p:nvPr>
+        </p:nvSpPr>
+        <p:spPr>
+          <a:xfrm>
+            <a:off x="685800" y="4343400"/>
+            <a:ext cx="5486400" cy="4114800"/>
+          </a:xfrm>
+          <a:prstGeom prst="rect">
+            <a:avLst/>
+          </a:prstGeom>
+          <a:noFill/>
+          <a:ln>
+            <a:noFill/>
+          </a:ln>
+        </p:spPr>
+        <p:txBody>
+          <a:bodyPr anchorCtr="0" anchor="t" bIns="91425" lIns="91425" spcFirstLastPara="1" rIns="91425" wrap="square" tIns="91425">
+            <a:noAutofit/>
+          </a:bodyPr>
+          <a:lstStyle/>
+          <a:p>
+            <a:pPr indent="0" lvl="0" marL="0" rtl="0" algn="l">
+              <a:lnSpc>
+                <a:spcPct val="100000"/>
+              </a:lnSpc>
+              <a:spcBef>
+                <a:spcPts val="0"/>
+              </a:spcBef>
+              <a:spcAft>
+                <a:spcPts val="0"/>
+              </a:spcAft>
+              <a:buSzPts val="1100"/>
+              <a:buNone/>
+            </a:pPr>
+            <a:r>
+              <a:t/>
+            </a:r>
+            <a:endParaRPr/>
+          </a:p>
+        </p:txBody>
+      </p:sp>
+      <p:sp>
+        <p:nvSpPr>
+          <p:cNvPr id="198" name="Google Shape;198;g2ca9327ea0d_0_23:notes"/>
+          <p:cNvSpPr/>
+          <p:nvPr>
+            <p:ph idx="2" type="sldImg"/>
+          </p:nvPr>
+        </p:nvSpPr>
+        <p:spPr>
+          <a:xfrm>
+            <a:off x="381000" y="685800"/>
+            <a:ext cx="6096000" cy="3429000"/>
+          </a:xfrm>
+          <a:custGeom>
+            <a:rect b="b" l="l" r="r" t="t"/>
+            <a:pathLst>
+              <a:path extrusionOk="0" h="120000" w="120000">
+                <a:moveTo>
+                  <a:pt x="0" y="0"/>
+                </a:moveTo>
+                <a:lnTo>
+                  <a:pt x="120000" y="0"/>
+                </a:lnTo>
+                <a:lnTo>
+                  <a:pt x="120000" y="120000"/>
+                </a:lnTo>
+                <a:lnTo>
+                  <a:pt x="0" y="120000"/>
+                </a:lnTo>
+                <a:close/>
+              </a:path>
+            </a:pathLst>
+          </a:custGeom>
+          <a:noFill/>
+          <a:ln cap="flat" cmpd="sng" w="9525">
+            <a:solidFill>
+              <a:srgbClr val="000000"/>
+            </a:solidFill>
+            <a:prstDash val="solid"/>
+            <a:round/>
+            <a:headEnd len="sm" w="sm" type="none"/>
+            <a:tailEnd len="sm" w="sm" type="none"/>
+          </a:ln>
+        </p:spPr>
+      </p:sp>
+    </p:spTree>
+  </p:cSld>
+  <p:clrMapOvr>
+    <a:masterClrMapping/>
+  </p:clrMapOvr>
+</p:notes>
+</file>
+
+<file path=ppt/notesSlides/notesSlide17.xml><?xml version="1.0" encoding="utf-8"?>
+<p:notes xmlns:a="http://schemas.openxmlformats.org/drawingml/2006/main" xmlns:r="http://schemas.openxmlformats.org/officeDocument/2006/relationships" xmlns:mc="http://schemas.openxmlformats.org/markup-compatibility/2006" xmlns:mv="urn:schemas-microsoft-com:mac:vml" xmlns:p="http://schemas.openxmlformats.org/presentationml/2006/main" xmlns:c="http://schemas.openxmlformats.org/drawingml/2006/chart" xmlns:dgm="http://schemas.openxmlformats.org/drawingml/2006/diagram" xmlns:o="urn:schemas-microsoft-com:office:office" xmlns:v="urn:schemas-microsoft-com:vml" xmlns:pvml="urn:schemas-microsoft-com:office:powerpoint" xmlns:com="http://schemas.openxmlformats.org/drawingml/2006/compatibility" xmlns:p14="http://schemas.microsoft.com/office/powerpoint/2010/main" xmlns:p15="http://schemas.microsoft.com/office/powerpoint/2012/main" xmlns:ahyp="http://schemas.microsoft.com/office/drawing/2018/hyperlinkcolor" showMasterPhAnim="0" showMasterSp="0">
+  <p:cSld>
+    <p:spTree>
+      <p:nvGrpSpPr>
+        <p:cNvPr id="203" name="Shape 203"/>
+        <p:cNvGrpSpPr/>
+        <p:nvPr/>
+      </p:nvGrpSpPr>
+      <p:grpSpPr>
+        <a:xfrm>
+          <a:off x="0" y="0"/>
+          <a:ext cx="0" cy="0"/>
+          <a:chOff x="0" y="0"/>
+          <a:chExt cx="0" cy="0"/>
+        </a:xfrm>
+      </p:grpSpPr>
+      <p:sp>
+        <p:nvSpPr>
+          <p:cNvPr id="204" name="Google Shape;204;p14:notes"/>
           <p:cNvSpPr/>
           <p:nvPr>
             <p:ph idx="2" type="sldImg"/>
@@ -1603,7 +1775,7 @@
       </p:sp>
       <p:sp>
         <p:nvSpPr>
-          <p:cNvPr id="189" name="Google Shape;189;p14:notes"/>
+          <p:cNvPr id="205" name="Google Shape;205;p14:notes"/>
           <p:cNvSpPr txBox="1"/>
           <p:nvPr>
             <p:ph idx="1" type="body"/>
@@ -1675,7 +1847,7 @@
       </p:grpSpPr>
       <p:sp>
         <p:nvSpPr>
-          <p:cNvPr id="79" name="Google Shape;79;p2:notes"/>
+          <p:cNvPr id="79" name="Google Shape;79;g2ca6d4f84d4_2_415:notes"/>
           <p:cNvSpPr/>
           <p:nvPr>
             <p:ph idx="2" type="sldImg"/>
@@ -1683,8 +1855,8 @@
         </p:nvSpPr>
         <p:spPr>
           <a:xfrm>
-            <a:off x="381000" y="685800"/>
-            <a:ext cx="6096000" cy="3429000"/>
+            <a:off x="1143225" y="685800"/>
+            <a:ext cx="4572300" cy="3429000"/>
           </a:xfrm>
           <a:custGeom>
             <a:rect b="b" l="l" r="r" t="t"/>
@@ -1706,21 +1878,11 @@
               </a:path>
             </a:pathLst>
           </a:custGeom>
-          <a:noFill/>
-          <a:ln cap="flat" cmpd="sng" w="9525">
-            <a:solidFill>
-              <a:srgbClr val="000000"/>
-            </a:solidFill>
-            <a:prstDash val="solid"/>
-            <a:round/>
-            <a:headEnd len="sm" w="sm" type="none"/>
-            <a:tailEnd len="sm" w="sm" type="none"/>
-          </a:ln>
         </p:spPr>
       </p:sp>
       <p:sp>
         <p:nvSpPr>
-          <p:cNvPr id="80" name="Google Shape;80;p2:notes"/>
+          <p:cNvPr id="80" name="Google Shape;80;g2ca6d4f84d4_2_415:notes"/>
           <p:cNvSpPr txBox="1"/>
           <p:nvPr>
             <p:ph idx="1" type="body"/>
@@ -1734,10 +1896,6 @@
           <a:prstGeom prst="rect">
             <a:avLst/>
           </a:prstGeom>
-          <a:noFill/>
-          <a:ln>
-            <a:noFill/>
-          </a:ln>
         </p:spPr>
         <p:txBody>
           <a:bodyPr anchorCtr="0" anchor="t" bIns="91425" lIns="91425" spcFirstLastPara="1" rIns="91425" wrap="square" tIns="91425">
@@ -1746,16 +1904,12 @@
           <a:lstStyle/>
           <a:p>
             <a:pPr indent="0" lvl="0" marL="0" rtl="0" algn="l">
-              <a:lnSpc>
-                <a:spcPct val="100000"/>
-              </a:lnSpc>
-              <a:spcBef>
-                <a:spcPts val="0"/>
-              </a:spcBef>
-              <a:spcAft>
-                <a:spcPts val="0"/>
-              </a:spcAft>
-              <a:buSzPts val="1100"/>
+              <a:spcBef>
+                <a:spcPts val="0"/>
+              </a:spcBef>
+              <a:spcAft>
+                <a:spcPts val="0"/>
+              </a:spcAft>
               <a:buNone/>
             </a:pPr>
             <a:r>
@@ -1895,7 +2049,7 @@
   <p:cSld>
     <p:spTree>
       <p:nvGrpSpPr>
-        <p:cNvPr id="97" name="Shape 97"/>
+        <p:cNvPr id="96" name="Shape 96"/>
         <p:cNvGrpSpPr/>
         <p:nvPr/>
       </p:nvGrpSpPr>
@@ -1909,7 +2063,7 @@
       </p:grpSpPr>
       <p:sp>
         <p:nvSpPr>
-          <p:cNvPr id="98" name="Google Shape;98;p4:notes"/>
+          <p:cNvPr id="97" name="Google Shape;97;p4:notes"/>
           <p:cNvSpPr txBox="1"/>
           <p:nvPr>
             <p:ph idx="1" type="body"/>
@@ -1956,7 +2110,7 @@
       </p:sp>
       <p:sp>
         <p:nvSpPr>
-          <p:cNvPr id="99" name="Google Shape;99;p4:notes"/>
+          <p:cNvPr id="98" name="Google Shape;98;p4:notes"/>
           <p:cNvSpPr/>
           <p:nvPr>
             <p:ph idx="2" type="sldImg"/>
@@ -2012,7 +2166,7 @@
   <p:cSld>
     <p:spTree>
       <p:nvGrpSpPr>
-        <p:cNvPr id="105" name="Shape 105"/>
+        <p:cNvPr id="104" name="Shape 104"/>
         <p:cNvGrpSpPr/>
         <p:nvPr/>
       </p:nvGrpSpPr>
@@ -2026,7 +2180,7 @@
       </p:grpSpPr>
       <p:sp>
         <p:nvSpPr>
-          <p:cNvPr id="106" name="Google Shape;106;g2ca772be537_1_1:notes"/>
+          <p:cNvPr id="105" name="Google Shape;105;g2ca772be537_1_1:notes"/>
           <p:cNvSpPr txBox="1"/>
           <p:nvPr>
             <p:ph idx="1" type="body"/>
@@ -2073,7 +2227,7 @@
       </p:sp>
       <p:sp>
         <p:nvSpPr>
-          <p:cNvPr id="107" name="Google Shape;107;g2ca772be537_1_1:notes"/>
+          <p:cNvPr id="106" name="Google Shape;106;g2ca772be537_1_1:notes"/>
           <p:cNvSpPr/>
           <p:nvPr>
             <p:ph idx="2" type="sldImg"/>
@@ -2129,7 +2283,7 @@
   <p:cSld>
     <p:spTree>
       <p:nvGrpSpPr>
-        <p:cNvPr id="113" name="Shape 113"/>
+        <p:cNvPr id="112" name="Shape 112"/>
         <p:cNvGrpSpPr/>
         <p:nvPr/>
       </p:nvGrpSpPr>
@@ -2143,7 +2297,7 @@
       </p:grpSpPr>
       <p:sp>
         <p:nvSpPr>
-          <p:cNvPr id="114" name="Google Shape;114;p5:notes"/>
+          <p:cNvPr id="113" name="Google Shape;113;p5:notes"/>
           <p:cNvSpPr txBox="1"/>
           <p:nvPr>
             <p:ph idx="1" type="body"/>
@@ -2190,7 +2344,7 @@
       </p:sp>
       <p:sp>
         <p:nvSpPr>
-          <p:cNvPr id="115" name="Google Shape;115;p5:notes"/>
+          <p:cNvPr id="114" name="Google Shape;114;p5:notes"/>
           <p:cNvSpPr/>
           <p:nvPr>
             <p:ph idx="2" type="sldImg"/>
@@ -2246,7 +2400,7 @@
   <p:cSld>
     <p:spTree>
       <p:nvGrpSpPr>
-        <p:cNvPr id="123" name="Shape 123"/>
+        <p:cNvPr id="122" name="Shape 122"/>
         <p:cNvGrpSpPr/>
         <p:nvPr/>
       </p:nvGrpSpPr>
@@ -2260,7 +2414,7 @@
       </p:grpSpPr>
       <p:sp>
         <p:nvSpPr>
-          <p:cNvPr id="124" name="Google Shape;124;p6:notes"/>
+          <p:cNvPr id="123" name="Google Shape;123;p6:notes"/>
           <p:cNvSpPr txBox="1"/>
           <p:nvPr>
             <p:ph idx="1" type="body"/>
@@ -2307,7 +2461,7 @@
       </p:sp>
       <p:sp>
         <p:nvSpPr>
-          <p:cNvPr id="125" name="Google Shape;125;p6:notes"/>
+          <p:cNvPr id="124" name="Google Shape;124;p6:notes"/>
           <p:cNvSpPr/>
           <p:nvPr>
             <p:ph idx="2" type="sldImg"/>
@@ -2363,7 +2517,7 @@
   <p:cSld>
     <p:spTree>
       <p:nvGrpSpPr>
-        <p:cNvPr id="131" name="Shape 131"/>
+        <p:cNvPr id="130" name="Shape 130"/>
         <p:cNvGrpSpPr/>
         <p:nvPr/>
       </p:nvGrpSpPr>
@@ -2377,7 +2531,7 @@
       </p:grpSpPr>
       <p:sp>
         <p:nvSpPr>
-          <p:cNvPr id="132" name="Google Shape;132;p7:notes"/>
+          <p:cNvPr id="131" name="Google Shape;131;g2ca6d4f84d4_2_0:notes"/>
           <p:cNvSpPr txBox="1"/>
           <p:nvPr>
             <p:ph idx="1" type="body"/>
@@ -2391,10 +2545,6 @@
           <a:prstGeom prst="rect">
             <a:avLst/>
           </a:prstGeom>
-          <a:noFill/>
-          <a:ln>
-            <a:noFill/>
-          </a:ln>
         </p:spPr>
         <p:txBody>
           <a:bodyPr anchorCtr="0" anchor="t" bIns="91425" lIns="91425" spcFirstLastPara="1" rIns="91425" wrap="square" tIns="91425">
@@ -2403,16 +2553,12 @@
           <a:lstStyle/>
           <a:p>
             <a:pPr indent="0" lvl="0" marL="0" rtl="0" algn="l">
-              <a:lnSpc>
-                <a:spcPct val="100000"/>
-              </a:lnSpc>
-              <a:spcBef>
-                <a:spcPts val="0"/>
-              </a:spcBef>
-              <a:spcAft>
-                <a:spcPts val="0"/>
-              </a:spcAft>
-              <a:buSzPts val="1100"/>
+              <a:spcBef>
+                <a:spcPts val="0"/>
+              </a:spcBef>
+              <a:spcAft>
+                <a:spcPts val="0"/>
+              </a:spcAft>
               <a:buNone/>
             </a:pPr>
             <a:r>
@@ -2424,7 +2570,7 @@
       </p:sp>
       <p:sp>
         <p:nvSpPr>
-          <p:cNvPr id="133" name="Google Shape;133;p7:notes"/>
+          <p:cNvPr id="132" name="Google Shape;132;g2ca6d4f84d4_2_0:notes"/>
           <p:cNvSpPr/>
           <p:nvPr>
             <p:ph idx="2" type="sldImg"/>
@@ -2432,8 +2578,8 @@
         </p:nvSpPr>
         <p:spPr>
           <a:xfrm>
-            <a:off x="381000" y="685800"/>
-            <a:ext cx="6096000" cy="3429000"/>
+            <a:off x="1143225" y="685800"/>
+            <a:ext cx="4572300" cy="3429000"/>
           </a:xfrm>
           <a:custGeom>
             <a:rect b="b" l="l" r="r" t="t"/>
@@ -2455,16 +2601,6 @@
               </a:path>
             </a:pathLst>
           </a:custGeom>
-          <a:noFill/>
-          <a:ln cap="flat" cmpd="sng" w="9525">
-            <a:solidFill>
-              <a:srgbClr val="000000"/>
-            </a:solidFill>
-            <a:prstDash val="solid"/>
-            <a:round/>
-            <a:headEnd len="sm" w="sm" type="none"/>
-            <a:tailEnd len="sm" w="sm" type="none"/>
-          </a:ln>
         </p:spPr>
       </p:sp>
     </p:spTree>
@@ -2480,7 +2616,7 @@
   <p:cSld>
     <p:spTree>
       <p:nvGrpSpPr>
-        <p:cNvPr id="138" name="Shape 138"/>
+        <p:cNvPr id="139" name="Shape 139"/>
         <p:cNvGrpSpPr/>
         <p:nvPr/>
       </p:nvGrpSpPr>
@@ -2494,7 +2630,7 @@
       </p:grpSpPr>
       <p:sp>
         <p:nvSpPr>
-          <p:cNvPr id="139" name="Google Shape;139;g2ca9327ea0d_0_5:notes"/>
+          <p:cNvPr id="140" name="Google Shape;140;g2ca6d4f84d4_2_83:notes"/>
           <p:cNvSpPr txBox="1"/>
           <p:nvPr>
             <p:ph idx="1" type="body"/>
@@ -2508,10 +2644,6 @@
           <a:prstGeom prst="rect">
             <a:avLst/>
           </a:prstGeom>
-          <a:noFill/>
-          <a:ln>
-            <a:noFill/>
-          </a:ln>
         </p:spPr>
         <p:txBody>
           <a:bodyPr anchorCtr="0" anchor="t" bIns="91425" lIns="91425" spcFirstLastPara="1" rIns="91425" wrap="square" tIns="91425">
@@ -2520,16 +2652,12 @@
           <a:lstStyle/>
           <a:p>
             <a:pPr indent="0" lvl="0" marL="0" rtl="0" algn="l">
-              <a:lnSpc>
-                <a:spcPct val="100000"/>
-              </a:lnSpc>
-              <a:spcBef>
-                <a:spcPts val="0"/>
-              </a:spcBef>
-              <a:spcAft>
-                <a:spcPts val="0"/>
-              </a:spcAft>
-              <a:buSzPts val="1100"/>
+              <a:spcBef>
+                <a:spcPts val="0"/>
+              </a:spcBef>
+              <a:spcAft>
+                <a:spcPts val="0"/>
+              </a:spcAft>
               <a:buNone/>
             </a:pPr>
             <a:r>
@@ -2541,7 +2669,7 @@
       </p:sp>
       <p:sp>
         <p:nvSpPr>
-          <p:cNvPr id="140" name="Google Shape;140;g2ca9327ea0d_0_5:notes"/>
+          <p:cNvPr id="141" name="Google Shape;141;g2ca6d4f84d4_2_83:notes"/>
           <p:cNvSpPr/>
           <p:nvPr>
             <p:ph idx="2" type="sldImg"/>
@@ -2549,8 +2677,8 @@
         </p:nvSpPr>
         <p:spPr>
           <a:xfrm>
-            <a:off x="381000" y="685800"/>
-            <a:ext cx="6096000" cy="3429000"/>
+            <a:off x="1143225" y="685800"/>
+            <a:ext cx="4572300" cy="3429000"/>
           </a:xfrm>
           <a:custGeom>
             <a:rect b="b" l="l" r="r" t="t"/>
@@ -2572,16 +2700,6 @@
               </a:path>
             </a:pathLst>
           </a:custGeom>
-          <a:noFill/>
-          <a:ln cap="flat" cmpd="sng" w="9525">
-            <a:solidFill>
-              <a:srgbClr val="000000"/>
-            </a:solidFill>
-            <a:prstDash val="solid"/>
-            <a:round/>
-            <a:headEnd len="sm" w="sm" type="none"/>
-            <a:tailEnd len="sm" w="sm" type="none"/>
-          </a:ln>
         </p:spPr>
       </p:sp>
     </p:spTree>
@@ -13713,7 +13831,7 @@
       </p:grpSpPr>
       <p:sp>
         <p:nvSpPr>
-          <p:cNvPr id="72" name="Google Shape;72;p1"/>
+          <p:cNvPr id="72" name="Google Shape;72;g2ca6d4f84d4_2_331"/>
           <p:cNvSpPr/>
           <p:nvPr/>
         </p:nvSpPr>
@@ -13744,30 +13862,19 @@
           </a:bodyPr>
           <a:lstStyle/>
           <a:p>
-            <a:pPr indent="0" lvl="0" marL="0" marR="0" rtl="0" algn="ctr">
-              <a:lnSpc>
-                <a:spcPct val="100000"/>
-              </a:lnSpc>
-              <a:spcBef>
-                <a:spcPts val="0"/>
-              </a:spcBef>
-              <a:spcAft>
-                <a:spcPts val="0"/>
-              </a:spcAft>
-              <a:buClr>
-                <a:srgbClr val="000000"/>
-              </a:buClr>
-              <a:buSzPts val="1400"/>
-              <a:buFont typeface="Arial"/>
+            <a:pPr indent="0" lvl="0" marL="0" rtl="0" algn="ctr">
+              <a:spcBef>
+                <a:spcPts val="0"/>
+              </a:spcBef>
+              <a:spcAft>
+                <a:spcPts val="0"/>
+              </a:spcAft>
               <a:buNone/>
             </a:pPr>
             <a:r>
               <a:t/>
             </a:r>
-            <a:endParaRPr b="0" i="0" sz="1400" u="none" cap="none" strike="noStrike">
-              <a:solidFill>
-                <a:srgbClr val="000000"/>
-              </a:solidFill>
+            <a:endParaRPr>
               <a:latin typeface="Calibri"/>
               <a:ea typeface="Calibri"/>
               <a:cs typeface="Calibri"/>
@@ -13778,7 +13885,7 @@
       </p:sp>
       <p:pic>
         <p:nvPicPr>
-          <p:cNvPr id="73" name="Google Shape;73;p1"/>
+          <p:cNvPr id="73" name="Google Shape;73;g2ca6d4f84d4_2_331"/>
           <p:cNvPicPr preferRelativeResize="0"/>
           <p:nvPr/>
         </p:nvPicPr>
@@ -13811,20 +13918,21 @@
       </p:pic>
       <p:pic>
         <p:nvPicPr>
-          <p:cNvPr id="74" name="Google Shape;74;p1"/>
+          <p:cNvPr id="74" name="Google Shape;74;g2ca6d4f84d4_2_331"/>
           <p:cNvPicPr preferRelativeResize="0"/>
           <p:nvPr/>
         </p:nvPicPr>
-        <p:blipFill rotWithShape="1">
+        <p:blipFill>
           <a:blip r:embed="rId4">
             <a:alphaModFix/>
           </a:blip>
-          <a:srcRect b="0" l="0" r="0" t="0"/>
-          <a:stretch/>
+          <a:stretch>
+            <a:fillRect/>
+          </a:stretch>
         </p:blipFill>
         <p:spPr>
           <a:xfrm>
-            <a:off x="5508775" y="4460450"/>
+            <a:off x="5508775" y="4495900"/>
             <a:ext cx="819150" cy="114300"/>
           </a:xfrm>
           <a:prstGeom prst="rect">
@@ -13844,14 +13952,14 @@
       </p:pic>
       <p:sp>
         <p:nvSpPr>
-          <p:cNvPr id="75" name="Google Shape;75;p1"/>
+          <p:cNvPr id="75" name="Google Shape;75;g2ca6d4f84d4_2_331"/>
           <p:cNvSpPr txBox="1"/>
           <p:nvPr/>
         </p:nvSpPr>
         <p:spPr>
           <a:xfrm>
-            <a:off x="5026888" y="2541846"/>
-            <a:ext cx="4884300" cy="1262100"/>
+            <a:off x="5391450" y="2289450"/>
+            <a:ext cx="5154600" cy="1531500"/>
           </a:xfrm>
           <a:prstGeom prst="rect">
             <a:avLst/>
@@ -13867,25 +13975,20 @@
           </a:bodyPr>
           <a:lstStyle/>
           <a:p>
-            <a:pPr indent="0" lvl="0" marL="0" marR="0" rtl="0" algn="l">
-              <a:lnSpc>
-                <a:spcPct val="100000"/>
-              </a:lnSpc>
-              <a:spcBef>
-                <a:spcPts val="0"/>
-              </a:spcBef>
-              <a:spcAft>
-                <a:spcPts val="0"/>
-              </a:spcAft>
-              <a:buClr>
-                <a:srgbClr val="000000"/>
-              </a:buClr>
-              <a:buSzPts val="3500"/>
-              <a:buFont typeface="Arial"/>
+            <a:pPr indent="0" lvl="0" marL="0" rtl="0" algn="l">
+              <a:lnSpc>
+                <a:spcPct val="115000"/>
+              </a:lnSpc>
+              <a:spcBef>
+                <a:spcPts val="0"/>
+              </a:spcBef>
+              <a:spcAft>
+                <a:spcPts val="0"/>
+              </a:spcAft>
               <a:buNone/>
             </a:pPr>
             <a:r>
-              <a:rPr b="1" i="0" lang="en-US" sz="3500" u="none" cap="none" strike="noStrike">
+              <a:rPr b="1" lang="en-US" sz="5000">
                 <a:solidFill>
                   <a:schemeClr val="lt1"/>
                 </a:solidFill>
@@ -13896,7 +13999,7 @@
               </a:rPr>
               <a:t>Group 8</a:t>
             </a:r>
-            <a:endParaRPr b="1" i="0" sz="3500" u="none" cap="none" strike="noStrike">
+            <a:endParaRPr b="1" sz="5000">
               <a:solidFill>
                 <a:schemeClr val="lt1"/>
               </a:solidFill>
@@ -13907,25 +14010,20 @@
             </a:endParaRPr>
           </a:p>
           <a:p>
-            <a:pPr indent="0" lvl="0" marL="0" marR="0" rtl="0" algn="l">
-              <a:lnSpc>
-                <a:spcPct val="100000"/>
-              </a:lnSpc>
-              <a:spcBef>
-                <a:spcPts val="0"/>
-              </a:spcBef>
-              <a:spcAft>
-                <a:spcPts val="0"/>
-              </a:spcAft>
-              <a:buClr>
-                <a:srgbClr val="000000"/>
-              </a:buClr>
-              <a:buSzPts val="3500"/>
-              <a:buFont typeface="Arial"/>
+            <a:pPr indent="0" lvl="0" marL="0" rtl="0" algn="l">
+              <a:lnSpc>
+                <a:spcPct val="115000"/>
+              </a:lnSpc>
+              <a:spcBef>
+                <a:spcPts val="0"/>
+              </a:spcBef>
+              <a:spcAft>
+                <a:spcPts val="0"/>
+              </a:spcAft>
               <a:buNone/>
             </a:pPr>
             <a:r>
-              <a:rPr b="1" i="0" lang="en-US" sz="3500" u="none" cap="none" strike="noStrike">
+              <a:rPr b="1" lang="en-US" sz="3000">
                 <a:solidFill>
                   <a:srgbClr val="FA510F"/>
                 </a:solidFill>
@@ -13936,7 +14034,7 @@
               </a:rPr>
               <a:t>DSF Phase 2 Project</a:t>
             </a:r>
-            <a:endParaRPr b="1" i="0" sz="3500" u="none" cap="none" strike="noStrike">
+            <a:endParaRPr b="1" sz="3000">
               <a:solidFill>
                 <a:srgbClr val="FA510F"/>
               </a:solidFill>
@@ -13950,13 +14048,13 @@
       </p:sp>
       <p:sp>
         <p:nvSpPr>
-          <p:cNvPr id="76" name="Google Shape;76;p1"/>
+          <p:cNvPr id="76" name="Google Shape;76;g2ca6d4f84d4_2_331"/>
           <p:cNvSpPr txBox="1"/>
           <p:nvPr/>
         </p:nvSpPr>
         <p:spPr>
           <a:xfrm>
-            <a:off x="6682607" y="3924448"/>
+            <a:off x="5391450" y="3950675"/>
             <a:ext cx="2305200" cy="415500"/>
           </a:xfrm>
           <a:prstGeom prst="rect">
@@ -13973,25 +14071,17 @@
           </a:bodyPr>
           <a:lstStyle/>
           <a:p>
-            <a:pPr indent="0" lvl="0" marL="0" marR="0" rtl="0" algn="l">
-              <a:lnSpc>
-                <a:spcPct val="100000"/>
-              </a:lnSpc>
-              <a:spcBef>
-                <a:spcPts val="0"/>
-              </a:spcBef>
-              <a:spcAft>
-                <a:spcPts val="0"/>
-              </a:spcAft>
-              <a:buClr>
-                <a:srgbClr val="000000"/>
-              </a:buClr>
-              <a:buSzPts val="1500"/>
-              <a:buFont typeface="Arial"/>
+            <a:pPr indent="0" lvl="0" marL="0" rtl="0" algn="l">
+              <a:spcBef>
+                <a:spcPts val="0"/>
+              </a:spcBef>
+              <a:spcAft>
+                <a:spcPts val="0"/>
+              </a:spcAft>
               <a:buNone/>
             </a:pPr>
             <a:r>
-              <a:rPr b="1" i="0" lang="en-US" sz="1500" u="none" cap="none" strike="noStrike">
+              <a:rPr b="1" lang="en-US" sz="1500">
                 <a:solidFill>
                   <a:srgbClr val="FA510F"/>
                 </a:solidFill>
@@ -14000,9 +14090,9 @@
                 <a:cs typeface="Montserrat"/>
                 <a:sym typeface="Montserrat"/>
               </a:rPr>
-              <a:t>7th March 2024</a:t>
+              <a:t>9th March 2024</a:t>
             </a:r>
-            <a:endParaRPr b="1" i="0" sz="1500" u="none" cap="none" strike="noStrike">
+            <a:endParaRPr b="1" sz="1500">
               <a:solidFill>
                 <a:srgbClr val="FA510F"/>
               </a:solidFill>
@@ -14016,20 +14106,21 @@
       </p:sp>
       <p:pic>
         <p:nvPicPr>
-          <p:cNvPr id="77" name="Google Shape;77;p1"/>
+          <p:cNvPr id="77" name="Google Shape;77;g2ca6d4f84d4_2_331"/>
           <p:cNvPicPr preferRelativeResize="0"/>
           <p:nvPr/>
         </p:nvPicPr>
-        <p:blipFill rotWithShape="1">
+        <p:blipFill>
           <a:blip r:embed="rId5">
             <a:alphaModFix/>
           </a:blip>
-          <a:srcRect b="0" l="0" r="0" t="0"/>
-          <a:stretch/>
+          <a:stretch>
+            <a:fillRect/>
+          </a:stretch>
         </p:blipFill>
         <p:spPr>
           <a:xfrm>
-            <a:off x="1393899" y="2967191"/>
+            <a:off x="1447675" y="3084175"/>
             <a:ext cx="3005975" cy="689850"/>
           </a:xfrm>
           <a:prstGeom prst="rect">
@@ -14068,7 +14159,7 @@
       </p:grpSpPr>
       <p:sp>
         <p:nvSpPr>
-          <p:cNvPr id="151" name="Google Shape;151;g2ca772be537_1_20"/>
+          <p:cNvPr id="151" name="Google Shape;151;g2ca6d4f84d4_2_165"/>
           <p:cNvSpPr txBox="1"/>
           <p:nvPr>
             <p:ph type="title"/>
@@ -14076,84 +14167,8 @@
         </p:nvSpPr>
         <p:spPr>
           <a:xfrm>
-            <a:off x="1653725" y="0"/>
-            <a:ext cx="5919900" cy="1325700"/>
-          </a:xfrm>
-          <a:prstGeom prst="rect">
-            <a:avLst/>
-          </a:prstGeom>
-        </p:spPr>
-        <p:txBody>
-          <a:bodyPr anchorCtr="0" anchor="ctr" bIns="45700" lIns="91425" spcFirstLastPara="1" rIns="91425" wrap="square" tIns="45700">
-            <a:normAutofit/>
-          </a:bodyPr>
-          <a:lstStyle/>
-          <a:p>
-            <a:pPr indent="0" lvl="0" marL="0" rtl="0" algn="l">
-              <a:spcBef>
-                <a:spcPts val="0"/>
-              </a:spcBef>
-              <a:spcAft>
-                <a:spcPts val="0"/>
-              </a:spcAft>
-              <a:buNone/>
-            </a:pPr>
-            <a:r>
-              <a:rPr b="1" lang="en-US" sz="3000" u="sng">
-                <a:latin typeface="Montserrat"/>
-                <a:ea typeface="Montserrat"/>
-                <a:cs typeface="Montserrat"/>
-                <a:sym typeface="Montserrat"/>
-              </a:rPr>
-              <a:t>Data Visualization</a:t>
-            </a:r>
-            <a:endParaRPr b="1" sz="3000" u="sng">
-              <a:latin typeface="Montserrat"/>
-              <a:ea typeface="Montserrat"/>
-              <a:cs typeface="Montserrat"/>
-              <a:sym typeface="Montserrat"/>
-            </a:endParaRPr>
-          </a:p>
-        </p:txBody>
-      </p:sp>
-      <p:pic>
-        <p:nvPicPr>
-          <p:cNvPr id="152" name="Google Shape;152;g2ca772be537_1_20"/>
-          <p:cNvPicPr preferRelativeResize="0"/>
-          <p:nvPr/>
-        </p:nvPicPr>
-        <p:blipFill>
-          <a:blip r:embed="rId3">
-            <a:alphaModFix/>
-          </a:blip>
-          <a:stretch>
-            <a:fillRect/>
-          </a:stretch>
-        </p:blipFill>
-        <p:spPr>
-          <a:xfrm>
-            <a:off x="236250" y="2202625"/>
-            <a:ext cx="11798251" cy="4481675"/>
-          </a:xfrm>
-          <a:prstGeom prst="rect">
-            <a:avLst/>
-          </a:prstGeom>
-          <a:noFill/>
-          <a:ln>
-            <a:noFill/>
-          </a:ln>
-        </p:spPr>
-      </p:pic>
-      <p:sp>
-        <p:nvSpPr>
-          <p:cNvPr id="153" name="Google Shape;153;g2ca772be537_1_20"/>
-          <p:cNvSpPr txBox="1"/>
-          <p:nvPr/>
-        </p:nvSpPr>
-        <p:spPr>
-          <a:xfrm>
-            <a:off x="444700" y="1285450"/>
-            <a:ext cx="11068500" cy="792000"/>
+            <a:off x="1380575" y="82925"/>
+            <a:ext cx="8403000" cy="838200"/>
           </a:xfrm>
           <a:prstGeom prst="rect">
             <a:avLst/>
@@ -14164,8 +14179,8 @@
           </a:ln>
         </p:spPr>
         <p:txBody>
-          <a:bodyPr anchorCtr="0" anchor="t" bIns="91425" lIns="91425" spcFirstLastPara="1" rIns="91425" wrap="square" tIns="91425">
-            <a:noAutofit/>
+          <a:bodyPr anchorCtr="0" anchor="ctr" bIns="45700" lIns="91425" spcFirstLastPara="1" rIns="91425" wrap="square" tIns="45700">
+            <a:normAutofit/>
           </a:bodyPr>
           <a:lstStyle/>
           <a:p>
@@ -14176,89 +14191,40 @@
               <a:spcAft>
                 <a:spcPts val="0"/>
               </a:spcAft>
+              <a:buClr>
+                <a:schemeClr val="dk1"/>
+              </a:buClr>
+              <a:buSzPts val="4400"/>
+              <a:buFont typeface="Calibri"/>
               <a:buNone/>
             </a:pPr>
             <a:r>
-              <a:rPr lang="en-US" sz="2000">
-                <a:solidFill>
-                  <a:schemeClr val="dk1"/>
-                </a:solidFill>
-                <a:latin typeface="Century Gothic"/>
-                <a:ea typeface="Century Gothic"/>
-                <a:cs typeface="Century Gothic"/>
-                <a:sym typeface="Century Gothic"/>
+              <a:rPr b="1" lang="en-US" sz="3500">
+                <a:latin typeface="Montserrat"/>
+                <a:ea typeface="Montserrat"/>
+                <a:cs typeface="Montserrat"/>
+                <a:sym typeface="Montserrat"/>
               </a:rPr>
-              <a:t>Here we have overall data visualization using a histogram for our </a:t>
+              <a:t>Results</a:t>
             </a:r>
-            <a:r>
-              <a:rPr lang="en-US" sz="2000">
-                <a:solidFill>
-                  <a:schemeClr val="dk1"/>
-                </a:solidFill>
-                <a:latin typeface="Century Gothic"/>
-                <a:ea typeface="Century Gothic"/>
-                <a:cs typeface="Century Gothic"/>
-                <a:sym typeface="Century Gothic"/>
-              </a:rPr>
-              <a:t>variables</a:t>
-            </a:r>
-            <a:r>
-              <a:rPr lang="en-US" sz="2000">
-                <a:solidFill>
-                  <a:schemeClr val="dk1"/>
-                </a:solidFill>
-                <a:latin typeface="Century Gothic"/>
-                <a:ea typeface="Century Gothic"/>
-                <a:cs typeface="Century Gothic"/>
-                <a:sym typeface="Century Gothic"/>
-              </a:rPr>
-              <a:t> that are in numerical value . (</a:t>
-            </a:r>
-            <a:r>
-              <a:rPr b="1" i="1" lang="en-US" sz="2000">
-                <a:solidFill>
-                  <a:schemeClr val="dk1"/>
-                </a:solidFill>
-                <a:latin typeface="Century Gothic"/>
-                <a:ea typeface="Century Gothic"/>
-                <a:cs typeface="Century Gothic"/>
-                <a:sym typeface="Century Gothic"/>
-              </a:rPr>
-              <a:t>i.e., how normal are our distributions?</a:t>
-            </a:r>
-            <a:r>
-              <a:rPr lang="en-US" sz="2000">
-                <a:solidFill>
-                  <a:schemeClr val="dk1"/>
-                </a:solidFill>
-                <a:latin typeface="Century Gothic"/>
-                <a:ea typeface="Century Gothic"/>
-                <a:cs typeface="Century Gothic"/>
-                <a:sym typeface="Century Gothic"/>
-              </a:rPr>
-              <a:t>)</a:t>
-            </a:r>
-            <a:endParaRPr sz="2000">
-              <a:solidFill>
-                <a:schemeClr val="dk1"/>
-              </a:solidFill>
-              <a:latin typeface="Century Gothic"/>
-              <a:ea typeface="Century Gothic"/>
-              <a:cs typeface="Century Gothic"/>
-              <a:sym typeface="Century Gothic"/>
+            <a:endParaRPr b="1" sz="3500">
+              <a:latin typeface="Montserrat"/>
+              <a:ea typeface="Montserrat"/>
+              <a:cs typeface="Montserrat"/>
+              <a:sym typeface="Montserrat"/>
             </a:endParaRPr>
           </a:p>
         </p:txBody>
       </p:sp>
       <p:sp>
         <p:nvSpPr>
-          <p:cNvPr id="154" name="Google Shape;154;g2ca772be537_1_20"/>
+          <p:cNvPr id="152" name="Google Shape;152;g2ca6d4f84d4_2_165"/>
           <p:cNvSpPr/>
           <p:nvPr/>
         </p:nvSpPr>
         <p:spPr>
           <a:xfrm>
-            <a:off x="677439" y="329552"/>
+            <a:off x="459075" y="168725"/>
             <a:ext cx="666600" cy="666600"/>
           </a:xfrm>
           <a:prstGeom prst="flowChartConnector">
@@ -14283,21 +14249,13 @@
           </a:bodyPr>
           <a:lstStyle/>
           <a:p>
-            <a:pPr indent="0" lvl="0" marL="0" marR="0" rtl="0" algn="ctr">
-              <a:lnSpc>
-                <a:spcPct val="100000"/>
-              </a:lnSpc>
-              <a:spcBef>
-                <a:spcPts val="0"/>
-              </a:spcBef>
-              <a:spcAft>
-                <a:spcPts val="0"/>
-              </a:spcAft>
-              <a:buClr>
-                <a:srgbClr val="000000"/>
-              </a:buClr>
-              <a:buSzPts val="3500"/>
-              <a:buFont typeface="Arial"/>
+            <a:pPr indent="0" lvl="0" marL="0" rtl="0" algn="ctr">
+              <a:spcBef>
+                <a:spcPts val="0"/>
+              </a:spcBef>
+              <a:spcAft>
+                <a:spcPts val="0"/>
+              </a:spcAft>
               <a:buNone/>
             </a:pPr>
             <a:r>
@@ -14312,10 +14270,151 @@
               </a:rPr>
               <a:t>8</a:t>
             </a:r>
-            <a:endParaRPr b="1" i="0" sz="3500" u="none" cap="none" strike="noStrike">
+            <a:endParaRPr b="1" sz="3500">
               <a:solidFill>
                 <a:srgbClr val="101F3C"/>
               </a:solidFill>
+              <a:latin typeface="Montserrat"/>
+              <a:ea typeface="Montserrat"/>
+              <a:cs typeface="Montserrat"/>
+              <a:sym typeface="Montserrat"/>
+            </a:endParaRPr>
+          </a:p>
+        </p:txBody>
+      </p:sp>
+      <p:pic>
+        <p:nvPicPr>
+          <p:cNvPr id="153" name="Google Shape;153;g2ca6d4f84d4_2_165"/>
+          <p:cNvPicPr preferRelativeResize="0"/>
+          <p:nvPr/>
+        </p:nvPicPr>
+        <p:blipFill>
+          <a:blip r:embed="rId3">
+            <a:alphaModFix/>
+          </a:blip>
+          <a:stretch>
+            <a:fillRect/>
+          </a:stretch>
+        </p:blipFill>
+        <p:spPr>
+          <a:xfrm>
+            <a:off x="152400" y="1073525"/>
+            <a:ext cx="7175682" cy="5632076"/>
+          </a:xfrm>
+          <a:prstGeom prst="rect">
+            <a:avLst/>
+          </a:prstGeom>
+          <a:noFill/>
+          <a:ln>
+            <a:noFill/>
+          </a:ln>
+        </p:spPr>
+      </p:pic>
+      <p:sp>
+        <p:nvSpPr>
+          <p:cNvPr id="154" name="Google Shape;154;g2ca6d4f84d4_2_165"/>
+          <p:cNvSpPr txBox="1"/>
+          <p:nvPr>
+            <p:ph idx="1" type="body"/>
+          </p:nvPr>
+        </p:nvSpPr>
+        <p:spPr>
+          <a:xfrm>
+            <a:off x="7798125" y="2146500"/>
+            <a:ext cx="3821100" cy="2454300"/>
+          </a:xfrm>
+          <a:prstGeom prst="rect">
+            <a:avLst/>
+          </a:prstGeom>
+          <a:noFill/>
+          <a:ln>
+            <a:noFill/>
+          </a:ln>
+        </p:spPr>
+        <p:txBody>
+          <a:bodyPr anchorCtr="0" anchor="t" bIns="45700" lIns="91425" spcFirstLastPara="1" rIns="91425" wrap="square" tIns="45700">
+            <a:noAutofit/>
+          </a:bodyPr>
+          <a:lstStyle/>
+          <a:p>
+            <a:pPr indent="-368300" lvl="0" marL="457200" rtl="0" algn="l">
+              <a:lnSpc>
+                <a:spcPct val="100000"/>
+              </a:lnSpc>
+              <a:spcBef>
+                <a:spcPts val="0"/>
+              </a:spcBef>
+              <a:spcAft>
+                <a:spcPts val="0"/>
+              </a:spcAft>
+              <a:buSzPts val="2200"/>
+              <a:buFont typeface="Montserrat"/>
+              <a:buChar char="●"/>
+            </a:pPr>
+            <a:r>
+              <a:rPr lang="en-US" sz="2200">
+                <a:latin typeface="Montserrat"/>
+                <a:ea typeface="Montserrat"/>
+                <a:cs typeface="Montserrat"/>
+                <a:sym typeface="Montserrat"/>
+              </a:rPr>
+              <a:t>More bathrooms increase house prices.</a:t>
+            </a:r>
+            <a:endParaRPr sz="2200">
+              <a:latin typeface="Montserrat"/>
+              <a:ea typeface="Montserrat"/>
+              <a:cs typeface="Montserrat"/>
+              <a:sym typeface="Montserrat"/>
+            </a:endParaRPr>
+          </a:p>
+          <a:p>
+            <a:pPr indent="0" lvl="0" marL="0" rtl="0" algn="l">
+              <a:lnSpc>
+                <a:spcPct val="100000"/>
+              </a:lnSpc>
+              <a:spcBef>
+                <a:spcPts val="0"/>
+              </a:spcBef>
+              <a:spcAft>
+                <a:spcPts val="0"/>
+              </a:spcAft>
+              <a:buNone/>
+            </a:pPr>
+            <a:r>
+              <a:t/>
+            </a:r>
+            <a:endParaRPr sz="2200">
+              <a:latin typeface="Montserrat"/>
+              <a:ea typeface="Montserrat"/>
+              <a:cs typeface="Montserrat"/>
+              <a:sym typeface="Montserrat"/>
+            </a:endParaRPr>
+          </a:p>
+          <a:p>
+            <a:pPr indent="-368300" lvl="0" marL="457200" rtl="0" algn="l">
+              <a:lnSpc>
+                <a:spcPct val="100000"/>
+              </a:lnSpc>
+              <a:spcBef>
+                <a:spcPts val="0"/>
+              </a:spcBef>
+              <a:spcAft>
+                <a:spcPts val="0"/>
+              </a:spcAft>
+              <a:buSzPts val="2200"/>
+              <a:buFont typeface="Montserrat"/>
+              <a:buChar char="●"/>
+            </a:pPr>
+            <a:r>
+              <a:rPr lang="en-US" sz="2200">
+                <a:latin typeface="Montserrat"/>
+                <a:ea typeface="Montserrat"/>
+                <a:cs typeface="Montserrat"/>
+                <a:sym typeface="Montserrat"/>
+              </a:rPr>
+              <a:t>1 additional bathroom, can increase the price by USD 250,000 </a:t>
+            </a:r>
+            <a:endParaRPr sz="2200">
               <a:latin typeface="Montserrat"/>
               <a:ea typeface="Montserrat"/>
               <a:cs typeface="Montserrat"/>
@@ -14351,7 +14450,577 @@
       </p:grpSpPr>
       <p:sp>
         <p:nvSpPr>
-          <p:cNvPr id="159" name="Google Shape;159;g2ca772be537_1_27"/>
+          <p:cNvPr id="159" name="Google Shape;159;g2ca6d4f84d4_2_247"/>
+          <p:cNvSpPr txBox="1"/>
+          <p:nvPr>
+            <p:ph type="title"/>
+          </p:nvPr>
+        </p:nvSpPr>
+        <p:spPr>
+          <a:xfrm>
+            <a:off x="1380575" y="82925"/>
+            <a:ext cx="8403000" cy="838200"/>
+          </a:xfrm>
+          <a:prstGeom prst="rect">
+            <a:avLst/>
+          </a:prstGeom>
+          <a:noFill/>
+          <a:ln>
+            <a:noFill/>
+          </a:ln>
+        </p:spPr>
+        <p:txBody>
+          <a:bodyPr anchorCtr="0" anchor="ctr" bIns="45700" lIns="91425" spcFirstLastPara="1" rIns="91425" wrap="square" tIns="45700">
+            <a:normAutofit/>
+          </a:bodyPr>
+          <a:lstStyle/>
+          <a:p>
+            <a:pPr indent="0" lvl="0" marL="0" rtl="0" algn="l">
+              <a:spcBef>
+                <a:spcPts val="0"/>
+              </a:spcBef>
+              <a:spcAft>
+                <a:spcPts val="0"/>
+              </a:spcAft>
+              <a:buClr>
+                <a:schemeClr val="dk1"/>
+              </a:buClr>
+              <a:buSzPts val="4400"/>
+              <a:buFont typeface="Calibri"/>
+              <a:buNone/>
+            </a:pPr>
+            <a:r>
+              <a:rPr b="1" lang="en-US" sz="3500">
+                <a:latin typeface="Montserrat"/>
+                <a:ea typeface="Montserrat"/>
+                <a:cs typeface="Montserrat"/>
+                <a:sym typeface="Montserrat"/>
+              </a:rPr>
+              <a:t>Results</a:t>
+            </a:r>
+            <a:endParaRPr b="1" sz="3500">
+              <a:latin typeface="Montserrat"/>
+              <a:ea typeface="Montserrat"/>
+              <a:cs typeface="Montserrat"/>
+              <a:sym typeface="Montserrat"/>
+            </a:endParaRPr>
+          </a:p>
+        </p:txBody>
+      </p:sp>
+      <p:sp>
+        <p:nvSpPr>
+          <p:cNvPr id="160" name="Google Shape;160;g2ca6d4f84d4_2_247"/>
+          <p:cNvSpPr/>
+          <p:nvPr/>
+        </p:nvSpPr>
+        <p:spPr>
+          <a:xfrm>
+            <a:off x="459075" y="168725"/>
+            <a:ext cx="666600" cy="666600"/>
+          </a:xfrm>
+          <a:prstGeom prst="flowChartConnector">
+            <a:avLst/>
+          </a:prstGeom>
+          <a:solidFill>
+            <a:srgbClr val="FA510F"/>
+          </a:solidFill>
+          <a:ln cap="flat" cmpd="sng" w="9525">
+            <a:solidFill>
+              <a:srgbClr val="FA510F"/>
+            </a:solidFill>
+            <a:prstDash val="solid"/>
+            <a:round/>
+            <a:headEnd len="sm" w="sm" type="none"/>
+            <a:tailEnd len="sm" w="sm" type="none"/>
+          </a:ln>
+        </p:spPr>
+        <p:txBody>
+          <a:bodyPr anchorCtr="0" anchor="ctr" bIns="91425" lIns="91425" spcFirstLastPara="1" rIns="91425" wrap="square" tIns="91425">
+            <a:noAutofit/>
+          </a:bodyPr>
+          <a:lstStyle/>
+          <a:p>
+            <a:pPr indent="0" lvl="0" marL="0" rtl="0" algn="ctr">
+              <a:spcBef>
+                <a:spcPts val="0"/>
+              </a:spcBef>
+              <a:spcAft>
+                <a:spcPts val="0"/>
+              </a:spcAft>
+              <a:buNone/>
+            </a:pPr>
+            <a:r>
+              <a:rPr b="1" lang="en-US" sz="3500">
+                <a:solidFill>
+                  <a:srgbClr val="101F3C"/>
+                </a:solidFill>
+                <a:latin typeface="Montserrat"/>
+                <a:ea typeface="Montserrat"/>
+                <a:cs typeface="Montserrat"/>
+                <a:sym typeface="Montserrat"/>
+              </a:rPr>
+              <a:t>9</a:t>
+            </a:r>
+            <a:endParaRPr b="1" sz="3500">
+              <a:solidFill>
+                <a:srgbClr val="101F3C"/>
+              </a:solidFill>
+              <a:latin typeface="Montserrat"/>
+              <a:ea typeface="Montserrat"/>
+              <a:cs typeface="Montserrat"/>
+              <a:sym typeface="Montserrat"/>
+            </a:endParaRPr>
+          </a:p>
+        </p:txBody>
+      </p:sp>
+      <p:pic>
+        <p:nvPicPr>
+          <p:cNvPr id="161" name="Google Shape;161;g2ca6d4f84d4_2_247"/>
+          <p:cNvPicPr preferRelativeResize="0"/>
+          <p:nvPr/>
+        </p:nvPicPr>
+        <p:blipFill>
+          <a:blip r:embed="rId3">
+            <a:alphaModFix/>
+          </a:blip>
+          <a:stretch>
+            <a:fillRect/>
+          </a:stretch>
+        </p:blipFill>
+        <p:spPr>
+          <a:xfrm>
+            <a:off x="4370800" y="1048850"/>
+            <a:ext cx="7175682" cy="5632076"/>
+          </a:xfrm>
+          <a:prstGeom prst="rect">
+            <a:avLst/>
+          </a:prstGeom>
+          <a:noFill/>
+          <a:ln>
+            <a:noFill/>
+          </a:ln>
+        </p:spPr>
+      </p:pic>
+      <p:sp>
+        <p:nvSpPr>
+          <p:cNvPr id="162" name="Google Shape;162;g2ca6d4f84d4_2_247"/>
+          <p:cNvSpPr txBox="1"/>
+          <p:nvPr>
+            <p:ph idx="1" type="body"/>
+          </p:nvPr>
+        </p:nvSpPr>
+        <p:spPr>
+          <a:xfrm>
+            <a:off x="459075" y="1961500"/>
+            <a:ext cx="3475800" cy="3317700"/>
+          </a:xfrm>
+          <a:prstGeom prst="rect">
+            <a:avLst/>
+          </a:prstGeom>
+          <a:noFill/>
+          <a:ln>
+            <a:noFill/>
+          </a:ln>
+        </p:spPr>
+        <p:txBody>
+          <a:bodyPr anchorCtr="0" anchor="t" bIns="45700" lIns="91425" spcFirstLastPara="1" rIns="91425" wrap="square" tIns="45700">
+            <a:noAutofit/>
+          </a:bodyPr>
+          <a:lstStyle/>
+          <a:p>
+            <a:pPr indent="-368300" lvl="0" marL="457200" rtl="0" algn="l">
+              <a:lnSpc>
+                <a:spcPct val="100000"/>
+              </a:lnSpc>
+              <a:spcBef>
+                <a:spcPts val="0"/>
+              </a:spcBef>
+              <a:spcAft>
+                <a:spcPts val="0"/>
+              </a:spcAft>
+              <a:buSzPts val="2200"/>
+              <a:buFont typeface="Montserrat"/>
+              <a:buChar char="●"/>
+            </a:pPr>
+            <a:r>
+              <a:rPr lang="en-US" sz="2200">
+                <a:latin typeface="Montserrat"/>
+                <a:ea typeface="Montserrat"/>
+                <a:cs typeface="Montserrat"/>
+                <a:sym typeface="Montserrat"/>
+              </a:rPr>
+              <a:t>A well maintained house will have more value</a:t>
+            </a:r>
+            <a:endParaRPr sz="2200">
+              <a:latin typeface="Montserrat"/>
+              <a:ea typeface="Montserrat"/>
+              <a:cs typeface="Montserrat"/>
+              <a:sym typeface="Montserrat"/>
+            </a:endParaRPr>
+          </a:p>
+          <a:p>
+            <a:pPr indent="0" lvl="0" marL="0" rtl="0" algn="l">
+              <a:lnSpc>
+                <a:spcPct val="100000"/>
+              </a:lnSpc>
+              <a:spcBef>
+                <a:spcPts val="0"/>
+              </a:spcBef>
+              <a:spcAft>
+                <a:spcPts val="0"/>
+              </a:spcAft>
+              <a:buNone/>
+            </a:pPr>
+            <a:r>
+              <a:t/>
+            </a:r>
+            <a:endParaRPr sz="2200">
+              <a:latin typeface="Montserrat"/>
+              <a:ea typeface="Montserrat"/>
+              <a:cs typeface="Montserrat"/>
+              <a:sym typeface="Montserrat"/>
+            </a:endParaRPr>
+          </a:p>
+          <a:p>
+            <a:pPr indent="-368300" lvl="0" marL="457200" rtl="0" algn="l">
+              <a:lnSpc>
+                <a:spcPct val="100000"/>
+              </a:lnSpc>
+              <a:spcBef>
+                <a:spcPts val="0"/>
+              </a:spcBef>
+              <a:spcAft>
+                <a:spcPts val="0"/>
+              </a:spcAft>
+              <a:buSzPts val="2200"/>
+              <a:buFont typeface="Montserrat"/>
+              <a:buChar char="●"/>
+            </a:pPr>
+            <a:r>
+              <a:rPr lang="en-US" sz="2200">
+                <a:latin typeface="Montserrat"/>
+                <a:ea typeface="Montserrat"/>
+                <a:cs typeface="Montserrat"/>
+                <a:sym typeface="Montserrat"/>
+              </a:rPr>
+              <a:t>Improving house maintenance can increase the property value by USD 21, 460</a:t>
+            </a:r>
+            <a:endParaRPr sz="2200">
+              <a:latin typeface="Montserrat"/>
+              <a:ea typeface="Montserrat"/>
+              <a:cs typeface="Montserrat"/>
+              <a:sym typeface="Montserrat"/>
+            </a:endParaRPr>
+          </a:p>
+        </p:txBody>
+      </p:sp>
+    </p:spTree>
+  </p:cSld>
+  <p:clrMapOvr>
+    <a:masterClrMapping/>
+  </p:clrMapOvr>
+</p:sld>
+</file>
+
+<file path=ppt/slides/slide12.xml><?xml version="1.0" encoding="utf-8"?>
+<p:sld xmlns:a="http://schemas.openxmlformats.org/drawingml/2006/main" xmlns:r="http://schemas.openxmlformats.org/officeDocument/2006/relationships" xmlns:mc="http://schemas.openxmlformats.org/markup-compatibility/2006" xmlns:mv="urn:schemas-microsoft-com:mac:vml" xmlns:p="http://schemas.openxmlformats.org/presentationml/2006/main" xmlns:c="http://schemas.openxmlformats.org/drawingml/2006/chart" xmlns:dgm="http://schemas.openxmlformats.org/drawingml/2006/diagram" xmlns:o="urn:schemas-microsoft-com:office:office" xmlns:v="urn:schemas-microsoft-com:vml" xmlns:pvml="urn:schemas-microsoft-com:office:powerpoint" xmlns:com="http://schemas.openxmlformats.org/drawingml/2006/compatibility" xmlns:p14="http://schemas.microsoft.com/office/powerpoint/2010/main" xmlns:p15="http://schemas.microsoft.com/office/powerpoint/2012/main" xmlns:ahyp="http://schemas.microsoft.com/office/drawing/2018/hyperlinkcolor">
+  <p:cSld>
+    <p:spTree>
+      <p:nvGrpSpPr>
+        <p:cNvPr id="166" name="Shape 166"/>
+        <p:cNvGrpSpPr/>
+        <p:nvPr/>
+      </p:nvGrpSpPr>
+      <p:grpSpPr>
+        <a:xfrm>
+          <a:off x="0" y="0"/>
+          <a:ext cx="0" cy="0"/>
+          <a:chOff x="0" y="0"/>
+          <a:chExt cx="0" cy="0"/>
+        </a:xfrm>
+      </p:grpSpPr>
+      <p:sp>
+        <p:nvSpPr>
+          <p:cNvPr id="167" name="Google Shape;167;g2ca9327ea0d_0_5"/>
+          <p:cNvSpPr txBox="1"/>
+          <p:nvPr>
+            <p:ph type="title"/>
+          </p:nvPr>
+        </p:nvSpPr>
+        <p:spPr>
+          <a:xfrm>
+            <a:off x="1371625" y="0"/>
+            <a:ext cx="7491600" cy="838200"/>
+          </a:xfrm>
+          <a:prstGeom prst="rect">
+            <a:avLst/>
+          </a:prstGeom>
+          <a:noFill/>
+          <a:ln>
+            <a:noFill/>
+          </a:ln>
+        </p:spPr>
+        <p:txBody>
+          <a:bodyPr anchorCtr="0" anchor="ctr" bIns="45700" lIns="91425" spcFirstLastPara="1" rIns="91425" wrap="square" tIns="45700">
+            <a:normAutofit/>
+          </a:bodyPr>
+          <a:lstStyle/>
+          <a:p>
+            <a:pPr indent="0" lvl="0" marL="0" rtl="0" algn="l">
+              <a:lnSpc>
+                <a:spcPct val="90000"/>
+              </a:lnSpc>
+              <a:spcBef>
+                <a:spcPts val="0"/>
+              </a:spcBef>
+              <a:spcAft>
+                <a:spcPts val="0"/>
+              </a:spcAft>
+              <a:buClr>
+                <a:schemeClr val="dk1"/>
+              </a:buClr>
+              <a:buSzPts val="4400"/>
+              <a:buFont typeface="Calibri"/>
+              <a:buNone/>
+            </a:pPr>
+            <a:r>
+              <a:rPr b="1" lang="en-US" sz="3500" u="sng">
+                <a:latin typeface="Montserrat"/>
+                <a:ea typeface="Montserrat"/>
+                <a:cs typeface="Montserrat"/>
+                <a:sym typeface="Montserrat"/>
+              </a:rPr>
+              <a:t>Results</a:t>
+            </a:r>
+            <a:endParaRPr b="1" sz="3500" u="sng">
+              <a:latin typeface="Montserrat"/>
+              <a:ea typeface="Montserrat"/>
+              <a:cs typeface="Montserrat"/>
+              <a:sym typeface="Montserrat"/>
+            </a:endParaRPr>
+          </a:p>
+        </p:txBody>
+      </p:sp>
+      <p:sp>
+        <p:nvSpPr>
+          <p:cNvPr id="168" name="Google Shape;168;g2ca9327ea0d_0_5"/>
+          <p:cNvSpPr/>
+          <p:nvPr/>
+        </p:nvSpPr>
+        <p:spPr>
+          <a:xfrm>
+            <a:off x="416739" y="85802"/>
+            <a:ext cx="666600" cy="666600"/>
+          </a:xfrm>
+          <a:prstGeom prst="flowChartConnector">
+            <a:avLst/>
+          </a:prstGeom>
+          <a:solidFill>
+            <a:srgbClr val="FA510F"/>
+          </a:solidFill>
+          <a:ln cap="flat" cmpd="sng" w="9525">
+            <a:solidFill>
+              <a:srgbClr val="FA510F"/>
+            </a:solidFill>
+            <a:prstDash val="solid"/>
+            <a:round/>
+            <a:headEnd len="sm" w="sm" type="none"/>
+            <a:tailEnd len="sm" w="sm" type="none"/>
+          </a:ln>
+        </p:spPr>
+        <p:txBody>
+          <a:bodyPr anchorCtr="0" anchor="ctr" bIns="91425" lIns="91425" spcFirstLastPara="1" rIns="91425" wrap="square" tIns="91425">
+            <a:noAutofit/>
+          </a:bodyPr>
+          <a:lstStyle/>
+          <a:p>
+            <a:pPr indent="0" lvl="0" marL="0" marR="0" rtl="0" algn="ctr">
+              <a:lnSpc>
+                <a:spcPct val="100000"/>
+              </a:lnSpc>
+              <a:spcBef>
+                <a:spcPts val="0"/>
+              </a:spcBef>
+              <a:spcAft>
+                <a:spcPts val="0"/>
+              </a:spcAft>
+              <a:buClr>
+                <a:srgbClr val="000000"/>
+              </a:buClr>
+              <a:buSzPts val="3500"/>
+              <a:buFont typeface="Arial"/>
+              <a:buNone/>
+            </a:pPr>
+            <a:r>
+              <a:rPr b="1" lang="en-US" sz="3500">
+                <a:solidFill>
+                  <a:srgbClr val="101F3C"/>
+                </a:solidFill>
+                <a:latin typeface="Montserrat"/>
+                <a:ea typeface="Montserrat"/>
+                <a:cs typeface="Montserrat"/>
+                <a:sym typeface="Montserrat"/>
+              </a:rPr>
+              <a:t>7</a:t>
+            </a:r>
+            <a:endParaRPr b="1" i="0" sz="3500" u="none" cap="none" strike="noStrike">
+              <a:solidFill>
+                <a:srgbClr val="101F3C"/>
+              </a:solidFill>
+              <a:latin typeface="Montserrat"/>
+              <a:ea typeface="Montserrat"/>
+              <a:cs typeface="Montserrat"/>
+              <a:sym typeface="Montserrat"/>
+            </a:endParaRPr>
+          </a:p>
+        </p:txBody>
+      </p:sp>
+      <p:pic>
+        <p:nvPicPr>
+          <p:cNvPr id="169" name="Google Shape;169;g2ca9327ea0d_0_5"/>
+          <p:cNvPicPr preferRelativeResize="0"/>
+          <p:nvPr/>
+        </p:nvPicPr>
+        <p:blipFill>
+          <a:blip r:embed="rId3">
+            <a:alphaModFix/>
+          </a:blip>
+          <a:stretch>
+            <a:fillRect/>
+          </a:stretch>
+        </p:blipFill>
+        <p:spPr>
+          <a:xfrm>
+            <a:off x="160900" y="1320108"/>
+            <a:ext cx="8702325" cy="4942942"/>
+          </a:xfrm>
+          <a:prstGeom prst="rect">
+            <a:avLst/>
+          </a:prstGeom>
+          <a:noFill/>
+          <a:ln>
+            <a:noFill/>
+          </a:ln>
+        </p:spPr>
+      </p:pic>
+      <p:sp>
+        <p:nvSpPr>
+          <p:cNvPr id="170" name="Google Shape;170;g2ca9327ea0d_0_5"/>
+          <p:cNvSpPr txBox="1"/>
+          <p:nvPr/>
+        </p:nvSpPr>
+        <p:spPr>
+          <a:xfrm>
+            <a:off x="8764550" y="2898625"/>
+            <a:ext cx="3162900" cy="1925100"/>
+          </a:xfrm>
+          <a:prstGeom prst="rect">
+            <a:avLst/>
+          </a:prstGeom>
+          <a:noFill/>
+          <a:ln>
+            <a:noFill/>
+          </a:ln>
+        </p:spPr>
+        <p:txBody>
+          <a:bodyPr anchorCtr="0" anchor="t" bIns="91425" lIns="91425" spcFirstLastPara="1" rIns="91425" wrap="square" tIns="91425">
+            <a:noAutofit/>
+          </a:bodyPr>
+          <a:lstStyle/>
+          <a:p>
+            <a:pPr indent="-355600" lvl="0" marL="457200" rtl="0" algn="l">
+              <a:spcBef>
+                <a:spcPts val="0"/>
+              </a:spcBef>
+              <a:spcAft>
+                <a:spcPts val="0"/>
+              </a:spcAft>
+              <a:buClr>
+                <a:schemeClr val="dk1"/>
+              </a:buClr>
+              <a:buSzPts val="2000"/>
+              <a:buFont typeface="Montserrat"/>
+              <a:buChar char="●"/>
+            </a:pPr>
+            <a:r>
+              <a:rPr lang="en-US" sz="2000">
+                <a:solidFill>
+                  <a:schemeClr val="dk1"/>
+                </a:solidFill>
+                <a:latin typeface="Montserrat"/>
+                <a:ea typeface="Montserrat"/>
+                <a:cs typeface="Montserrat"/>
+                <a:sym typeface="Montserrat"/>
+              </a:rPr>
+              <a:t>Houses built </a:t>
+            </a:r>
+            <a:r>
+              <a:rPr lang="en-US" sz="2000">
+                <a:solidFill>
+                  <a:schemeClr val="dk1"/>
+                </a:solidFill>
+                <a:latin typeface="Montserrat"/>
+                <a:ea typeface="Montserrat"/>
+                <a:cs typeface="Montserrat"/>
+                <a:sym typeface="Montserrat"/>
+              </a:rPr>
+              <a:t>around</a:t>
+            </a:r>
+            <a:r>
+              <a:rPr lang="en-US" sz="2000">
+                <a:solidFill>
+                  <a:schemeClr val="dk1"/>
+                </a:solidFill>
+                <a:latin typeface="Montserrat"/>
+                <a:ea typeface="Montserrat"/>
+                <a:cs typeface="Montserrat"/>
+                <a:sym typeface="Montserrat"/>
+              </a:rPr>
+              <a:t> 1930 and in the 21’st century have a high sale value</a:t>
+            </a:r>
+            <a:endParaRPr sz="2000">
+              <a:solidFill>
+                <a:schemeClr val="dk1"/>
+              </a:solidFill>
+              <a:highlight>
+                <a:srgbClr val="FFFFFF"/>
+              </a:highlight>
+              <a:latin typeface="Montserrat"/>
+              <a:ea typeface="Montserrat"/>
+              <a:cs typeface="Montserrat"/>
+              <a:sym typeface="Montserrat"/>
+            </a:endParaRPr>
+          </a:p>
+        </p:txBody>
+      </p:sp>
+    </p:spTree>
+  </p:cSld>
+  <p:clrMapOvr>
+    <a:masterClrMapping/>
+  </p:clrMapOvr>
+</p:sld>
+</file>
+
+<file path=ppt/slides/slide13.xml><?xml version="1.0" encoding="utf-8"?>
+<p:sld xmlns:a="http://schemas.openxmlformats.org/drawingml/2006/main" xmlns:r="http://schemas.openxmlformats.org/officeDocument/2006/relationships" xmlns:mc="http://schemas.openxmlformats.org/markup-compatibility/2006" xmlns:mv="urn:schemas-microsoft-com:mac:vml" xmlns:p="http://schemas.openxmlformats.org/presentationml/2006/main" xmlns:c="http://schemas.openxmlformats.org/drawingml/2006/chart" xmlns:dgm="http://schemas.openxmlformats.org/drawingml/2006/diagram" xmlns:o="urn:schemas-microsoft-com:office:office" xmlns:v="urn:schemas-microsoft-com:vml" xmlns:pvml="urn:schemas-microsoft-com:office:powerpoint" xmlns:com="http://schemas.openxmlformats.org/drawingml/2006/compatibility" xmlns:p14="http://schemas.microsoft.com/office/powerpoint/2010/main" xmlns:p15="http://schemas.microsoft.com/office/powerpoint/2012/main" xmlns:ahyp="http://schemas.microsoft.com/office/drawing/2018/hyperlinkcolor">
+  <p:cSld>
+    <p:spTree>
+      <p:nvGrpSpPr>
+        <p:cNvPr id="174" name="Shape 174"/>
+        <p:cNvGrpSpPr/>
+        <p:nvPr/>
+      </p:nvGrpSpPr>
+      <p:grpSpPr>
+        <a:xfrm>
+          <a:off x="0" y="0"/>
+          <a:ext cx="0" cy="0"/>
+          <a:chOff x="0" y="0"/>
+          <a:chExt cx="0" cy="0"/>
+        </a:xfrm>
+      </p:grpSpPr>
+      <p:sp>
+        <p:nvSpPr>
+          <p:cNvPr id="175" name="Google Shape;175;g2ca772be537_1_27"/>
           <p:cNvSpPr txBox="1"/>
           <p:nvPr>
             <p:ph type="title"/>
@@ -14401,14 +15070,14 @@
       </p:sp>
       <p:sp>
         <p:nvSpPr>
-          <p:cNvPr id="160" name="Google Shape;160;g2ca772be537_1_27"/>
+          <p:cNvPr id="176" name="Google Shape;176;g2ca772be537_1_27"/>
           <p:cNvSpPr txBox="1"/>
           <p:nvPr/>
         </p:nvSpPr>
         <p:spPr>
           <a:xfrm>
-            <a:off x="6697575" y="1985200"/>
-            <a:ext cx="5354100" cy="2225700"/>
+            <a:off x="7129350" y="1837200"/>
+            <a:ext cx="4934700" cy="3232200"/>
           </a:xfrm>
           <a:prstGeom prst="rect">
             <a:avLst/>
@@ -14443,10 +15112,53 @@
               <a:highlight>
                 <a:srgbClr val="FFFFFF"/>
               </a:highlight>
-              <a:latin typeface="Century Gothic"/>
-              <a:ea typeface="Century Gothic"/>
-              <a:cs typeface="Century Gothic"/>
-              <a:sym typeface="Century Gothic"/>
+              <a:latin typeface="Montserrat"/>
+              <a:ea typeface="Montserrat"/>
+              <a:cs typeface="Montserrat"/>
+              <a:sym typeface="Montserrat"/>
+            </a:endParaRPr>
+          </a:p>
+          <a:p>
+            <a:pPr indent="-355600" lvl="0" marL="457200" rtl="0" algn="l">
+              <a:spcBef>
+                <a:spcPts val="0"/>
+              </a:spcBef>
+              <a:spcAft>
+                <a:spcPts val="0"/>
+              </a:spcAft>
+              <a:buClr>
+                <a:schemeClr val="dk1"/>
+              </a:buClr>
+              <a:buSzPts val="2000"/>
+              <a:buFont typeface="Montserrat"/>
+              <a:buChar char="●"/>
+            </a:pPr>
+            <a:r>
+              <a:rPr lang="en-US" sz="2000">
+                <a:solidFill>
+                  <a:schemeClr val="dk1"/>
+                </a:solidFill>
+                <a:highlight>
+                  <a:srgbClr val="FFFFFF"/>
+                </a:highlight>
+                <a:latin typeface="Montserrat"/>
+                <a:ea typeface="Montserrat"/>
+                <a:cs typeface="Montserrat"/>
+                <a:sym typeface="Montserrat"/>
+              </a:rPr>
+              <a:t>Living room size, bathrooms and bedrooms have the highest effect on the value of the homes</a:t>
+            </a:r>
+            <a:endParaRPr sz="2000">
+              <a:solidFill>
+                <a:schemeClr val="dk1"/>
+              </a:solidFill>
+              <a:highlight>
+                <a:srgbClr val="FFFFFF"/>
+              </a:highlight>
+              <a:latin typeface="Montserrat"/>
+              <a:ea typeface="Montserrat"/>
+              <a:cs typeface="Montserrat"/>
+              <a:sym typeface="Montserrat"/>
             </a:endParaRPr>
           </a:p>
           <a:p>
@@ -14469,10 +15181,10 @@
               <a:highlight>
                 <a:srgbClr val="FFFFFF"/>
               </a:highlight>
-              <a:latin typeface="Century Gothic"/>
-              <a:ea typeface="Century Gothic"/>
-              <a:cs typeface="Century Gothic"/>
-              <a:sym typeface="Century Gothic"/>
+              <a:latin typeface="Montserrat"/>
+              <a:ea typeface="Montserrat"/>
+              <a:cs typeface="Montserrat"/>
+              <a:sym typeface="Montserrat"/>
             </a:endParaRPr>
           </a:p>
           <a:p>
@@ -14487,23 +15199,20 @@
                 <a:schemeClr val="dk1"/>
               </a:buClr>
               <a:buSzPts val="2000"/>
-              <a:buFont typeface="Century Gothic"/>
+              <a:buFont typeface="Montserrat"/>
               <a:buChar char="●"/>
             </a:pPr>
             <a:r>
-              <a:rPr lang="en-US" sz="2000">
+              <a:rPr lang="en-US" sz="2200">
                 <a:solidFill>
                   <a:schemeClr val="dk1"/>
                 </a:solidFill>
-                <a:highlight>
-                  <a:srgbClr val="FFFFFF"/>
-                </a:highlight>
-                <a:latin typeface="Century Gothic"/>
-                <a:ea typeface="Century Gothic"/>
-                <a:cs typeface="Century Gothic"/>
-                <a:sym typeface="Century Gothic"/>
+                <a:latin typeface="Montserrat"/>
+                <a:ea typeface="Montserrat"/>
+                <a:cs typeface="Montserrat"/>
+                <a:sym typeface="Montserrat"/>
               </a:rPr>
-              <a:t>Living room size, bathrooms and bedrooms have the highest effect on the value of the homes</a:t>
+              <a:t>The year the house was built and overall condition of the house have the least effect on the price</a:t>
             </a:r>
             <a:endParaRPr sz="2000">
               <a:solidFill>
@@ -14512,17 +15221,17 @@
               <a:highlight>
                 <a:srgbClr val="FFFFFF"/>
               </a:highlight>
-              <a:latin typeface="Century Gothic"/>
-              <a:ea typeface="Century Gothic"/>
-              <a:cs typeface="Century Gothic"/>
-              <a:sym typeface="Century Gothic"/>
+              <a:latin typeface="Montserrat"/>
+              <a:ea typeface="Montserrat"/>
+              <a:cs typeface="Montserrat"/>
+              <a:sym typeface="Montserrat"/>
             </a:endParaRPr>
           </a:p>
         </p:txBody>
       </p:sp>
       <p:pic>
         <p:nvPicPr>
-          <p:cNvPr id="161" name="Google Shape;161;g2ca772be537_1_27"/>
+          <p:cNvPr id="177" name="Google Shape;177;g2ca772be537_1_27"/>
           <p:cNvPicPr preferRelativeResize="0"/>
           <p:nvPr/>
         </p:nvPicPr>
@@ -14556,12 +15265,12 @@
 </p:sld>
 </file>
 
-<file path=ppt/slides/slide12.xml><?xml version="1.0" encoding="utf-8"?>
+<file path=ppt/slides/slide14.xml><?xml version="1.0" encoding="utf-8"?>
 <p:sld xmlns:a="http://schemas.openxmlformats.org/drawingml/2006/main" xmlns:r="http://schemas.openxmlformats.org/officeDocument/2006/relationships" xmlns:mc="http://schemas.openxmlformats.org/markup-compatibility/2006" xmlns:mv="urn:schemas-microsoft-com:mac:vml" xmlns:p="http://schemas.openxmlformats.org/presentationml/2006/main" xmlns:c="http://schemas.openxmlformats.org/drawingml/2006/chart" xmlns:dgm="http://schemas.openxmlformats.org/drawingml/2006/diagram" xmlns:o="urn:schemas-microsoft-com:office:office" xmlns:v="urn:schemas-microsoft-com:vml" xmlns:pvml="urn:schemas-microsoft-com:office:powerpoint" xmlns:com="http://schemas.openxmlformats.org/drawingml/2006/compatibility" xmlns:p14="http://schemas.microsoft.com/office/powerpoint/2010/main" xmlns:p15="http://schemas.microsoft.com/office/powerpoint/2012/main" xmlns:ahyp="http://schemas.microsoft.com/office/drawing/2018/hyperlinkcolor">
   <p:cSld>
     <p:spTree>
       <p:nvGrpSpPr>
-        <p:cNvPr id="165" name="Shape 165"/>
+        <p:cNvPr id="181" name="Shape 181"/>
         <p:cNvGrpSpPr/>
         <p:nvPr/>
       </p:nvGrpSpPr>
@@ -14575,7 +15284,7 @@
       </p:grpSpPr>
       <p:sp>
         <p:nvSpPr>
-          <p:cNvPr id="166" name="Google Shape;166;p12"/>
+          <p:cNvPr id="182" name="Google Shape;182;p12"/>
           <p:cNvSpPr txBox="1"/>
           <p:nvPr>
             <p:ph idx="1" type="body"/>
@@ -14584,7 +15293,7 @@
         <p:spPr>
           <a:xfrm>
             <a:off x="102750" y="1118675"/>
-            <a:ext cx="11835900" cy="2397300"/>
+            <a:ext cx="11835900" cy="2052600"/>
           </a:xfrm>
           <a:prstGeom prst="rect">
             <a:avLst/>
@@ -14600,7 +15309,7 @@
           </a:bodyPr>
           <a:lstStyle/>
           <a:p>
-            <a:pPr indent="-260350" lvl="0" marL="361950" rtl="0" algn="l">
+            <a:pPr indent="-355600" lvl="0" marL="457200" rtl="0" algn="l">
               <a:lnSpc>
                 <a:spcPct val="150000"/>
               </a:lnSpc>
@@ -14610,18 +15319,22 @@
               <a:spcAft>
                 <a:spcPts val="0"/>
               </a:spcAft>
+              <a:buClr>
+                <a:srgbClr val="000000"/>
+              </a:buClr>
               <a:buSzPts val="2000"/>
-              <a:buChar char="•"/>
+              <a:buFont typeface="Montserrat"/>
+              <a:buChar char="●"/>
             </a:pPr>
             <a:r>
               <a:rPr lang="en-US" sz="2000">
                 <a:solidFill>
                   <a:srgbClr val="000000"/>
                 </a:solidFill>
-                <a:latin typeface="Century Gothic"/>
-                <a:ea typeface="Century Gothic"/>
-                <a:cs typeface="Century Gothic"/>
-                <a:sym typeface="Century Gothic"/>
+                <a:latin typeface="Montserrat"/>
+                <a:ea typeface="Montserrat"/>
+                <a:cs typeface="Montserrat"/>
+                <a:sym typeface="Montserrat"/>
               </a:rPr>
               <a:t>From the analysis and model summary,it  can be concluded that the proposed multiple linear regression model can effectively analyze and predict the housing price. </a:t>
             </a:r>
@@ -14629,10 +15342,10 @@
               <a:solidFill>
                 <a:srgbClr val="000000"/>
               </a:solidFill>
-              <a:latin typeface="Century Gothic"/>
-              <a:ea typeface="Century Gothic"/>
-              <a:cs typeface="Century Gothic"/>
-              <a:sym typeface="Century Gothic"/>
+              <a:latin typeface="Montserrat"/>
+              <a:ea typeface="Montserrat"/>
+              <a:cs typeface="Montserrat"/>
+              <a:sym typeface="Montserrat"/>
             </a:endParaRPr>
           </a:p>
           <a:p>
@@ -14646,37 +15359,34 @@
               <a:spcAft>
                 <a:spcPts val="0"/>
               </a:spcAft>
-              <a:buClr>
-                <a:srgbClr val="000000"/>
-              </a:buClr>
               <a:buSzPts val="2000"/>
-              <a:buFont typeface="Century Gothic"/>
-              <a:buChar char="•"/>
+              <a:buFont typeface="Montserrat"/>
+              <a:buChar char="●"/>
             </a:pPr>
             <a:r>
               <a:rPr lang="en-US" sz="2000">
                 <a:highlight>
                   <a:srgbClr val="FFFFFF"/>
                 </a:highlight>
-                <a:latin typeface="Century Gothic"/>
-                <a:ea typeface="Century Gothic"/>
-                <a:cs typeface="Century Gothic"/>
-                <a:sym typeface="Century Gothic"/>
+                <a:latin typeface="Montserrat"/>
+                <a:ea typeface="Montserrat"/>
+                <a:cs typeface="Montserrat"/>
+                <a:sym typeface="Montserrat"/>
               </a:rPr>
               <a:t>Overall house improvements will have a better impact on the value of the property than just renovating part of the house</a:t>
             </a:r>
-            <a:endParaRPr sz="2000">
+            <a:endParaRPr sz="1800">
               <a:solidFill>
                 <a:srgbClr val="000000"/>
               </a:solidFill>
-              <a:latin typeface="Century Gothic"/>
-              <a:ea typeface="Century Gothic"/>
-              <a:cs typeface="Century Gothic"/>
-              <a:sym typeface="Century Gothic"/>
+              <a:latin typeface="Montserrat"/>
+              <a:ea typeface="Montserrat"/>
+              <a:cs typeface="Montserrat"/>
+              <a:sym typeface="Montserrat"/>
             </a:endParaRPr>
           </a:p>
           <a:p>
-            <a:pPr indent="0" lvl="0" marL="457200" rtl="0" algn="l">
+            <a:pPr indent="-279400" lvl="0" marL="342900" marR="0" rtl="0" algn="l">
               <a:lnSpc>
                 <a:spcPct val="150000"/>
               </a:lnSpc>
@@ -14686,23 +15396,22 @@
               <a:spcAft>
                 <a:spcPts val="0"/>
               </a:spcAft>
+              <a:buSzPts val="1000"/>
+              <a:buFont typeface="Noto Sans Symbols"/>
               <a:buNone/>
             </a:pPr>
             <a:r>
               <a:t/>
             </a:r>
             <a:endParaRPr sz="1800">
-              <a:solidFill>
-                <a:srgbClr val="000000"/>
-              </a:solidFill>
-              <a:latin typeface="Century Gothic"/>
-              <a:ea typeface="Century Gothic"/>
-              <a:cs typeface="Century Gothic"/>
-              <a:sym typeface="Century Gothic"/>
+              <a:latin typeface="Montserrat"/>
+              <a:ea typeface="Montserrat"/>
+              <a:cs typeface="Montserrat"/>
+              <a:sym typeface="Montserrat"/>
             </a:endParaRPr>
           </a:p>
           <a:p>
-            <a:pPr indent="-279400" lvl="0" marL="342900" marR="0" rtl="0" algn="l">
+            <a:pPr indent="-228600" lvl="0" marL="457200" rtl="0" algn="l">
               <a:lnSpc>
                 <a:spcPct val="150000"/>
               </a:lnSpc>
@@ -14712,43 +15421,18 @@
               <a:spcAft>
                 <a:spcPts val="0"/>
               </a:spcAft>
-              <a:buSzPts val="1000"/>
-              <a:buFont typeface="Noto Sans Symbols"/>
+              <a:buSzPts val="2400"/>
+              <a:buFont typeface="Montserrat"/>
               <a:buNone/>
             </a:pPr>
             <a:r>
               <a:t/>
             </a:r>
             <a:endParaRPr sz="1800">
-              <a:latin typeface="Times New Roman"/>
-              <a:ea typeface="Times New Roman"/>
-              <a:cs typeface="Times New Roman"/>
-              <a:sym typeface="Times New Roman"/>
-            </a:endParaRPr>
-          </a:p>
-          <a:p>
-            <a:pPr indent="-228600" lvl="0" marL="457200" rtl="0" algn="l">
-              <a:lnSpc>
-                <a:spcPct val="150000"/>
-              </a:lnSpc>
-              <a:spcBef>
-                <a:spcPts val="0"/>
-              </a:spcBef>
-              <a:spcAft>
-                <a:spcPts val="0"/>
-              </a:spcAft>
-              <a:buSzPts val="2400"/>
-              <a:buFont typeface="Montserrat"/>
-              <a:buNone/>
-            </a:pPr>
-            <a:r>
-              <a:t/>
-            </a:r>
-            <a:endParaRPr sz="1800">
-              <a:latin typeface="Times New Roman"/>
-              <a:ea typeface="Times New Roman"/>
-              <a:cs typeface="Times New Roman"/>
-              <a:sym typeface="Times New Roman"/>
+              <a:latin typeface="Montserrat"/>
+              <a:ea typeface="Montserrat"/>
+              <a:cs typeface="Montserrat"/>
+              <a:sym typeface="Montserrat"/>
             </a:endParaRPr>
           </a:p>
           <a:p>
@@ -14780,7 +15464,7 @@
       </p:sp>
       <p:sp>
         <p:nvSpPr>
-          <p:cNvPr id="167" name="Google Shape;167;p12"/>
+          <p:cNvPr id="183" name="Google Shape;183;p12"/>
           <p:cNvSpPr txBox="1"/>
           <p:nvPr>
             <p:ph type="title"/>
@@ -14842,7 +15526,7 @@
       </p:sp>
       <p:sp>
         <p:nvSpPr>
-          <p:cNvPr id="168" name="Google Shape;168;p12"/>
+          <p:cNvPr id="184" name="Google Shape;184;p12"/>
           <p:cNvSpPr/>
           <p:nvPr/>
         </p:nvSpPr>
@@ -14916,7 +15600,7 @@
       </p:sp>
       <p:pic>
         <p:nvPicPr>
-          <p:cNvPr id="169" name="Google Shape;169;p12"/>
+          <p:cNvPr id="185" name="Google Shape;185;p12"/>
           <p:cNvPicPr preferRelativeResize="0"/>
           <p:nvPr/>
         </p:nvPicPr>
@@ -14943,7 +15627,7 @@
       </p:pic>
       <p:sp>
         <p:nvSpPr>
-          <p:cNvPr id="170" name="Google Shape;170;p12"/>
+          <p:cNvPr id="186" name="Google Shape;186;p12"/>
           <p:cNvSpPr/>
           <p:nvPr/>
         </p:nvSpPr>
@@ -15007,7 +15691,7 @@
       </p:sp>
       <p:pic>
         <p:nvPicPr>
-          <p:cNvPr id="171" name="Google Shape;171;p12"/>
+          <p:cNvPr id="187" name="Google Shape;187;p12"/>
           <p:cNvPicPr preferRelativeResize="0"/>
           <p:nvPr/>
         </p:nvPicPr>
@@ -15040,12 +15724,12 @@
 </p:sld>
 </file>
 
-<file path=ppt/slides/slide13.xml><?xml version="1.0" encoding="utf-8"?>
+<file path=ppt/slides/slide15.xml><?xml version="1.0" encoding="utf-8"?>
 <p:sld xmlns:a="http://schemas.openxmlformats.org/drawingml/2006/main" xmlns:r="http://schemas.openxmlformats.org/officeDocument/2006/relationships" xmlns:mc="http://schemas.openxmlformats.org/markup-compatibility/2006" xmlns:mv="urn:schemas-microsoft-com:mac:vml" xmlns:p="http://schemas.openxmlformats.org/presentationml/2006/main" xmlns:c="http://schemas.openxmlformats.org/drawingml/2006/chart" xmlns:dgm="http://schemas.openxmlformats.org/drawingml/2006/diagram" xmlns:o="urn:schemas-microsoft-com:office:office" xmlns:v="urn:schemas-microsoft-com:vml" xmlns:pvml="urn:schemas-microsoft-com:office:powerpoint" xmlns:com="http://schemas.openxmlformats.org/drawingml/2006/compatibility" xmlns:p14="http://schemas.microsoft.com/office/powerpoint/2010/main" xmlns:p15="http://schemas.microsoft.com/office/powerpoint/2012/main" xmlns:ahyp="http://schemas.microsoft.com/office/drawing/2018/hyperlinkcolor">
   <p:cSld>
     <p:spTree>
       <p:nvGrpSpPr>
-        <p:cNvPr id="175" name="Shape 175"/>
+        <p:cNvPr id="191" name="Shape 191"/>
         <p:cNvGrpSpPr/>
         <p:nvPr/>
       </p:nvGrpSpPr>
@@ -15059,7 +15743,7 @@
       </p:grpSpPr>
       <p:sp>
         <p:nvSpPr>
-          <p:cNvPr id="176" name="Google Shape;176;p13"/>
+          <p:cNvPr id="192" name="Google Shape;192;p13"/>
           <p:cNvSpPr txBox="1"/>
           <p:nvPr>
             <p:ph idx="1" type="body"/>
@@ -15127,10 +15811,10 @@
                 <a:highlight>
                   <a:srgbClr val="FFFFFF"/>
                 </a:highlight>
-                <a:latin typeface="Century Gothic"/>
-                <a:ea typeface="Century Gothic"/>
-                <a:cs typeface="Century Gothic"/>
-                <a:sym typeface="Century Gothic"/>
+                <a:latin typeface="Montserrat"/>
+                <a:ea typeface="Montserrat"/>
+                <a:cs typeface="Montserrat"/>
+                <a:sym typeface="Montserrat"/>
               </a:rPr>
               <a:t>Increase the size of the living room (sqfit_living)</a:t>
             </a:r>
@@ -15139,10 +15823,10 @@
                 <a:highlight>
                   <a:srgbClr val="FFFFFF"/>
                 </a:highlight>
-                <a:latin typeface="Century Gothic"/>
-                <a:ea typeface="Century Gothic"/>
-                <a:cs typeface="Century Gothic"/>
-                <a:sym typeface="Century Gothic"/>
+                <a:latin typeface="Montserrat"/>
+                <a:ea typeface="Montserrat"/>
+                <a:cs typeface="Montserrat"/>
+                <a:sym typeface="Montserrat"/>
               </a:rPr>
               <a:t>. Bigger living spaces attract high prices.</a:t>
             </a:r>
@@ -15150,10 +15834,10 @@
               <a:highlight>
                 <a:srgbClr val="FFFFFF"/>
               </a:highlight>
-              <a:latin typeface="Century Gothic"/>
-              <a:ea typeface="Century Gothic"/>
-              <a:cs typeface="Century Gothic"/>
-              <a:sym typeface="Century Gothic"/>
+              <a:latin typeface="Montserrat"/>
+              <a:ea typeface="Montserrat"/>
+              <a:cs typeface="Montserrat"/>
+              <a:sym typeface="Montserrat"/>
             </a:endParaRPr>
           </a:p>
           <a:p>
@@ -15176,10 +15860,10 @@
               <a:highlight>
                 <a:srgbClr val="FFFFFF"/>
               </a:highlight>
-              <a:latin typeface="Century Gothic"/>
-              <a:ea typeface="Century Gothic"/>
-              <a:cs typeface="Century Gothic"/>
-              <a:sym typeface="Century Gothic"/>
+              <a:latin typeface="Montserrat"/>
+              <a:ea typeface="Montserrat"/>
+              <a:cs typeface="Montserrat"/>
+              <a:sym typeface="Montserrat"/>
             </a:endParaRPr>
           </a:p>
           <a:p>
@@ -15202,10 +15886,10 @@
                 <a:highlight>
                   <a:srgbClr val="FFFFFF"/>
                 </a:highlight>
-                <a:latin typeface="Century Gothic"/>
-                <a:ea typeface="Century Gothic"/>
-                <a:cs typeface="Century Gothic"/>
-                <a:sym typeface="Century Gothic"/>
+                <a:latin typeface="Montserrat"/>
+                <a:ea typeface="Montserrat"/>
+                <a:cs typeface="Montserrat"/>
+                <a:sym typeface="Montserrat"/>
               </a:rPr>
               <a:t>Upgrading bedrooms</a:t>
             </a:r>
@@ -15214,10 +15898,10 @@
                 <a:highlight>
                   <a:srgbClr val="FFFFFF"/>
                 </a:highlight>
-                <a:latin typeface="Century Gothic"/>
-                <a:ea typeface="Century Gothic"/>
-                <a:cs typeface="Century Gothic"/>
-                <a:sym typeface="Century Gothic"/>
+                <a:latin typeface="Montserrat"/>
+                <a:ea typeface="Montserrat"/>
+                <a:cs typeface="Montserrat"/>
+                <a:sym typeface="Montserrat"/>
               </a:rPr>
               <a:t>. Investing in bedroom renovations, will  increase the value of the property.</a:t>
             </a:r>
@@ -15225,10 +15909,10 @@
               <a:highlight>
                 <a:srgbClr val="FFFFFF"/>
               </a:highlight>
-              <a:latin typeface="Century Gothic"/>
-              <a:ea typeface="Century Gothic"/>
-              <a:cs typeface="Century Gothic"/>
-              <a:sym typeface="Century Gothic"/>
+              <a:latin typeface="Montserrat"/>
+              <a:ea typeface="Montserrat"/>
+              <a:cs typeface="Montserrat"/>
+              <a:sym typeface="Montserrat"/>
             </a:endParaRPr>
           </a:p>
           <a:p>
@@ -15251,10 +15935,10 @@
               <a:highlight>
                 <a:srgbClr val="FFFFFF"/>
               </a:highlight>
-              <a:latin typeface="Century Gothic"/>
-              <a:ea typeface="Century Gothic"/>
-              <a:cs typeface="Century Gothic"/>
-              <a:sym typeface="Century Gothic"/>
+              <a:latin typeface="Montserrat"/>
+              <a:ea typeface="Montserrat"/>
+              <a:cs typeface="Montserrat"/>
+              <a:sym typeface="Montserrat"/>
             </a:endParaRPr>
           </a:p>
           <a:p>
@@ -15277,10 +15961,10 @@
                 <a:highlight>
                   <a:srgbClr val="FFFFFF"/>
                 </a:highlight>
-                <a:latin typeface="Century Gothic"/>
-                <a:ea typeface="Century Gothic"/>
-                <a:cs typeface="Century Gothic"/>
-                <a:sym typeface="Century Gothic"/>
+                <a:latin typeface="Montserrat"/>
+                <a:ea typeface="Montserrat"/>
+                <a:cs typeface="Montserrat"/>
+                <a:sym typeface="Montserrat"/>
               </a:rPr>
               <a:t>Good house maintenance will improve the value of the homes</a:t>
             </a:r>
@@ -15289,10 +15973,10 @@
                 <a:highlight>
                   <a:srgbClr val="FFFFFF"/>
                 </a:highlight>
-                <a:latin typeface="Century Gothic"/>
-                <a:ea typeface="Century Gothic"/>
-                <a:cs typeface="Century Gothic"/>
-                <a:sym typeface="Century Gothic"/>
+                <a:latin typeface="Montserrat"/>
+                <a:ea typeface="Montserrat"/>
+                <a:cs typeface="Montserrat"/>
+                <a:sym typeface="Montserrat"/>
               </a:rPr>
               <a:t>. Home owners should ensure their homes rated average and above to improve the home value</a:t>
             </a:r>
@@ -15300,10 +15984,10 @@
               <a:highlight>
                 <a:srgbClr val="FFFFFF"/>
               </a:highlight>
-              <a:latin typeface="Century Gothic"/>
-              <a:ea typeface="Century Gothic"/>
-              <a:cs typeface="Century Gothic"/>
-              <a:sym typeface="Century Gothic"/>
+              <a:latin typeface="Montserrat"/>
+              <a:ea typeface="Montserrat"/>
+              <a:cs typeface="Montserrat"/>
+              <a:sym typeface="Montserrat"/>
             </a:endParaRPr>
           </a:p>
           <a:p>
@@ -15326,10 +16010,10 @@
               <a:highlight>
                 <a:srgbClr val="FFFFFF"/>
               </a:highlight>
-              <a:latin typeface="Century Gothic"/>
-              <a:ea typeface="Century Gothic"/>
-              <a:cs typeface="Century Gothic"/>
-              <a:sym typeface="Century Gothic"/>
+              <a:latin typeface="Montserrat"/>
+              <a:ea typeface="Montserrat"/>
+              <a:cs typeface="Montserrat"/>
+              <a:sym typeface="Montserrat"/>
             </a:endParaRPr>
           </a:p>
           <a:p>
@@ -15352,10 +16036,10 @@
                 <a:highlight>
                   <a:srgbClr val="FFFFFF"/>
                 </a:highlight>
-                <a:latin typeface="Century Gothic"/>
-                <a:ea typeface="Century Gothic"/>
-                <a:cs typeface="Century Gothic"/>
-                <a:sym typeface="Century Gothic"/>
+                <a:latin typeface="Montserrat"/>
+                <a:ea typeface="Montserrat"/>
+                <a:cs typeface="Montserrat"/>
+                <a:sym typeface="Montserrat"/>
               </a:rPr>
               <a:t>Bathroom is a minimum requirement and significant item in determining the home value</a:t>
             </a:r>
@@ -15364,10 +16048,10 @@
                 <a:highlight>
                   <a:srgbClr val="FFFFFF"/>
                 </a:highlight>
-                <a:latin typeface="Century Gothic"/>
-                <a:ea typeface="Century Gothic"/>
-                <a:cs typeface="Century Gothic"/>
-                <a:sym typeface="Century Gothic"/>
+                <a:latin typeface="Montserrat"/>
+                <a:ea typeface="Montserrat"/>
+                <a:cs typeface="Montserrat"/>
+                <a:sym typeface="Montserrat"/>
               </a:rPr>
               <a:t>. Assumption is that “advanced” / “more’ bathrooms </a:t>
             </a:r>
@@ -15376,10 +16060,10 @@
                 <a:highlight>
                   <a:srgbClr val="FFFFFF"/>
                 </a:highlight>
-                <a:latin typeface="Century Gothic"/>
-                <a:ea typeface="Century Gothic"/>
-                <a:cs typeface="Century Gothic"/>
-                <a:sym typeface="Century Gothic"/>
+                <a:latin typeface="Montserrat"/>
+                <a:ea typeface="Montserrat"/>
+                <a:cs typeface="Montserrat"/>
+                <a:sym typeface="Montserrat"/>
               </a:rPr>
               <a:t>attract higher prices</a:t>
             </a:r>
@@ -15387,17 +16071,17 @@
               <a:solidFill>
                 <a:srgbClr val="555555"/>
               </a:solidFill>
-              <a:latin typeface="Century Gothic"/>
-              <a:ea typeface="Century Gothic"/>
-              <a:cs typeface="Century Gothic"/>
-              <a:sym typeface="Century Gothic"/>
+              <a:latin typeface="Montserrat"/>
+              <a:ea typeface="Montserrat"/>
+              <a:cs typeface="Montserrat"/>
+              <a:sym typeface="Montserrat"/>
             </a:endParaRPr>
           </a:p>
         </p:txBody>
       </p:sp>
       <p:sp>
         <p:nvSpPr>
-          <p:cNvPr id="177" name="Google Shape;177;p13"/>
+          <p:cNvPr id="193" name="Google Shape;193;p13"/>
           <p:cNvSpPr txBox="1"/>
           <p:nvPr>
             <p:ph type="title"/>
@@ -15459,7 +16143,7 @@
       </p:sp>
       <p:sp>
         <p:nvSpPr>
-          <p:cNvPr id="178" name="Google Shape;178;p13"/>
+          <p:cNvPr id="194" name="Google Shape;194;p13"/>
           <p:cNvSpPr/>
           <p:nvPr/>
         </p:nvSpPr>
@@ -15533,7 +16217,7 @@
       </p:sp>
       <p:sp>
         <p:nvSpPr>
-          <p:cNvPr id="179" name="Google Shape;179;p13"/>
+          <p:cNvPr id="195" name="Google Shape;195;p13"/>
           <p:cNvSpPr txBox="1"/>
           <p:nvPr/>
         </p:nvSpPr>
@@ -15576,14 +16260,19 @@
                 <a:highlight>
                   <a:schemeClr val="lt1"/>
                 </a:highlight>
-                <a:latin typeface="Century Gothic"/>
-                <a:ea typeface="Century Gothic"/>
-                <a:cs typeface="Century Gothic"/>
-                <a:sym typeface="Century Gothic"/>
+                <a:latin typeface="Montserrat"/>
+                <a:ea typeface="Montserrat"/>
+                <a:cs typeface="Montserrat"/>
+                <a:sym typeface="Montserrat"/>
               </a:rPr>
               <a:t>Finsco Limited advise to its client:</a:t>
             </a:r>
-            <a:endParaRPr b="1" i="1" u="sng"/>
+            <a:endParaRPr b="1" i="1" u="sng">
+              <a:latin typeface="Montserrat"/>
+              <a:ea typeface="Montserrat"/>
+              <a:cs typeface="Montserrat"/>
+              <a:sym typeface="Montserrat"/>
+            </a:endParaRPr>
           </a:p>
         </p:txBody>
       </p:sp>
@@ -15595,12 +16284,12 @@
 </p:sld>
 </file>
 
-<file path=ppt/slides/slide14.xml><?xml version="1.0" encoding="utf-8"?>
+<file path=ppt/slides/slide16.xml><?xml version="1.0" encoding="utf-8"?>
 <p:sld xmlns:a="http://schemas.openxmlformats.org/drawingml/2006/main" xmlns:r="http://schemas.openxmlformats.org/officeDocument/2006/relationships" xmlns:mc="http://schemas.openxmlformats.org/markup-compatibility/2006" xmlns:mv="urn:schemas-microsoft-com:mac:vml" xmlns:p="http://schemas.openxmlformats.org/presentationml/2006/main" xmlns:c="http://schemas.openxmlformats.org/drawingml/2006/chart" xmlns:dgm="http://schemas.openxmlformats.org/drawingml/2006/diagram" xmlns:o="urn:schemas-microsoft-com:office:office" xmlns:v="urn:schemas-microsoft-com:vml" xmlns:pvml="urn:schemas-microsoft-com:office:powerpoint" xmlns:com="http://schemas.openxmlformats.org/drawingml/2006/compatibility" xmlns:p14="http://schemas.microsoft.com/office/powerpoint/2010/main" xmlns:p15="http://schemas.microsoft.com/office/powerpoint/2012/main" xmlns:ahyp="http://schemas.microsoft.com/office/drawing/2018/hyperlinkcolor">
   <p:cSld>
     <p:spTree>
       <p:nvGrpSpPr>
-        <p:cNvPr id="183" name="Shape 183"/>
+        <p:cNvPr id="199" name="Shape 199"/>
         <p:cNvGrpSpPr/>
         <p:nvPr/>
       </p:nvGrpSpPr>
@@ -15614,7 +16303,7 @@
       </p:grpSpPr>
       <p:sp>
         <p:nvSpPr>
-          <p:cNvPr id="184" name="Google Shape;184;g2ca9327ea0d_0_23"/>
+          <p:cNvPr id="200" name="Google Shape;200;g2ca9327ea0d_0_23"/>
           <p:cNvSpPr txBox="1"/>
           <p:nvPr>
             <p:ph idx="1" type="body"/>
@@ -15658,10 +16347,10 @@
                 <a:highlight>
                   <a:srgbClr val="FFFFFF"/>
                 </a:highlight>
-                <a:latin typeface="Century Gothic"/>
-                <a:ea typeface="Century Gothic"/>
-                <a:cs typeface="Century Gothic"/>
-                <a:sym typeface="Century Gothic"/>
+                <a:latin typeface="Montserrat"/>
+                <a:ea typeface="Montserrat"/>
+                <a:cs typeface="Montserrat"/>
+                <a:sym typeface="Montserrat"/>
               </a:rPr>
               <a:t>Feedback gathering:</a:t>
             </a:r>
@@ -15670,10 +16359,10 @@
                 <a:highlight>
                   <a:srgbClr val="FFFFFF"/>
                 </a:highlight>
-                <a:latin typeface="Century Gothic"/>
-                <a:ea typeface="Century Gothic"/>
-                <a:cs typeface="Century Gothic"/>
-                <a:sym typeface="Century Gothic"/>
+                <a:latin typeface="Montserrat"/>
+                <a:ea typeface="Montserrat"/>
+                <a:cs typeface="Montserrat"/>
+                <a:sym typeface="Montserrat"/>
               </a:rPr>
               <a:t> Hepta team will gather feedback from the Finsco team for additional requirements and feedback.</a:t>
             </a:r>
@@ -15681,10 +16370,10 @@
               <a:highlight>
                 <a:srgbClr val="FFFFFF"/>
               </a:highlight>
-              <a:latin typeface="Century Gothic"/>
-              <a:ea typeface="Century Gothic"/>
-              <a:cs typeface="Century Gothic"/>
-              <a:sym typeface="Century Gothic"/>
+              <a:latin typeface="Montserrat"/>
+              <a:ea typeface="Montserrat"/>
+              <a:cs typeface="Montserrat"/>
+              <a:sym typeface="Montserrat"/>
             </a:endParaRPr>
           </a:p>
           <a:p>
@@ -15707,10 +16396,10 @@
               <a:highlight>
                 <a:srgbClr val="FFFFFF"/>
               </a:highlight>
-              <a:latin typeface="Century Gothic"/>
-              <a:ea typeface="Century Gothic"/>
-              <a:cs typeface="Century Gothic"/>
-              <a:sym typeface="Century Gothic"/>
+              <a:latin typeface="Montserrat"/>
+              <a:ea typeface="Montserrat"/>
+              <a:cs typeface="Montserrat"/>
+              <a:sym typeface="Montserrat"/>
             </a:endParaRPr>
           </a:p>
           <a:p>
@@ -15733,10 +16422,10 @@
                 <a:highlight>
                   <a:srgbClr val="FFFFFF"/>
                 </a:highlight>
-                <a:latin typeface="Century Gothic"/>
-                <a:ea typeface="Century Gothic"/>
-                <a:cs typeface="Century Gothic"/>
-                <a:sym typeface="Century Gothic"/>
+                <a:latin typeface="Montserrat"/>
+                <a:ea typeface="Montserrat"/>
+                <a:cs typeface="Montserrat"/>
+                <a:sym typeface="Montserrat"/>
               </a:rPr>
               <a:t>Market Research:</a:t>
             </a:r>
@@ -15745,10 +16434,10 @@
                 <a:highlight>
                   <a:srgbClr val="FFFFFF"/>
                 </a:highlight>
-                <a:latin typeface="Century Gothic"/>
-                <a:ea typeface="Century Gothic"/>
-                <a:cs typeface="Century Gothic"/>
-                <a:sym typeface="Century Gothic"/>
+                <a:latin typeface="Montserrat"/>
+                <a:ea typeface="Montserrat"/>
+                <a:cs typeface="Montserrat"/>
+                <a:sym typeface="Montserrat"/>
               </a:rPr>
               <a:t> We will conduct market research to identify trends in the real estate market such as renovations and, property features demands.</a:t>
             </a:r>
@@ -15756,10 +16445,10 @@
               <a:highlight>
                 <a:srgbClr val="FFFFFF"/>
               </a:highlight>
-              <a:latin typeface="Century Gothic"/>
-              <a:ea typeface="Century Gothic"/>
-              <a:cs typeface="Century Gothic"/>
-              <a:sym typeface="Century Gothic"/>
+              <a:latin typeface="Montserrat"/>
+              <a:ea typeface="Montserrat"/>
+              <a:cs typeface="Montserrat"/>
+              <a:sym typeface="Montserrat"/>
             </a:endParaRPr>
           </a:p>
           <a:p>
@@ -15782,10 +16471,10 @@
               <a:highlight>
                 <a:srgbClr val="FFFFFF"/>
               </a:highlight>
-              <a:latin typeface="Century Gothic"/>
-              <a:ea typeface="Century Gothic"/>
-              <a:cs typeface="Century Gothic"/>
-              <a:sym typeface="Century Gothic"/>
+              <a:latin typeface="Montserrat"/>
+              <a:ea typeface="Montserrat"/>
+              <a:cs typeface="Montserrat"/>
+              <a:sym typeface="Montserrat"/>
             </a:endParaRPr>
           </a:p>
           <a:p>
@@ -15808,10 +16497,10 @@
                 <a:highlight>
                   <a:srgbClr val="FFFFFF"/>
                 </a:highlight>
-                <a:latin typeface="Century Gothic"/>
-                <a:ea typeface="Century Gothic"/>
-                <a:cs typeface="Century Gothic"/>
-                <a:sym typeface="Century Gothic"/>
+                <a:latin typeface="Montserrat"/>
+                <a:ea typeface="Montserrat"/>
+                <a:cs typeface="Montserrat"/>
+                <a:sym typeface="Montserrat"/>
               </a:rPr>
               <a:t>Data Enrichment:</a:t>
             </a:r>
@@ -15820,10 +16509,10 @@
                 <a:highlight>
                   <a:srgbClr val="FFFFFF"/>
                 </a:highlight>
-                <a:latin typeface="Century Gothic"/>
-                <a:ea typeface="Century Gothic"/>
-                <a:cs typeface="Century Gothic"/>
-                <a:sym typeface="Century Gothic"/>
+                <a:latin typeface="Montserrat"/>
+                <a:ea typeface="Montserrat"/>
+                <a:cs typeface="Montserrat"/>
+                <a:sym typeface="Montserrat"/>
               </a:rPr>
               <a:t> Gather additional data on other features that affect property values. This may include users' preferences and more sales and renovations data.</a:t>
             </a:r>
@@ -15831,10 +16520,10 @@
               <a:highlight>
                 <a:srgbClr val="FFFFFF"/>
               </a:highlight>
-              <a:latin typeface="Century Gothic"/>
-              <a:ea typeface="Century Gothic"/>
-              <a:cs typeface="Century Gothic"/>
-              <a:sym typeface="Century Gothic"/>
+              <a:latin typeface="Montserrat"/>
+              <a:ea typeface="Montserrat"/>
+              <a:cs typeface="Montserrat"/>
+              <a:sym typeface="Montserrat"/>
             </a:endParaRPr>
           </a:p>
           <a:p>
@@ -15857,10 +16546,10 @@
               <a:highlight>
                 <a:srgbClr val="FFFFFF"/>
               </a:highlight>
-              <a:latin typeface="Century Gothic"/>
-              <a:ea typeface="Century Gothic"/>
-              <a:cs typeface="Century Gothic"/>
-              <a:sym typeface="Century Gothic"/>
+              <a:latin typeface="Montserrat"/>
+              <a:ea typeface="Montserrat"/>
+              <a:cs typeface="Montserrat"/>
+              <a:sym typeface="Montserrat"/>
             </a:endParaRPr>
           </a:p>
           <a:p>
@@ -15883,10 +16572,10 @@
                 <a:highlight>
                   <a:srgbClr val="FFFFFF"/>
                 </a:highlight>
-                <a:latin typeface="Century Gothic"/>
-                <a:ea typeface="Century Gothic"/>
-                <a:cs typeface="Century Gothic"/>
-                <a:sym typeface="Century Gothic"/>
+                <a:latin typeface="Montserrat"/>
+                <a:ea typeface="Montserrat"/>
+                <a:cs typeface="Montserrat"/>
+                <a:sym typeface="Montserrat"/>
               </a:rPr>
               <a:t>Model improvement:</a:t>
             </a:r>
@@ -15895,10 +16584,10 @@
                 <a:highlight>
                   <a:srgbClr val="FFFFFF"/>
                 </a:highlight>
-                <a:latin typeface="Century Gothic"/>
-                <a:ea typeface="Century Gothic"/>
-                <a:cs typeface="Century Gothic"/>
-                <a:sym typeface="Century Gothic"/>
+                <a:latin typeface="Montserrat"/>
+                <a:ea typeface="Montserrat"/>
+                <a:cs typeface="Montserrat"/>
+                <a:sym typeface="Montserrat"/>
               </a:rPr>
               <a:t> Our Data scientists will try other regression algorithms for comparisons and model improvements</a:t>
             </a:r>
@@ -15906,10 +16595,10 @@
               <a:highlight>
                 <a:srgbClr val="FFFFFF"/>
               </a:highlight>
-              <a:latin typeface="Century Gothic"/>
-              <a:ea typeface="Century Gothic"/>
-              <a:cs typeface="Century Gothic"/>
-              <a:sym typeface="Century Gothic"/>
+              <a:latin typeface="Montserrat"/>
+              <a:ea typeface="Montserrat"/>
+              <a:cs typeface="Montserrat"/>
+              <a:sym typeface="Montserrat"/>
             </a:endParaRPr>
           </a:p>
           <a:p>
@@ -15932,17 +16621,17 @@
               <a:highlight>
                 <a:srgbClr val="FFFFFF"/>
               </a:highlight>
-              <a:latin typeface="Century Gothic"/>
-              <a:ea typeface="Century Gothic"/>
-              <a:cs typeface="Century Gothic"/>
-              <a:sym typeface="Century Gothic"/>
+              <a:latin typeface="Montserrat"/>
+              <a:ea typeface="Montserrat"/>
+              <a:cs typeface="Montserrat"/>
+              <a:sym typeface="Montserrat"/>
             </a:endParaRPr>
           </a:p>
         </p:txBody>
       </p:sp>
       <p:sp>
         <p:nvSpPr>
-          <p:cNvPr id="185" name="Google Shape;185;g2ca9327ea0d_0_23"/>
+          <p:cNvPr id="201" name="Google Shape;201;g2ca9327ea0d_0_23"/>
           <p:cNvSpPr txBox="1"/>
           <p:nvPr>
             <p:ph type="title"/>
@@ -16001,7 +16690,7 @@
       </p:sp>
       <p:sp>
         <p:nvSpPr>
-          <p:cNvPr id="186" name="Google Shape;186;g2ca9327ea0d_0_23"/>
+          <p:cNvPr id="202" name="Google Shape;202;g2ca9327ea0d_0_23"/>
           <p:cNvSpPr/>
           <p:nvPr/>
         </p:nvSpPr>
@@ -16081,12 +16770,12 @@
 </p:sld>
 </file>
 
-<file path=ppt/slides/slide15.xml><?xml version="1.0" encoding="utf-8"?>
+<file path=ppt/slides/slide17.xml><?xml version="1.0" encoding="utf-8"?>
 <p:sld xmlns:a="http://schemas.openxmlformats.org/drawingml/2006/main" xmlns:r="http://schemas.openxmlformats.org/officeDocument/2006/relationships" xmlns:mc="http://schemas.openxmlformats.org/markup-compatibility/2006" xmlns:mv="urn:schemas-microsoft-com:mac:vml" xmlns:p="http://schemas.openxmlformats.org/presentationml/2006/main" xmlns:c="http://schemas.openxmlformats.org/drawingml/2006/chart" xmlns:dgm="http://schemas.openxmlformats.org/drawingml/2006/diagram" xmlns:o="urn:schemas-microsoft-com:office:office" xmlns:v="urn:schemas-microsoft-com:vml" xmlns:pvml="urn:schemas-microsoft-com:office:powerpoint" xmlns:com="http://schemas.openxmlformats.org/drawingml/2006/compatibility" xmlns:p14="http://schemas.microsoft.com/office/powerpoint/2010/main" xmlns:p15="http://schemas.microsoft.com/office/powerpoint/2012/main" xmlns:ahyp="http://schemas.microsoft.com/office/drawing/2018/hyperlinkcolor">
   <p:cSld>
     <p:spTree>
       <p:nvGrpSpPr>
-        <p:cNvPr id="190" name="Shape 190"/>
+        <p:cNvPr id="206" name="Shape 206"/>
         <p:cNvGrpSpPr/>
         <p:nvPr/>
       </p:nvGrpSpPr>
@@ -16100,7 +16789,7 @@
       </p:grpSpPr>
       <p:sp>
         <p:nvSpPr>
-          <p:cNvPr id="191" name="Google Shape;191;p14"/>
+          <p:cNvPr id="207" name="Google Shape;207;p14"/>
           <p:cNvSpPr/>
           <p:nvPr/>
         </p:nvSpPr>
@@ -16165,7 +16854,7 @@
       </p:sp>
       <p:pic>
         <p:nvPicPr>
-          <p:cNvPr id="192" name="Google Shape;192;p14"/>
+          <p:cNvPr id="208" name="Google Shape;208;p14"/>
           <p:cNvPicPr preferRelativeResize="0"/>
           <p:nvPr/>
         </p:nvPicPr>
@@ -16198,7 +16887,7 @@
       </p:pic>
       <p:pic>
         <p:nvPicPr>
-          <p:cNvPr id="193" name="Google Shape;193;p14"/>
+          <p:cNvPr id="209" name="Google Shape;209;p14"/>
           <p:cNvPicPr preferRelativeResize="0"/>
           <p:nvPr/>
         </p:nvPicPr>
@@ -16231,7 +16920,7 @@
       </p:pic>
       <p:sp>
         <p:nvSpPr>
-          <p:cNvPr id="194" name="Google Shape;194;p14"/>
+          <p:cNvPr id="210" name="Google Shape;210;p14"/>
           <p:cNvSpPr txBox="1"/>
           <p:nvPr/>
         </p:nvSpPr>
@@ -16297,7 +16986,7 @@
       </p:sp>
       <p:pic>
         <p:nvPicPr>
-          <p:cNvPr id="195" name="Google Shape;195;p14"/>
+          <p:cNvPr id="211" name="Google Shape;211;p14"/>
           <p:cNvPicPr preferRelativeResize="0"/>
           <p:nvPr/>
         </p:nvPicPr>
@@ -16324,7 +17013,7 @@
       </p:pic>
       <p:sp>
         <p:nvSpPr>
-          <p:cNvPr id="196" name="Google Shape;196;p14"/>
+          <p:cNvPr id="212" name="Google Shape;212;p14"/>
           <p:cNvSpPr txBox="1"/>
           <p:nvPr/>
         </p:nvSpPr>
@@ -16415,13 +17104,13 @@
       </p:grpSpPr>
       <p:sp>
         <p:nvSpPr>
-          <p:cNvPr id="82" name="Google Shape;82;p2"/>
+          <p:cNvPr id="82" name="Google Shape;82;g2ca6d4f84d4_2_415"/>
           <p:cNvSpPr/>
           <p:nvPr/>
         </p:nvSpPr>
         <p:spPr>
           <a:xfrm>
-            <a:off x="0" y="1466"/>
+            <a:off x="125" y="100"/>
             <a:ext cx="12192000" cy="6858000"/>
           </a:xfrm>
           <a:prstGeom prst="rect">
@@ -16446,41 +17135,30 @@
           </a:bodyPr>
           <a:lstStyle/>
           <a:p>
-            <a:pPr indent="0" lvl="0" marL="0" marR="0" rtl="0" algn="l">
-              <a:lnSpc>
-                <a:spcPct val="100000"/>
-              </a:lnSpc>
-              <a:spcBef>
-                <a:spcPts val="0"/>
-              </a:spcBef>
-              <a:spcAft>
-                <a:spcPts val="0"/>
-              </a:spcAft>
-              <a:buClr>
-                <a:srgbClr val="000000"/>
-              </a:buClr>
-              <a:buSzPts val="1800"/>
-              <a:buFont typeface="Arial"/>
+            <a:pPr indent="0" lvl="0" marL="0" rtl="0" algn="ctr">
+              <a:spcBef>
+                <a:spcPts val="0"/>
+              </a:spcBef>
+              <a:spcAft>
+                <a:spcPts val="0"/>
+              </a:spcAft>
               <a:buNone/>
             </a:pPr>
             <a:r>
               <a:t/>
             </a:r>
-            <a:endParaRPr b="0" i="0" sz="1800" u="none" cap="none" strike="noStrike">
-              <a:solidFill>
-                <a:srgbClr val="FF0000"/>
-              </a:solidFill>
-              <a:latin typeface="Arial"/>
-              <a:ea typeface="Arial"/>
-              <a:cs typeface="Arial"/>
-              <a:sym typeface="Arial"/>
+            <a:endParaRPr>
+              <a:latin typeface="Calibri"/>
+              <a:ea typeface="Calibri"/>
+              <a:cs typeface="Calibri"/>
+              <a:sym typeface="Calibri"/>
             </a:endParaRPr>
           </a:p>
         </p:txBody>
       </p:sp>
       <p:pic>
         <p:nvPicPr>
-          <p:cNvPr id="83" name="Google Shape;83;p2"/>
+          <p:cNvPr id="83" name="Google Shape;83;g2ca6d4f84d4_2_415"/>
           <p:cNvPicPr preferRelativeResize="0"/>
           <p:nvPr/>
         </p:nvPicPr>
@@ -16488,13 +17166,13 @@
           <a:blip r:embed="rId3">
             <a:alphaModFix/>
           </a:blip>
-          <a:srcRect b="0" l="0" r="0" t="0"/>
+          <a:srcRect b="0" l="68370" r="0" t="-5451"/>
           <a:stretch/>
         </p:blipFill>
         <p:spPr>
-          <a:xfrm>
-            <a:off x="4913025" y="2248000"/>
-            <a:ext cx="19050" cy="2362200"/>
+          <a:xfrm flipH="1">
+            <a:off x="4918200" y="1533226"/>
+            <a:ext cx="37050" cy="3116899"/>
           </a:xfrm>
           <a:prstGeom prst="rect">
             <a:avLst/>
@@ -16507,20 +17185,21 @@
       </p:pic>
       <p:pic>
         <p:nvPicPr>
-          <p:cNvPr id="84" name="Google Shape;84;p2"/>
+          <p:cNvPr id="84" name="Google Shape;84;g2ca6d4f84d4_2_415"/>
           <p:cNvPicPr preferRelativeResize="0"/>
           <p:nvPr/>
         </p:nvPicPr>
-        <p:blipFill rotWithShape="1">
+        <p:blipFill>
           <a:blip r:embed="rId4">
             <a:alphaModFix/>
           </a:blip>
-          <a:srcRect b="0" l="0" r="0" t="0"/>
-          <a:stretch/>
+          <a:stretch>
+            <a:fillRect/>
+          </a:stretch>
         </p:blipFill>
         <p:spPr>
           <a:xfrm>
-            <a:off x="5276850" y="4121403"/>
+            <a:off x="5508775" y="4460450"/>
             <a:ext cx="819150" cy="114300"/>
           </a:xfrm>
           <a:prstGeom prst="rect">
@@ -16534,20 +17213,21 @@
       </p:pic>
       <p:pic>
         <p:nvPicPr>
-          <p:cNvPr id="85" name="Google Shape;85;p2"/>
+          <p:cNvPr id="85" name="Google Shape;85;g2ca6d4f84d4_2_415"/>
           <p:cNvPicPr preferRelativeResize="0"/>
           <p:nvPr/>
         </p:nvPicPr>
-        <p:blipFill rotWithShape="1">
+        <p:blipFill>
           <a:blip r:embed="rId5">
             <a:alphaModFix/>
           </a:blip>
-          <a:srcRect b="0" l="0" r="0" t="0"/>
-          <a:stretch/>
+          <a:stretch>
+            <a:fillRect/>
+          </a:stretch>
         </p:blipFill>
         <p:spPr>
           <a:xfrm>
-            <a:off x="1523376" y="3084075"/>
+            <a:off x="1357325" y="3084075"/>
             <a:ext cx="3005975" cy="689850"/>
           </a:xfrm>
           <a:prstGeom prst="rect">
@@ -16561,14 +17241,14 @@
       </p:pic>
       <p:sp>
         <p:nvSpPr>
-          <p:cNvPr id="86" name="Google Shape;86;p2"/>
+          <p:cNvPr id="86" name="Google Shape;86;g2ca6d4f84d4_2_415"/>
           <p:cNvSpPr txBox="1"/>
           <p:nvPr/>
         </p:nvSpPr>
         <p:spPr>
           <a:xfrm>
-            <a:off x="4932075" y="690775"/>
-            <a:ext cx="5872800" cy="723300"/>
+            <a:off x="5303400" y="1417900"/>
+            <a:ext cx="5797800" cy="954300"/>
           </a:xfrm>
           <a:prstGeom prst="rect">
             <a:avLst/>
@@ -16584,38 +17264,33 @@
           </a:bodyPr>
           <a:lstStyle/>
           <a:p>
-            <a:pPr indent="0" lvl="0" marL="0" marR="0" rtl="0" algn="l">
-              <a:lnSpc>
-                <a:spcPct val="100000"/>
-              </a:lnSpc>
-              <a:spcBef>
-                <a:spcPts val="0"/>
-              </a:spcBef>
-              <a:spcAft>
-                <a:spcPts val="0"/>
-              </a:spcAft>
-              <a:buClr>
-                <a:srgbClr val="000000"/>
-              </a:buClr>
-              <a:buSzPts val="3500"/>
-              <a:buFont typeface="Arial"/>
+            <a:pPr indent="0" lvl="0" marL="0" rtl="0" algn="l">
+              <a:lnSpc>
+                <a:spcPct val="100000"/>
+              </a:lnSpc>
+              <a:spcBef>
+                <a:spcPts val="0"/>
+              </a:spcBef>
+              <a:spcAft>
+                <a:spcPts val="0"/>
+              </a:spcAft>
               <a:buNone/>
             </a:pPr>
             <a:r>
-              <a:rPr b="1" i="0" lang="en-US" sz="3500" u="none" cap="none" strike="noStrike">
+              <a:rPr b="1" lang="en-US" sz="5000">
                 <a:solidFill>
-                  <a:srgbClr val="EBEBEB"/>
+                  <a:schemeClr val="lt1"/>
                 </a:solidFill>
                 <a:latin typeface="Montserrat"/>
                 <a:ea typeface="Montserrat"/>
                 <a:cs typeface="Montserrat"/>
                 <a:sym typeface="Montserrat"/>
               </a:rPr>
-              <a:t>GROUP MEMBERS</a:t>
+              <a:t>Group Members</a:t>
             </a:r>
-            <a:endParaRPr b="1" i="0" sz="3500" u="none" cap="none" strike="noStrike">
+            <a:endParaRPr b="1" sz="5000">
               <a:solidFill>
-                <a:srgbClr val="EBEBEB"/>
+                <a:schemeClr val="lt1"/>
               </a:solidFill>
               <a:latin typeface="Montserrat"/>
               <a:ea typeface="Montserrat"/>
@@ -16627,14 +17302,14 @@
       </p:sp>
       <p:sp>
         <p:nvSpPr>
-          <p:cNvPr id="87" name="Google Shape;87;p2"/>
+          <p:cNvPr id="87" name="Google Shape;87;g2ca6d4f84d4_2_415"/>
           <p:cNvSpPr txBox="1"/>
           <p:nvPr/>
         </p:nvSpPr>
         <p:spPr>
           <a:xfrm>
-            <a:off x="6440777" y="1681144"/>
-            <a:ext cx="5520300" cy="4094400"/>
+            <a:off x="5303400" y="2372200"/>
+            <a:ext cx="5958000" cy="2055000"/>
           </a:xfrm>
           <a:prstGeom prst="rect">
             <a:avLst/>
@@ -16645,68 +17320,46 @@
           </a:ln>
         </p:spPr>
         <p:txBody>
-          <a:bodyPr anchorCtr="0" anchor="t" bIns="45700" lIns="91425" spcFirstLastPara="1" rIns="91425" wrap="square" tIns="45700">
+          <a:bodyPr anchorCtr="0" anchor="t" bIns="91425" lIns="91425" spcFirstLastPara="1" rIns="91425" wrap="square" tIns="91425">
             <a:spAutoFit/>
           </a:bodyPr>
           <a:lstStyle/>
           <a:p>
-            <a:pPr indent="0" lvl="0" marL="0" marR="0" rtl="0" algn="l">
-              <a:lnSpc>
-                <a:spcPct val="100000"/>
-              </a:lnSpc>
-              <a:spcBef>
-                <a:spcPts val="0"/>
-              </a:spcBef>
-              <a:spcAft>
-                <a:spcPts val="0"/>
-              </a:spcAft>
-              <a:buClr>
-                <a:srgbClr val="000000"/>
-              </a:buClr>
-              <a:buSzPts val="2000"/>
-              <a:buFont typeface="Arial"/>
-              <a:buNone/>
-            </a:pPr>
-            <a:r>
-              <a:t/>
-            </a:r>
-            <a:endParaRPr b="0" i="0" sz="2000" u="none" cap="none" strike="noStrike">
-              <a:solidFill>
+            <a:pPr indent="-114300" lvl="0" marL="0" rtl="0" algn="l">
+              <a:lnSpc>
+                <a:spcPct val="115000"/>
+              </a:lnSpc>
+              <a:spcBef>
+                <a:spcPts val="0"/>
+              </a:spcBef>
+              <a:spcAft>
+                <a:spcPts val="0"/>
+              </a:spcAft>
+              <a:buClr>
                 <a:schemeClr val="lt1"/>
-              </a:solidFill>
-              <a:latin typeface="Arial"/>
-              <a:ea typeface="Arial"/>
-              <a:cs typeface="Arial"/>
-              <a:sym typeface="Arial"/>
-            </a:endParaRPr>
-          </a:p>
-          <a:p>
-            <a:pPr indent="-127000" lvl="0" marL="0" marR="0" rtl="0" algn="l">
-              <a:lnSpc>
-                <a:spcPct val="100000"/>
-              </a:lnSpc>
-              <a:spcBef>
-                <a:spcPts val="0"/>
-              </a:spcBef>
-              <a:spcAft>
-                <a:spcPts val="0"/>
-              </a:spcAft>
-              <a:buClr>
-                <a:schemeClr val="lt1"/>
-              </a:buClr>
-              <a:buSzPts val="2000"/>
-              <a:buFont typeface="Arial"/>
+              </a:buClr>
+              <a:buSzPts val="1800"/>
+              <a:buFont typeface="Montserrat"/>
               <a:buChar char="•"/>
             </a:pPr>
             <a:r>
-              <a:rPr b="0" i="1" lang="en-US" sz="2000" u="sng" cap="none" strike="noStrike">
+              <a:rPr lang="en-US">
+                <a:latin typeface="Montserrat"/>
+                <a:ea typeface="Montserrat"/>
+                <a:cs typeface="Montserrat"/>
+                <a:sym typeface="Montserrat"/>
+              </a:rPr>
+              <a:t> </a:t>
+            </a:r>
+            <a:r>
+              <a:rPr b="1" i="1" lang="en-US" sz="1800" u="sng">
                 <a:solidFill>
                   <a:schemeClr val="lt1"/>
                 </a:solidFill>
-                <a:latin typeface="Helvetica Neue"/>
-                <a:ea typeface="Helvetica Neue"/>
-                <a:cs typeface="Helvetica Neue"/>
-                <a:sym typeface="Helvetica Neue"/>
+                <a:latin typeface="Montserrat"/>
+                <a:ea typeface="Montserrat"/>
+                <a:cs typeface="Montserrat"/>
+                <a:sym typeface="Montserrat"/>
                 <a:hlinkClick r:id="rId6">
                   <a:extLst>
                     <a:ext uri="{A12FA001-AC4F-418D-AE19-62706E023703}">
@@ -16717,69 +17370,55 @@
               </a:rPr>
               <a:t>steve.abonyo@student.moringaschool.com</a:t>
             </a:r>
-            <a:endParaRPr sz="2000">
+            <a:endParaRPr b="1" sz="1800">
               <a:solidFill>
                 <a:schemeClr val="lt1"/>
               </a:solidFill>
-              <a:latin typeface="Helvetica Neue"/>
-              <a:ea typeface="Helvetica Neue"/>
-              <a:cs typeface="Helvetica Neue"/>
-              <a:sym typeface="Helvetica Neue"/>
+              <a:latin typeface="Montserrat"/>
+              <a:ea typeface="Montserrat"/>
+              <a:cs typeface="Montserrat"/>
+              <a:sym typeface="Montserrat"/>
             </a:endParaRPr>
           </a:p>
           <a:p>
-            <a:pPr indent="0" lvl="0" marL="0" marR="0" rtl="0" algn="l">
-              <a:lnSpc>
-                <a:spcPct val="100000"/>
-              </a:lnSpc>
-              <a:spcBef>
-                <a:spcPts val="0"/>
-              </a:spcBef>
-              <a:spcAft>
-                <a:spcPts val="0"/>
-              </a:spcAft>
-              <a:buNone/>
-            </a:pPr>
-            <a:r>
-              <a:t/>
-            </a:r>
-            <a:endParaRPr sz="2000">
-              <a:solidFill>
+            <a:pPr indent="-114300" lvl="0" marL="0" rtl="0" algn="l">
+              <a:lnSpc>
+                <a:spcPct val="115000"/>
+              </a:lnSpc>
+              <a:spcBef>
+                <a:spcPts val="0"/>
+              </a:spcBef>
+              <a:spcAft>
+                <a:spcPts val="0"/>
+              </a:spcAft>
+              <a:buClr>
                 <a:schemeClr val="lt1"/>
-              </a:solidFill>
-              <a:latin typeface="Helvetica Neue"/>
-              <a:ea typeface="Helvetica Neue"/>
-              <a:cs typeface="Helvetica Neue"/>
-              <a:sym typeface="Helvetica Neue"/>
-            </a:endParaRPr>
-          </a:p>
-          <a:p>
-            <a:pPr indent="-127000" lvl="0" marL="0" marR="0" rtl="0" algn="l">
-              <a:lnSpc>
-                <a:spcPct val="100000"/>
-              </a:lnSpc>
-              <a:spcBef>
-                <a:spcPts val="0"/>
-              </a:spcBef>
-              <a:spcAft>
-                <a:spcPts val="0"/>
-              </a:spcAft>
-              <a:buClr>
-                <a:schemeClr val="lt1"/>
-              </a:buClr>
-              <a:buSzPts val="2000"/>
-              <a:buFont typeface="Arial"/>
+              </a:buClr>
+              <a:buSzPts val="1800"/>
+              <a:buFont typeface="Montserrat"/>
               <a:buChar char="•"/>
             </a:pPr>
             <a:r>
-              <a:rPr b="0" i="1" lang="en-US" sz="2000" u="sng" cap="none" strike="noStrike">
+              <a:rPr b="1" lang="en-US" sz="1800">
                 <a:solidFill>
                   <a:schemeClr val="lt1"/>
                 </a:solidFill>
-                <a:latin typeface="Helvetica Neue"/>
-                <a:ea typeface="Helvetica Neue"/>
-                <a:cs typeface="Helvetica Neue"/>
-                <a:sym typeface="Helvetica Neue"/>
+                <a:latin typeface="Montserrat"/>
+                <a:ea typeface="Montserrat"/>
+                <a:cs typeface="Montserrat"/>
+                <a:sym typeface="Montserrat"/>
+              </a:rPr>
+              <a:t> </a:t>
+            </a:r>
+            <a:r>
+              <a:rPr b="1" i="1" lang="en-US" sz="1800" u="sng">
+                <a:solidFill>
+                  <a:schemeClr val="lt1"/>
+                </a:solidFill>
+                <a:latin typeface="Montserrat"/>
+                <a:ea typeface="Montserrat"/>
+                <a:cs typeface="Montserrat"/>
+                <a:sym typeface="Montserrat"/>
                 <a:hlinkClick r:id="rId7">
                   <a:extLst>
                     <a:ext uri="{A12FA001-AC4F-418D-AE19-62706E023703}">
@@ -16790,69 +17429,55 @@
               </a:rPr>
               <a:t>brian.kariithi@student.moringaschool.com</a:t>
             </a:r>
-            <a:endParaRPr sz="2000">
+            <a:endParaRPr b="1" sz="1800">
               <a:solidFill>
                 <a:schemeClr val="lt1"/>
               </a:solidFill>
-              <a:latin typeface="Helvetica Neue"/>
-              <a:ea typeface="Helvetica Neue"/>
-              <a:cs typeface="Helvetica Neue"/>
-              <a:sym typeface="Helvetica Neue"/>
+              <a:latin typeface="Montserrat"/>
+              <a:ea typeface="Montserrat"/>
+              <a:cs typeface="Montserrat"/>
+              <a:sym typeface="Montserrat"/>
             </a:endParaRPr>
           </a:p>
           <a:p>
-            <a:pPr indent="0" lvl="0" marL="0" marR="0" rtl="0" algn="l">
-              <a:lnSpc>
-                <a:spcPct val="100000"/>
-              </a:lnSpc>
-              <a:spcBef>
-                <a:spcPts val="0"/>
-              </a:spcBef>
-              <a:spcAft>
-                <a:spcPts val="0"/>
-              </a:spcAft>
-              <a:buNone/>
-            </a:pPr>
-            <a:r>
-              <a:t/>
-            </a:r>
-            <a:endParaRPr sz="2000">
-              <a:solidFill>
+            <a:pPr indent="-114300" lvl="0" marL="0" rtl="0" algn="l">
+              <a:lnSpc>
+                <a:spcPct val="115000"/>
+              </a:lnSpc>
+              <a:spcBef>
+                <a:spcPts val="0"/>
+              </a:spcBef>
+              <a:spcAft>
+                <a:spcPts val="0"/>
+              </a:spcAft>
+              <a:buClr>
                 <a:schemeClr val="lt1"/>
-              </a:solidFill>
-              <a:latin typeface="Helvetica Neue"/>
-              <a:ea typeface="Helvetica Neue"/>
-              <a:cs typeface="Helvetica Neue"/>
-              <a:sym typeface="Helvetica Neue"/>
-            </a:endParaRPr>
-          </a:p>
-          <a:p>
-            <a:pPr indent="-127000" lvl="0" marL="0" marR="0" rtl="0" algn="l">
-              <a:lnSpc>
-                <a:spcPct val="100000"/>
-              </a:lnSpc>
-              <a:spcBef>
-                <a:spcPts val="0"/>
-              </a:spcBef>
-              <a:spcAft>
-                <a:spcPts val="0"/>
-              </a:spcAft>
-              <a:buClr>
-                <a:schemeClr val="lt1"/>
-              </a:buClr>
-              <a:buSzPts val="2000"/>
-              <a:buFont typeface="Arial"/>
+              </a:buClr>
+              <a:buSzPts val="1800"/>
+              <a:buFont typeface="Montserrat"/>
               <a:buChar char="•"/>
             </a:pPr>
             <a:r>
-              <a:rPr b="0" i="1" lang="en-US" sz="2000" u="sng" cap="none" strike="noStrike">
+              <a:rPr b="1" lang="en-US" sz="1800">
                 <a:solidFill>
                   <a:schemeClr val="lt1"/>
                 </a:solidFill>
-                <a:latin typeface="Helvetica Neue"/>
-                <a:ea typeface="Helvetica Neue"/>
-                <a:cs typeface="Helvetica Neue"/>
-                <a:sym typeface="Helvetica Neue"/>
+                <a:latin typeface="Montserrat"/>
+                <a:ea typeface="Montserrat"/>
+                <a:cs typeface="Montserrat"/>
+                <a:sym typeface="Montserrat"/>
+              </a:rPr>
+              <a:t> </a:t>
+            </a:r>
+            <a:r>
+              <a:rPr b="1" i="1" lang="en-US" sz="1800" u="sng">
+                <a:solidFill>
+                  <a:schemeClr val="lt1"/>
+                </a:solidFill>
+                <a:latin typeface="Montserrat"/>
+                <a:ea typeface="Montserrat"/>
+                <a:cs typeface="Montserrat"/>
+                <a:sym typeface="Montserrat"/>
                 <a:hlinkClick r:id="rId8">
                   <a:extLst>
                     <a:ext uri="{A12FA001-AC4F-418D-AE19-62706E023703}">
@@ -16863,69 +17488,55 @@
               </a:rPr>
               <a:t>rosaline.mungai@student.moringaschool.com</a:t>
             </a:r>
-            <a:endParaRPr sz="2000">
+            <a:endParaRPr b="1" sz="1800">
               <a:solidFill>
                 <a:schemeClr val="lt1"/>
               </a:solidFill>
-              <a:latin typeface="Helvetica Neue"/>
-              <a:ea typeface="Helvetica Neue"/>
-              <a:cs typeface="Helvetica Neue"/>
-              <a:sym typeface="Helvetica Neue"/>
+              <a:latin typeface="Montserrat"/>
+              <a:ea typeface="Montserrat"/>
+              <a:cs typeface="Montserrat"/>
+              <a:sym typeface="Montserrat"/>
             </a:endParaRPr>
           </a:p>
           <a:p>
-            <a:pPr indent="0" lvl="0" marL="0" marR="0" rtl="0" algn="l">
-              <a:lnSpc>
-                <a:spcPct val="100000"/>
-              </a:lnSpc>
-              <a:spcBef>
-                <a:spcPts val="0"/>
-              </a:spcBef>
-              <a:spcAft>
-                <a:spcPts val="0"/>
-              </a:spcAft>
-              <a:buNone/>
-            </a:pPr>
-            <a:r>
-              <a:t/>
-            </a:r>
-            <a:endParaRPr sz="2000">
-              <a:solidFill>
+            <a:pPr indent="-114300" lvl="0" marL="0" rtl="0" algn="l">
+              <a:lnSpc>
+                <a:spcPct val="115000"/>
+              </a:lnSpc>
+              <a:spcBef>
+                <a:spcPts val="0"/>
+              </a:spcBef>
+              <a:spcAft>
+                <a:spcPts val="0"/>
+              </a:spcAft>
+              <a:buClr>
                 <a:schemeClr val="lt1"/>
-              </a:solidFill>
-              <a:latin typeface="Helvetica Neue"/>
-              <a:ea typeface="Helvetica Neue"/>
-              <a:cs typeface="Helvetica Neue"/>
-              <a:sym typeface="Helvetica Neue"/>
-            </a:endParaRPr>
-          </a:p>
-          <a:p>
-            <a:pPr indent="-127000" lvl="0" marL="0" marR="0" rtl="0" algn="l">
-              <a:lnSpc>
-                <a:spcPct val="100000"/>
-              </a:lnSpc>
-              <a:spcBef>
-                <a:spcPts val="0"/>
-              </a:spcBef>
-              <a:spcAft>
-                <a:spcPts val="0"/>
-              </a:spcAft>
-              <a:buClr>
-                <a:schemeClr val="lt1"/>
-              </a:buClr>
-              <a:buSzPts val="2000"/>
-              <a:buFont typeface="Arial"/>
+              </a:buClr>
+              <a:buSzPts val="1800"/>
+              <a:buFont typeface="Montserrat"/>
               <a:buChar char="•"/>
             </a:pPr>
             <a:r>
-              <a:rPr b="0" i="1" lang="en-US" sz="2000" u="sng" cap="none" strike="noStrike">
+              <a:rPr b="1" lang="en-US" sz="1800">
                 <a:solidFill>
                   <a:schemeClr val="lt1"/>
                 </a:solidFill>
-                <a:latin typeface="Helvetica Neue"/>
-                <a:ea typeface="Helvetica Neue"/>
-                <a:cs typeface="Helvetica Neue"/>
-                <a:sym typeface="Helvetica Neue"/>
+                <a:latin typeface="Montserrat"/>
+                <a:ea typeface="Montserrat"/>
+                <a:cs typeface="Montserrat"/>
+                <a:sym typeface="Montserrat"/>
+              </a:rPr>
+              <a:t> </a:t>
+            </a:r>
+            <a:r>
+              <a:rPr b="1" i="1" lang="en-US" sz="1800" u="sng">
+                <a:solidFill>
+                  <a:schemeClr val="lt1"/>
+                </a:solidFill>
+                <a:latin typeface="Montserrat"/>
+                <a:ea typeface="Montserrat"/>
+                <a:cs typeface="Montserrat"/>
+                <a:sym typeface="Montserrat"/>
                 <a:hlinkClick r:id="rId9">
                   <a:extLst>
                     <a:ext uri="{A12FA001-AC4F-418D-AE19-62706E023703}">
@@ -16936,69 +17547,55 @@
               </a:rPr>
               <a:t>ruth.nyakio@student.moringaschool.com</a:t>
             </a:r>
-            <a:endParaRPr sz="2000">
+            <a:endParaRPr b="1" sz="1800">
               <a:solidFill>
                 <a:schemeClr val="lt1"/>
               </a:solidFill>
-              <a:latin typeface="Helvetica Neue"/>
-              <a:ea typeface="Helvetica Neue"/>
-              <a:cs typeface="Helvetica Neue"/>
-              <a:sym typeface="Helvetica Neue"/>
+              <a:latin typeface="Montserrat"/>
+              <a:ea typeface="Montserrat"/>
+              <a:cs typeface="Montserrat"/>
+              <a:sym typeface="Montserrat"/>
             </a:endParaRPr>
           </a:p>
           <a:p>
-            <a:pPr indent="0" lvl="0" marL="0" marR="0" rtl="0" algn="l">
-              <a:lnSpc>
-                <a:spcPct val="100000"/>
-              </a:lnSpc>
-              <a:spcBef>
-                <a:spcPts val="0"/>
-              </a:spcBef>
-              <a:spcAft>
-                <a:spcPts val="0"/>
-              </a:spcAft>
-              <a:buNone/>
-            </a:pPr>
-            <a:r>
-              <a:t/>
-            </a:r>
-            <a:endParaRPr sz="2000">
-              <a:solidFill>
+            <a:pPr indent="-114300" lvl="0" marL="0" rtl="0" algn="l">
+              <a:lnSpc>
+                <a:spcPct val="115000"/>
+              </a:lnSpc>
+              <a:spcBef>
+                <a:spcPts val="0"/>
+              </a:spcBef>
+              <a:spcAft>
+                <a:spcPts val="0"/>
+              </a:spcAft>
+              <a:buClr>
                 <a:schemeClr val="lt1"/>
-              </a:solidFill>
-              <a:latin typeface="Helvetica Neue"/>
-              <a:ea typeface="Helvetica Neue"/>
-              <a:cs typeface="Helvetica Neue"/>
-              <a:sym typeface="Helvetica Neue"/>
-            </a:endParaRPr>
-          </a:p>
-          <a:p>
-            <a:pPr indent="-127000" lvl="0" marL="0" marR="0" rtl="0" algn="l">
-              <a:lnSpc>
-                <a:spcPct val="100000"/>
-              </a:lnSpc>
-              <a:spcBef>
-                <a:spcPts val="0"/>
-              </a:spcBef>
-              <a:spcAft>
-                <a:spcPts val="0"/>
-              </a:spcAft>
-              <a:buClr>
-                <a:schemeClr val="lt1"/>
-              </a:buClr>
-              <a:buSzPts val="2000"/>
-              <a:buFont typeface="Arial"/>
+              </a:buClr>
+              <a:buSzPts val="1800"/>
+              <a:buFont typeface="Montserrat"/>
               <a:buChar char="•"/>
             </a:pPr>
             <a:r>
-              <a:rPr b="0" i="1" lang="en-US" sz="2000" u="sng" cap="none" strike="noStrike">
+              <a:rPr b="1" lang="en-US" sz="1800">
                 <a:solidFill>
                   <a:schemeClr val="lt1"/>
                 </a:solidFill>
-                <a:latin typeface="Helvetica Neue"/>
-                <a:ea typeface="Helvetica Neue"/>
-                <a:cs typeface="Helvetica Neue"/>
-                <a:sym typeface="Helvetica Neue"/>
+                <a:latin typeface="Montserrat"/>
+                <a:ea typeface="Montserrat"/>
+                <a:cs typeface="Montserrat"/>
+                <a:sym typeface="Montserrat"/>
+              </a:rPr>
+              <a:t> </a:t>
+            </a:r>
+            <a:r>
+              <a:rPr b="1" i="1" lang="en-US" sz="1800" u="sng">
+                <a:solidFill>
+                  <a:schemeClr val="lt1"/>
+                </a:solidFill>
+                <a:latin typeface="Montserrat"/>
+                <a:ea typeface="Montserrat"/>
+                <a:cs typeface="Montserrat"/>
+                <a:sym typeface="Montserrat"/>
                 <a:hlinkClick r:id="rId10">
                   <a:extLst>
                     <a:ext uri="{A12FA001-AC4F-418D-AE19-62706E023703}">
@@ -17009,69 +17606,55 @@
               </a:rPr>
               <a:t>lynette.mwiti@student.moringaschool.com</a:t>
             </a:r>
-            <a:endParaRPr sz="2000">
+            <a:endParaRPr b="1" sz="1800">
               <a:solidFill>
                 <a:schemeClr val="lt1"/>
               </a:solidFill>
-              <a:latin typeface="Helvetica Neue"/>
-              <a:ea typeface="Helvetica Neue"/>
-              <a:cs typeface="Helvetica Neue"/>
-              <a:sym typeface="Helvetica Neue"/>
+              <a:latin typeface="Montserrat"/>
+              <a:ea typeface="Montserrat"/>
+              <a:cs typeface="Montserrat"/>
+              <a:sym typeface="Montserrat"/>
             </a:endParaRPr>
           </a:p>
           <a:p>
-            <a:pPr indent="0" lvl="0" marL="0" marR="0" rtl="0" algn="l">
-              <a:lnSpc>
-                <a:spcPct val="100000"/>
-              </a:lnSpc>
-              <a:spcBef>
-                <a:spcPts val="0"/>
-              </a:spcBef>
-              <a:spcAft>
-                <a:spcPts val="0"/>
-              </a:spcAft>
-              <a:buNone/>
-            </a:pPr>
-            <a:r>
-              <a:t/>
-            </a:r>
-            <a:endParaRPr sz="2000">
-              <a:solidFill>
+            <a:pPr indent="-114300" lvl="0" marL="0" rtl="0" algn="l">
+              <a:lnSpc>
+                <a:spcPct val="115000"/>
+              </a:lnSpc>
+              <a:spcBef>
+                <a:spcPts val="0"/>
+              </a:spcBef>
+              <a:spcAft>
+                <a:spcPts val="0"/>
+              </a:spcAft>
+              <a:buClr>
                 <a:schemeClr val="lt1"/>
-              </a:solidFill>
-              <a:latin typeface="Helvetica Neue"/>
-              <a:ea typeface="Helvetica Neue"/>
-              <a:cs typeface="Helvetica Neue"/>
-              <a:sym typeface="Helvetica Neue"/>
-            </a:endParaRPr>
-          </a:p>
-          <a:p>
-            <a:pPr indent="-127000" lvl="0" marL="0" marR="0" rtl="0" algn="l">
-              <a:lnSpc>
-                <a:spcPct val="100000"/>
-              </a:lnSpc>
-              <a:spcBef>
-                <a:spcPts val="0"/>
-              </a:spcBef>
-              <a:spcAft>
-                <a:spcPts val="0"/>
-              </a:spcAft>
-              <a:buClr>
-                <a:schemeClr val="lt1"/>
-              </a:buClr>
-              <a:buSzPts val="2000"/>
-              <a:buFont typeface="Arial"/>
+              </a:buClr>
+              <a:buSzPts val="1800"/>
+              <a:buFont typeface="Montserrat"/>
               <a:buChar char="•"/>
             </a:pPr>
             <a:r>
-              <a:rPr b="0" i="1" lang="en-US" sz="2000" u="sng" cap="none" strike="noStrike">
+              <a:rPr b="1" lang="en-US" sz="1800">
                 <a:solidFill>
                   <a:schemeClr val="lt1"/>
                 </a:solidFill>
-                <a:latin typeface="Helvetica Neue"/>
-                <a:ea typeface="Helvetica Neue"/>
-                <a:cs typeface="Helvetica Neue"/>
-                <a:sym typeface="Helvetica Neue"/>
+                <a:latin typeface="Montserrat"/>
+                <a:ea typeface="Montserrat"/>
+                <a:cs typeface="Montserrat"/>
+                <a:sym typeface="Montserrat"/>
+              </a:rPr>
+              <a:t> </a:t>
+            </a:r>
+            <a:r>
+              <a:rPr b="1" i="1" lang="en-US" sz="1800" u="sng">
+                <a:solidFill>
+                  <a:schemeClr val="lt1"/>
+                </a:solidFill>
+                <a:latin typeface="Montserrat"/>
+                <a:ea typeface="Montserrat"/>
+                <a:cs typeface="Montserrat"/>
+                <a:sym typeface="Montserrat"/>
                 <a:hlinkClick r:id="rId11">
                   <a:extLst>
                     <a:ext uri="{A12FA001-AC4F-418D-AE19-62706E023703}">
@@ -17082,45 +17665,14 @@
               </a:rPr>
               <a:t>ivan.wawire@student.moringaschool.com</a:t>
             </a:r>
-            <a:endParaRPr b="0" i="0" sz="2000" u="none" cap="none" strike="noStrike">
+            <a:endParaRPr b="1" sz="1800">
               <a:solidFill>
-                <a:schemeClr val="lt1"/>
+                <a:schemeClr val="dk1"/>
               </a:solidFill>
-              <a:latin typeface="Helvetica Neue"/>
-              <a:ea typeface="Helvetica Neue"/>
-              <a:cs typeface="Helvetica Neue"/>
-              <a:sym typeface="Helvetica Neue"/>
-            </a:endParaRPr>
-          </a:p>
-          <a:p>
-            <a:pPr indent="0" lvl="0" marL="0" marR="0" rtl="0" algn="l">
-              <a:lnSpc>
-                <a:spcPct val="100000"/>
-              </a:lnSpc>
-              <a:spcBef>
-                <a:spcPts val="0"/>
-              </a:spcBef>
-              <a:spcAft>
-                <a:spcPts val="0"/>
-              </a:spcAft>
-              <a:buClr>
-                <a:srgbClr val="000000"/>
-              </a:buClr>
-              <a:buSzPts val="2000"/>
-              <a:buFont typeface="Arial"/>
-              <a:buNone/>
-            </a:pPr>
-            <a:r>
-              <a:t/>
-            </a:r>
-            <a:endParaRPr b="0" i="0" sz="2000" u="none" cap="none" strike="noStrike">
-              <a:solidFill>
-                <a:srgbClr val="FF0000"/>
-              </a:solidFill>
-              <a:latin typeface="Arial"/>
-              <a:ea typeface="Arial"/>
-              <a:cs typeface="Arial"/>
-              <a:sym typeface="Arial"/>
+              <a:latin typeface="Montserrat"/>
+              <a:ea typeface="Montserrat"/>
+              <a:cs typeface="Montserrat"/>
+              <a:sym typeface="Montserrat"/>
             </a:endParaRPr>
           </a:p>
         </p:txBody>
@@ -17155,75 +17707,13 @@
           <p:cNvPr id="92" name="Google Shape;92;p3"/>
           <p:cNvSpPr txBox="1"/>
           <p:nvPr>
-            <p:ph type="title"/>
-          </p:nvPr>
-        </p:nvSpPr>
-        <p:spPr>
-          <a:xfrm>
-            <a:off x="6859918" y="1207772"/>
-            <a:ext cx="3679800" cy="666600"/>
-          </a:xfrm>
-          <a:prstGeom prst="rect">
-            <a:avLst/>
-          </a:prstGeom>
-          <a:noFill/>
-          <a:ln>
-            <a:noFill/>
-          </a:ln>
-        </p:spPr>
-        <p:txBody>
-          <a:bodyPr anchorCtr="0" anchor="ctr" bIns="45700" lIns="91425" spcFirstLastPara="1" rIns="91425" wrap="square" tIns="45700">
-            <a:normAutofit/>
-          </a:bodyPr>
-          <a:lstStyle/>
-          <a:p>
-            <a:pPr indent="0" lvl="0" marL="0" rtl="0" algn="l">
-              <a:lnSpc>
-                <a:spcPct val="90000"/>
-              </a:lnSpc>
-              <a:spcBef>
-                <a:spcPts val="0"/>
-              </a:spcBef>
-              <a:spcAft>
-                <a:spcPts val="0"/>
-              </a:spcAft>
-              <a:buClr>
-                <a:schemeClr val="dk1"/>
-              </a:buClr>
-              <a:buSzPts val="4400"/>
-              <a:buFont typeface="Calibri"/>
-              <a:buNone/>
-            </a:pPr>
-            <a:r>
-              <a:rPr b="1" lang="en-US" sz="3600" u="sng">
-                <a:latin typeface="Montserrat"/>
-                <a:ea typeface="Montserrat"/>
-                <a:cs typeface="Montserrat"/>
-                <a:sym typeface="Montserrat"/>
-              </a:rPr>
-              <a:t>Overview</a:t>
-            </a:r>
-            <a:endParaRPr b="1" sz="3600" u="sng">
-              <a:latin typeface="Montserrat"/>
-              <a:ea typeface="Montserrat"/>
-              <a:cs typeface="Montserrat"/>
-              <a:sym typeface="Montserrat"/>
-            </a:endParaRPr>
-          </a:p>
-        </p:txBody>
-      </p:sp>
-      <p:sp>
-        <p:nvSpPr>
-          <p:cNvPr id="93" name="Google Shape;93;p3"/>
-          <p:cNvSpPr txBox="1"/>
-          <p:nvPr>
             <p:ph idx="1" type="body"/>
           </p:nvPr>
         </p:nvSpPr>
         <p:spPr>
           <a:xfrm>
-            <a:off x="4583725" y="2259000"/>
-            <a:ext cx="7608300" cy="4117800"/>
+            <a:off x="4648475" y="1506600"/>
+            <a:ext cx="7229700" cy="4734600"/>
           </a:xfrm>
           <a:prstGeom prst="rect">
             <a:avLst/>
@@ -17239,7 +17729,7 @@
           </a:bodyPr>
           <a:lstStyle/>
           <a:p>
-            <a:pPr indent="-393700" lvl="0" marL="457200" rtl="0" algn="l">
+            <a:pPr indent="0" lvl="0" marL="0" rtl="0" algn="l">
               <a:lnSpc>
                 <a:spcPct val="150000"/>
               </a:lnSpc>
@@ -17249,124 +17739,180 @@
               <a:spcAft>
                 <a:spcPts val="0"/>
               </a:spcAft>
-              <a:buSzPts val="2600"/>
+              <a:buClr>
+                <a:schemeClr val="dk1"/>
+              </a:buClr>
+              <a:buSzPts val="1100"/>
+              <a:buFont typeface="Arial"/>
+              <a:buNone/>
+            </a:pPr>
+            <a:r>
+              <a:rPr lang="en-US" sz="2000">
+                <a:highlight>
+                  <a:schemeClr val="lt1"/>
+                </a:highlight>
+                <a:latin typeface="Montserrat"/>
+                <a:ea typeface="Montserrat"/>
+                <a:cs typeface="Montserrat"/>
+                <a:sym typeface="Montserrat"/>
+              </a:rPr>
+              <a:t>Multiple linear regression of Northwestern County real estate sales data reveal opportunities for home owners to renovate houses and  increase their property values:</a:t>
+            </a:r>
+            <a:endParaRPr sz="2000">
+              <a:highlight>
+                <a:schemeClr val="lt1"/>
+              </a:highlight>
+              <a:latin typeface="Montserrat"/>
+              <a:ea typeface="Montserrat"/>
+              <a:cs typeface="Montserrat"/>
+              <a:sym typeface="Montserrat"/>
+            </a:endParaRPr>
+          </a:p>
+          <a:p>
+            <a:pPr indent="-355600" lvl="0" marL="457200" rtl="0" algn="l">
+              <a:lnSpc>
+                <a:spcPct val="150000"/>
+              </a:lnSpc>
+              <a:spcBef>
+                <a:spcPts val="0"/>
+              </a:spcBef>
+              <a:spcAft>
+                <a:spcPts val="0"/>
+              </a:spcAft>
+              <a:buSzPts val="2000"/>
               <a:buFont typeface="Montserrat"/>
               <a:buChar char="●"/>
             </a:pPr>
             <a:r>
-              <a:rPr b="0" i="0" lang="en-US" sz="2100">
-                <a:solidFill>
-                  <a:srgbClr val="000000"/>
-                </a:solidFill>
-                <a:latin typeface="Century Gothic"/>
-                <a:ea typeface="Century Gothic"/>
-                <a:cs typeface="Century Gothic"/>
-                <a:sym typeface="Century Gothic"/>
+              <a:rPr b="1" lang="en-US" sz="2000">
+                <a:highlight>
+                  <a:schemeClr val="lt1"/>
+                </a:highlight>
+                <a:latin typeface="Montserrat"/>
+                <a:ea typeface="Montserrat"/>
+                <a:cs typeface="Montserrat"/>
+                <a:sym typeface="Montserrat"/>
               </a:rPr>
-              <a:t>Finsco Limited, a real estate group investing in USA real </a:t>
+              <a:t>Upgrade the sizes of the living </a:t>
             </a:r>
             <a:r>
-              <a:rPr lang="en-US" sz="2100">
-                <a:solidFill>
-                  <a:srgbClr val="000000"/>
-                </a:solidFill>
-                <a:latin typeface="Century Gothic"/>
-                <a:ea typeface="Century Gothic"/>
-                <a:cs typeface="Century Gothic"/>
-                <a:sym typeface="Century Gothic"/>
+              <a:rPr lang="en-US" sz="2000">
+                <a:highlight>
+                  <a:schemeClr val="lt1"/>
+                </a:highlight>
+                <a:latin typeface="Montserrat"/>
+                <a:ea typeface="Montserrat"/>
+                <a:cs typeface="Montserrat"/>
+                <a:sym typeface="Montserrat"/>
               </a:rPr>
-              <a:t>estates</a:t>
+              <a:t>and increase number of bedrooms and bathrooms</a:t>
+            </a:r>
+            <a:endParaRPr sz="2000">
+              <a:highlight>
+                <a:schemeClr val="lt1"/>
+              </a:highlight>
+              <a:latin typeface="Montserrat"/>
+              <a:ea typeface="Montserrat"/>
+              <a:cs typeface="Montserrat"/>
+              <a:sym typeface="Montserrat"/>
+            </a:endParaRPr>
+          </a:p>
+          <a:p>
+            <a:pPr indent="-355600" lvl="0" marL="457200" rtl="0" algn="l">
+              <a:lnSpc>
+                <a:spcPct val="150000"/>
+              </a:lnSpc>
+              <a:spcBef>
+                <a:spcPts val="0"/>
+              </a:spcBef>
+              <a:spcAft>
+                <a:spcPts val="0"/>
+              </a:spcAft>
+              <a:buSzPts val="2000"/>
+              <a:buFont typeface="Montserrat"/>
+              <a:buChar char="●"/>
+            </a:pPr>
+            <a:r>
+              <a:rPr b="1" lang="en-US" sz="2000">
+                <a:highlight>
+                  <a:schemeClr val="lt1"/>
+                </a:highlight>
+                <a:latin typeface="Montserrat"/>
+                <a:ea typeface="Montserrat"/>
+                <a:cs typeface="Montserrat"/>
+                <a:sym typeface="Montserrat"/>
+              </a:rPr>
+              <a:t>Entire house renovations </a:t>
             </a:r>
             <a:r>
-              <a:rPr lang="en-US" sz="2100">
-                <a:solidFill>
-                  <a:srgbClr val="000000"/>
-                </a:solidFill>
-                <a:latin typeface="Century Gothic"/>
-                <a:ea typeface="Century Gothic"/>
-                <a:cs typeface="Century Gothic"/>
-                <a:sym typeface="Century Gothic"/>
+              <a:rPr lang="en-US" sz="2000">
+                <a:highlight>
+                  <a:schemeClr val="lt1"/>
+                </a:highlight>
+                <a:latin typeface="Montserrat"/>
+                <a:ea typeface="Montserrat"/>
+                <a:cs typeface="Montserrat"/>
+                <a:sym typeface="Montserrat"/>
               </a:rPr>
-              <a:t>  is  trying get an understanding of how home renovations is impacting the value of homes and to what extent(whether </a:t>
+              <a:t>are encouraged than partial renovations.</a:t>
+            </a:r>
+            <a:endParaRPr sz="2000">
+              <a:highlight>
+                <a:schemeClr val="lt1"/>
+              </a:highlight>
+              <a:latin typeface="Montserrat"/>
+              <a:ea typeface="Montserrat"/>
+              <a:cs typeface="Montserrat"/>
+              <a:sym typeface="Montserrat"/>
+            </a:endParaRPr>
+          </a:p>
+          <a:p>
+            <a:pPr indent="-355600" lvl="0" marL="457200" rtl="0" algn="l">
+              <a:lnSpc>
+                <a:spcPct val="150000"/>
+              </a:lnSpc>
+              <a:spcBef>
+                <a:spcPts val="0"/>
+              </a:spcBef>
+              <a:spcAft>
+                <a:spcPts val="0"/>
+              </a:spcAft>
+              <a:buSzPts val="2000"/>
+              <a:buFont typeface="Montserrat"/>
+              <a:buChar char="●"/>
+            </a:pPr>
+            <a:r>
+              <a:rPr b="1" lang="en-US" sz="2000">
+                <a:highlight>
+                  <a:schemeClr val="lt1"/>
+                </a:highlight>
+                <a:latin typeface="Montserrat"/>
+                <a:ea typeface="Montserrat"/>
+                <a:cs typeface="Montserrat"/>
+                <a:sym typeface="Montserrat"/>
+              </a:rPr>
+              <a:t>Improve overall condition </a:t>
             </a:r>
             <a:r>
-              <a:rPr lang="en-US" sz="2100">
-                <a:solidFill>
-                  <a:srgbClr val="000000"/>
-                </a:solidFill>
-                <a:latin typeface="Century Gothic"/>
-                <a:ea typeface="Century Gothic"/>
-                <a:cs typeface="Century Gothic"/>
-                <a:sym typeface="Century Gothic"/>
+              <a:rPr lang="en-US" sz="2000">
+                <a:highlight>
+                  <a:schemeClr val="lt1"/>
+                </a:highlight>
+                <a:latin typeface="Montserrat"/>
+                <a:ea typeface="Montserrat"/>
+                <a:cs typeface="Montserrat"/>
+                <a:sym typeface="Montserrat"/>
               </a:rPr>
-              <a:t>increase</a:t>
-            </a:r>
-            <a:r>
-              <a:rPr lang="en-US" sz="2100">
-                <a:solidFill>
-                  <a:srgbClr val="000000"/>
-                </a:solidFill>
-                <a:latin typeface="Century Gothic"/>
-                <a:ea typeface="Century Gothic"/>
-                <a:cs typeface="Century Gothic"/>
-                <a:sym typeface="Century Gothic"/>
-              </a:rPr>
-              <a:t> in price or decrease ).</a:t>
+              <a:t>of the house by regular maintenance.</a:t>
             </a:r>
             <a:endParaRPr sz="2100">
               <a:solidFill>
                 <a:srgbClr val="000000"/>
               </a:solidFill>
-              <a:latin typeface="Century Gothic"/>
-              <a:ea typeface="Century Gothic"/>
-              <a:cs typeface="Century Gothic"/>
-              <a:sym typeface="Century Gothic"/>
-            </a:endParaRPr>
-          </a:p>
-          <a:p>
-            <a:pPr indent="-361950" lvl="0" marL="457200" rtl="0" algn="l">
-              <a:lnSpc>
-                <a:spcPct val="150000"/>
-              </a:lnSpc>
-              <a:spcBef>
-                <a:spcPts val="0"/>
-              </a:spcBef>
-              <a:spcAft>
-                <a:spcPts val="0"/>
-              </a:spcAft>
-              <a:buClr>
-                <a:srgbClr val="000000"/>
-              </a:buClr>
-              <a:buSzPts val="2100"/>
-              <a:buFont typeface="Century Gothic"/>
-              <a:buChar char="●"/>
-            </a:pPr>
-            <a:r>
-              <a:rPr lang="en-US" sz="2100">
-                <a:latin typeface="Century Gothic"/>
-                <a:ea typeface="Century Gothic"/>
-                <a:cs typeface="Century Gothic"/>
-                <a:sym typeface="Century Gothic"/>
-              </a:rPr>
-              <a:t>They are using </a:t>
-            </a:r>
-            <a:r>
-              <a:rPr lang="en-US" sz="2100">
-                <a:latin typeface="Century Gothic"/>
-                <a:ea typeface="Century Gothic"/>
-                <a:cs typeface="Century Gothic"/>
-                <a:sym typeface="Century Gothic"/>
-              </a:rPr>
-              <a:t> housing sales data in the northwestern county  dated between the year 2014 and 2015 to form this decision.</a:t>
-            </a:r>
-            <a:endParaRPr sz="2100">
-              <a:solidFill>
-                <a:srgbClr val="000000"/>
-              </a:solidFill>
-              <a:latin typeface="Century Gothic"/>
-              <a:ea typeface="Century Gothic"/>
-              <a:cs typeface="Century Gothic"/>
-              <a:sym typeface="Century Gothic"/>
+              <a:latin typeface="Montserrat"/>
+              <a:ea typeface="Montserrat"/>
+              <a:cs typeface="Montserrat"/>
+              <a:sym typeface="Montserrat"/>
             </a:endParaRPr>
           </a:p>
           <a:p>
@@ -17386,18 +17932,18 @@
             <a:r>
               <a:t/>
             </a:r>
-            <a:endParaRPr sz="1900">
+            <a:endParaRPr i="0" sz="1900">
               <a:solidFill>
                 <a:srgbClr val="000000"/>
               </a:solidFill>
-              <a:latin typeface="Century Gothic"/>
-              <a:ea typeface="Century Gothic"/>
-              <a:cs typeface="Century Gothic"/>
-              <a:sym typeface="Century Gothic"/>
+              <a:latin typeface="Montserrat"/>
+              <a:ea typeface="Montserrat"/>
+              <a:cs typeface="Montserrat"/>
+              <a:sym typeface="Montserrat"/>
             </a:endParaRPr>
           </a:p>
           <a:p>
-            <a:pPr indent="0" lvl="0" marL="82550" rtl="0" algn="l">
+            <a:pPr indent="-228600" lvl="0" marL="457200" rtl="0" algn="l">
               <a:lnSpc>
                 <a:spcPct val="150000"/>
               </a:lnSpc>
@@ -17408,54 +17954,27 @@
                 <a:spcPts val="0"/>
               </a:spcAft>
               <a:buSzPts val="2300"/>
+              <a:buFont typeface="Montserrat"/>
               <a:buNone/>
             </a:pPr>
             <a:r>
               <a:t/>
             </a:r>
-            <a:endParaRPr b="0" i="0" sz="1900">
+            <a:endParaRPr i="0" sz="1900">
               <a:solidFill>
                 <a:srgbClr val="000000"/>
               </a:solidFill>
-              <a:latin typeface="Century Gothic"/>
-              <a:ea typeface="Century Gothic"/>
-              <a:cs typeface="Century Gothic"/>
-              <a:sym typeface="Century Gothic"/>
-            </a:endParaRPr>
-          </a:p>
-          <a:p>
-            <a:pPr indent="-228600" lvl="0" marL="457200" rtl="0" algn="l">
-              <a:lnSpc>
-                <a:spcPct val="150000"/>
-              </a:lnSpc>
-              <a:spcBef>
-                <a:spcPts val="0"/>
-              </a:spcBef>
-              <a:spcAft>
-                <a:spcPts val="0"/>
-              </a:spcAft>
-              <a:buSzPts val="2300"/>
-              <a:buFont typeface="Montserrat"/>
-              <a:buNone/>
-            </a:pPr>
-            <a:r>
-              <a:t/>
-            </a:r>
-            <a:endParaRPr b="0" i="0" sz="1900">
-              <a:solidFill>
-                <a:srgbClr val="000000"/>
-              </a:solidFill>
-              <a:latin typeface="Century Gothic"/>
-              <a:ea typeface="Century Gothic"/>
-              <a:cs typeface="Century Gothic"/>
-              <a:sym typeface="Century Gothic"/>
+              <a:latin typeface="Montserrat"/>
+              <a:ea typeface="Montserrat"/>
+              <a:cs typeface="Montserrat"/>
+              <a:sym typeface="Montserrat"/>
             </a:endParaRPr>
           </a:p>
         </p:txBody>
       </p:sp>
       <p:sp>
         <p:nvSpPr>
-          <p:cNvPr id="94" name="Google Shape;94;p3"/>
+          <p:cNvPr id="93" name="Google Shape;93;p3"/>
           <p:cNvSpPr/>
           <p:nvPr/>
         </p:nvSpPr>
@@ -17529,7 +18048,7 @@
       </p:sp>
       <p:pic>
         <p:nvPicPr>
-          <p:cNvPr id="95" name="Google Shape;95;p3"/>
+          <p:cNvPr id="94" name="Google Shape;94;p3"/>
           <p:cNvPicPr preferRelativeResize="0"/>
           <p:nvPr/>
         </p:nvPicPr>
@@ -17542,8 +18061,8 @@
         </p:blipFill>
         <p:spPr>
           <a:xfrm>
-            <a:off x="123292" y="1417834"/>
-            <a:ext cx="4525179" cy="4366517"/>
+            <a:off x="185025" y="1506600"/>
+            <a:ext cx="4463450" cy="4306950"/>
           </a:xfrm>
           <a:prstGeom prst="rect">
             <a:avLst/>
@@ -17556,7 +18075,7 @@
       </p:pic>
       <p:sp>
         <p:nvSpPr>
-          <p:cNvPr id="96" name="Google Shape;96;p3"/>
+          <p:cNvPr id="95" name="Google Shape;95;p3"/>
           <p:cNvSpPr txBox="1"/>
           <p:nvPr/>
         </p:nvSpPr>
@@ -17592,16 +18111,13 @@
               <a:buNone/>
             </a:pPr>
             <a:r>
-              <a:rPr b="1" i="0" lang="en-US" sz="3600" u="sng" cap="none" strike="noStrike">
-                <a:solidFill>
-                  <a:srgbClr val="000000"/>
-                </a:solidFill>
+              <a:rPr b="1" lang="en-US" sz="3600" u="sng">
                 <a:latin typeface="Montserrat"/>
                 <a:ea typeface="Montserrat"/>
                 <a:cs typeface="Montserrat"/>
                 <a:sym typeface="Montserrat"/>
               </a:rPr>
-              <a:t>Business Understanding </a:t>
+              <a:t>Overview</a:t>
             </a:r>
             <a:endParaRPr b="0" i="0" sz="3600" u="none" cap="none" strike="noStrike">
               <a:solidFill>
@@ -17628,7 +18144,7 @@
   <p:cSld>
     <p:spTree>
       <p:nvGrpSpPr>
-        <p:cNvPr id="100" name="Shape 100"/>
+        <p:cNvPr id="99" name="Shape 99"/>
         <p:cNvGrpSpPr/>
         <p:nvPr/>
       </p:nvGrpSpPr>
@@ -17642,7 +18158,7 @@
       </p:grpSpPr>
       <p:sp>
         <p:nvSpPr>
-          <p:cNvPr id="101" name="Google Shape;101;p4"/>
+          <p:cNvPr id="100" name="Google Shape;100;p4"/>
           <p:cNvSpPr txBox="1"/>
           <p:nvPr>
             <p:ph type="title"/>
@@ -17704,7 +18220,7 @@
       </p:sp>
       <p:sp>
         <p:nvSpPr>
-          <p:cNvPr id="102" name="Google Shape;102;p4"/>
+          <p:cNvPr id="101" name="Google Shape;101;p4"/>
           <p:cNvSpPr txBox="1"/>
           <p:nvPr>
             <p:ph idx="1" type="body"/>
@@ -17712,8 +18228,8 @@
         </p:nvSpPr>
         <p:spPr>
           <a:xfrm>
-            <a:off x="441875" y="934250"/>
-            <a:ext cx="11507100" cy="4228500"/>
+            <a:off x="441875" y="1386050"/>
+            <a:ext cx="11507100" cy="4776600"/>
           </a:xfrm>
           <a:prstGeom prst="rect">
             <a:avLst/>
@@ -17729,7 +18245,7 @@
           </a:bodyPr>
           <a:lstStyle/>
           <a:p>
-            <a:pPr indent="-355600" lvl="0" marL="876300" rtl="0" algn="l">
+            <a:pPr indent="-368300" lvl="0" marL="457200" rtl="0" algn="l">
               <a:lnSpc>
                 <a:spcPct val="200000"/>
               </a:lnSpc>
@@ -17739,18 +18255,22 @@
               <a:spcAft>
                 <a:spcPts val="0"/>
               </a:spcAft>
-              <a:buSzPts val="2600"/>
-              <a:buChar char="•"/>
+              <a:buClr>
+                <a:srgbClr val="000000"/>
+              </a:buClr>
+              <a:buSzPts val="2200"/>
+              <a:buFont typeface="Montserrat"/>
+              <a:buChar char="●"/>
             </a:pPr>
             <a:r>
               <a:rPr lang="en-US" sz="2200">
                 <a:solidFill>
                   <a:srgbClr val="000000"/>
                 </a:solidFill>
-                <a:latin typeface="Century Gothic"/>
-                <a:ea typeface="Century Gothic"/>
-                <a:cs typeface="Century Gothic"/>
-                <a:sym typeface="Century Gothic"/>
+                <a:latin typeface="Montserrat"/>
+                <a:ea typeface="Montserrat"/>
+                <a:cs typeface="Montserrat"/>
+                <a:sym typeface="Montserrat"/>
               </a:rPr>
               <a:t>In the attempt to get to know the impact of the renovations in house </a:t>
             </a:r>
@@ -17759,10 +18279,10 @@
                 <a:solidFill>
                   <a:srgbClr val="000000"/>
                 </a:solidFill>
-                <a:latin typeface="Century Gothic"/>
-                <a:ea typeface="Century Gothic"/>
-                <a:cs typeface="Century Gothic"/>
-                <a:sym typeface="Century Gothic"/>
+                <a:latin typeface="Montserrat"/>
+                <a:ea typeface="Montserrat"/>
+                <a:cs typeface="Montserrat"/>
+                <a:sym typeface="Montserrat"/>
               </a:rPr>
               <a:t>values</a:t>
             </a:r>
@@ -17771,25 +18291,25 @@
                 <a:solidFill>
                   <a:srgbClr val="000000"/>
                 </a:solidFill>
-                <a:latin typeface="Century Gothic"/>
-                <a:ea typeface="Century Gothic"/>
-                <a:cs typeface="Century Gothic"/>
-                <a:sym typeface="Century Gothic"/>
+                <a:latin typeface="Montserrat"/>
+                <a:ea typeface="Montserrat"/>
+                <a:cs typeface="Montserrat"/>
+                <a:sym typeface="Montserrat"/>
               </a:rPr>
-              <a:t>,they have provided Hepta group with the sales data  to come up with an analysis to support this business proposal.</a:t>
+              <a:t>, Finsco Group have provided Hepta group with the sales data  to come up with an analysis to support this business proposal.</a:t>
             </a:r>
-            <a:endParaRPr b="0" i="0" sz="2200">
+            <a:endParaRPr sz="2200">
               <a:solidFill>
                 <a:srgbClr val="000000"/>
               </a:solidFill>
-              <a:latin typeface="Century Gothic"/>
-              <a:ea typeface="Century Gothic"/>
-              <a:cs typeface="Century Gothic"/>
-              <a:sym typeface="Century Gothic"/>
+              <a:latin typeface="Montserrat"/>
+              <a:ea typeface="Montserrat"/>
+              <a:cs typeface="Montserrat"/>
+              <a:sym typeface="Montserrat"/>
             </a:endParaRPr>
           </a:p>
           <a:p>
-            <a:pPr indent="-355600" lvl="0" marL="876300" rtl="0" algn="l">
+            <a:pPr indent="-368300" lvl="0" marL="457200" rtl="0" algn="l">
               <a:lnSpc>
                 <a:spcPct val="200000"/>
               </a:lnSpc>
@@ -17799,18 +18319,22 @@
               <a:spcAft>
                 <a:spcPts val="0"/>
               </a:spcAft>
-              <a:buSzPts val="2600"/>
-              <a:buChar char="•"/>
+              <a:buClr>
+                <a:srgbClr val="000000"/>
+              </a:buClr>
+              <a:buSzPts val="2200"/>
+              <a:buFont typeface="Montserrat"/>
+              <a:buChar char="●"/>
             </a:pPr>
             <a:r>
               <a:rPr lang="en-US" sz="2200">
                 <a:highlight>
                   <a:srgbClr val="FFFFFF"/>
                 </a:highlight>
-                <a:latin typeface="Century Gothic"/>
-                <a:ea typeface="Century Gothic"/>
-                <a:cs typeface="Century Gothic"/>
-                <a:sym typeface="Century Gothic"/>
+                <a:latin typeface="Montserrat"/>
+                <a:ea typeface="Montserrat"/>
+                <a:cs typeface="Montserrat"/>
+                <a:sym typeface="Montserrat"/>
               </a:rPr>
               <a:t>Hepta Group will conduct a multiple linear regression model  to analyse  the house sales in the northwestern county .</a:t>
             </a:r>
@@ -17818,14 +18342,14 @@
               <a:highlight>
                 <a:srgbClr val="FFFFFF"/>
               </a:highlight>
-              <a:latin typeface="Century Gothic"/>
-              <a:ea typeface="Century Gothic"/>
-              <a:cs typeface="Century Gothic"/>
-              <a:sym typeface="Century Gothic"/>
+              <a:latin typeface="Montserrat"/>
+              <a:ea typeface="Montserrat"/>
+              <a:cs typeface="Montserrat"/>
+              <a:sym typeface="Montserrat"/>
             </a:endParaRPr>
           </a:p>
           <a:p>
-            <a:pPr indent="-330200" lvl="0" marL="876300" rtl="0" algn="l">
+            <a:pPr indent="-368300" lvl="0" marL="457200" rtl="0" algn="l">
               <a:lnSpc>
                 <a:spcPct val="200000"/>
               </a:lnSpc>
@@ -17835,19 +18359,22 @@
               <a:spcAft>
                 <a:spcPts val="0"/>
               </a:spcAft>
+              <a:buClr>
+                <a:srgbClr val="000000"/>
+              </a:buClr>
               <a:buSzPts val="2200"/>
-              <a:buFont typeface="Century Gothic"/>
-              <a:buChar char="•"/>
+              <a:buFont typeface="Montserrat"/>
+              <a:buChar char="●"/>
             </a:pPr>
             <a:r>
               <a:rPr lang="en-US" sz="2200">
                 <a:highlight>
                   <a:srgbClr val="FFFFFF"/>
                 </a:highlight>
-                <a:latin typeface="Century Gothic"/>
-                <a:ea typeface="Century Gothic"/>
-                <a:cs typeface="Century Gothic"/>
-                <a:sym typeface="Century Gothic"/>
+                <a:latin typeface="Montserrat"/>
+                <a:ea typeface="Montserrat"/>
+                <a:cs typeface="Montserrat"/>
+                <a:sym typeface="Montserrat"/>
               </a:rPr>
               <a:t>The </a:t>
             </a:r>
@@ -17856,10 +18383,10 @@
                 <a:highlight>
                   <a:srgbClr val="FFFFFF"/>
                 </a:highlight>
-                <a:latin typeface="Century Gothic"/>
-                <a:ea typeface="Century Gothic"/>
-                <a:cs typeface="Century Gothic"/>
-                <a:sym typeface="Century Gothic"/>
+                <a:latin typeface="Montserrat"/>
+                <a:ea typeface="Montserrat"/>
+                <a:cs typeface="Montserrat"/>
+                <a:sym typeface="Montserrat"/>
               </a:rPr>
               <a:t>goal is to get insights to provide advice to homeowners, real estate investors and clients who do house-flipping.</a:t>
             </a:r>
@@ -17867,17 +18394,17 @@
               <a:highlight>
                 <a:srgbClr val="FFFFFF"/>
               </a:highlight>
-              <a:latin typeface="Century Gothic"/>
-              <a:ea typeface="Century Gothic"/>
-              <a:cs typeface="Century Gothic"/>
-              <a:sym typeface="Century Gothic"/>
+              <a:latin typeface="Montserrat"/>
+              <a:ea typeface="Montserrat"/>
+              <a:cs typeface="Montserrat"/>
+              <a:sym typeface="Montserrat"/>
             </a:endParaRPr>
           </a:p>
         </p:txBody>
       </p:sp>
       <p:sp>
         <p:nvSpPr>
-          <p:cNvPr id="103" name="Google Shape;103;p4"/>
+          <p:cNvPr id="102" name="Google Shape;102;p4"/>
           <p:cNvSpPr/>
           <p:nvPr/>
         </p:nvSpPr>
@@ -17951,7 +18478,7 @@
       </p:sp>
       <p:pic>
         <p:nvPicPr>
-          <p:cNvPr id="104" name="Google Shape;104;p4"/>
+          <p:cNvPr id="103" name="Google Shape;103;p4"/>
           <p:cNvPicPr preferRelativeResize="0"/>
           <p:nvPr/>
         </p:nvPicPr>
@@ -17964,8 +18491,8 @@
         </p:blipFill>
         <p:spPr>
           <a:xfrm>
-            <a:off x="8261675" y="4937800"/>
-            <a:ext cx="3687300" cy="1920200"/>
+            <a:off x="8584825" y="5106075"/>
+            <a:ext cx="3364150" cy="1751925"/>
           </a:xfrm>
           <a:prstGeom prst="rect">
             <a:avLst/>
@@ -17989,7 +18516,7 @@
   <p:cSld>
     <p:spTree>
       <p:nvGrpSpPr>
-        <p:cNvPr id="108" name="Shape 108"/>
+        <p:cNvPr id="107" name="Shape 107"/>
         <p:cNvGrpSpPr/>
         <p:nvPr/>
       </p:nvGrpSpPr>
@@ -18003,7 +18530,7 @@
       </p:grpSpPr>
       <p:sp>
         <p:nvSpPr>
-          <p:cNvPr id="109" name="Google Shape;109;g2ca772be537_1_1"/>
+          <p:cNvPr id="108" name="Google Shape;108;g2ca772be537_1_1"/>
           <p:cNvSpPr txBox="1"/>
           <p:nvPr>
             <p:ph type="title"/>
@@ -18065,7 +18592,7 @@
       </p:sp>
       <p:sp>
         <p:nvSpPr>
-          <p:cNvPr id="110" name="Google Shape;110;g2ca772be537_1_1"/>
+          <p:cNvPr id="109" name="Google Shape;109;g2ca772be537_1_1"/>
           <p:cNvSpPr txBox="1"/>
           <p:nvPr>
             <p:ph idx="1" type="body"/>
@@ -18074,7 +18601,7 @@
         <p:spPr>
           <a:xfrm>
             <a:off x="3779900" y="934250"/>
-            <a:ext cx="8169000" cy="5520900"/>
+            <a:ext cx="8169000" cy="5664600"/>
           </a:xfrm>
           <a:prstGeom prst="rect">
             <a:avLst/>
@@ -18092,7 +18619,7 @@
           <a:p>
             <a:pPr indent="-368300" lvl="0" marL="457200" rtl="0" algn="l">
               <a:lnSpc>
-                <a:spcPct val="200000"/>
+                <a:spcPct val="115000"/>
               </a:lnSpc>
               <a:spcBef>
                 <a:spcPts val="0"/>
@@ -18101,18 +18628,18 @@
                 <a:spcPts val="0"/>
               </a:spcAft>
               <a:buSzPts val="2200"/>
-              <a:buFont typeface="Century Gothic"/>
-              <a:buChar char="•"/>
+              <a:buFont typeface="Montserrat"/>
+              <a:buChar char="●"/>
             </a:pPr>
             <a:r>
               <a:rPr lang="en-US" sz="2200">
                 <a:highlight>
                   <a:srgbClr val="FFFFFF"/>
                 </a:highlight>
-                <a:latin typeface="Century Gothic"/>
-                <a:ea typeface="Century Gothic"/>
-                <a:cs typeface="Century Gothic"/>
-                <a:sym typeface="Century Gothic"/>
+                <a:latin typeface="Montserrat"/>
+                <a:ea typeface="Montserrat"/>
+                <a:cs typeface="Montserrat"/>
+                <a:sym typeface="Montserrat"/>
               </a:rPr>
               <a:t>With the insights provided, Finsco Limited and its clients can strategically invest in real estate by choosing renovations that significantly increase home values.</a:t>
             </a:r>
@@ -18120,10 +18647,10 @@
               <a:highlight>
                 <a:srgbClr val="FFFFFF"/>
               </a:highlight>
-              <a:latin typeface="Century Gothic"/>
-              <a:ea typeface="Century Gothic"/>
-              <a:cs typeface="Century Gothic"/>
-              <a:sym typeface="Century Gothic"/>
+              <a:latin typeface="Montserrat"/>
+              <a:ea typeface="Montserrat"/>
+              <a:cs typeface="Montserrat"/>
+              <a:sym typeface="Montserrat"/>
             </a:endParaRPr>
           </a:p>
           <a:p>
@@ -18138,18 +18665,18 @@
                 <a:spcPts val="0"/>
               </a:spcAft>
               <a:buSzPts val="2200"/>
-              <a:buFont typeface="Century Gothic"/>
-              <a:buChar char="•"/>
+              <a:buFont typeface="Montserrat"/>
+              <a:buChar char="●"/>
             </a:pPr>
             <a:r>
               <a:rPr lang="en-US" sz="2200">
                 <a:highlight>
                   <a:srgbClr val="FFFFFF"/>
                 </a:highlight>
-                <a:latin typeface="Century Gothic"/>
-                <a:ea typeface="Century Gothic"/>
-                <a:cs typeface="Century Gothic"/>
-                <a:sym typeface="Century Gothic"/>
+                <a:latin typeface="Montserrat"/>
+                <a:ea typeface="Montserrat"/>
+                <a:cs typeface="Montserrat"/>
+                <a:sym typeface="Montserrat"/>
               </a:rPr>
               <a:t>Homeowners working with Finsco's consultancy learn which renovations offer the best returns, helping them wisely enhance their properties.</a:t>
             </a:r>
@@ -18157,10 +18684,10 @@
               <a:highlight>
                 <a:srgbClr val="FFFFFF"/>
               </a:highlight>
-              <a:latin typeface="Century Gothic"/>
-              <a:ea typeface="Century Gothic"/>
-              <a:cs typeface="Century Gothic"/>
-              <a:sym typeface="Century Gothic"/>
+              <a:latin typeface="Montserrat"/>
+              <a:ea typeface="Montserrat"/>
+              <a:cs typeface="Montserrat"/>
+              <a:sym typeface="Montserrat"/>
             </a:endParaRPr>
           </a:p>
           <a:p>
@@ -18175,18 +18702,18 @@
                 <a:spcPts val="0"/>
               </a:spcAft>
               <a:buSzPts val="2200"/>
-              <a:buFont typeface="Century Gothic"/>
-              <a:buChar char="•"/>
+              <a:buFont typeface="Montserrat"/>
+              <a:buChar char="●"/>
             </a:pPr>
             <a:r>
               <a:rPr lang="en-US" sz="2200">
                 <a:highlight>
                   <a:srgbClr val="FFFFFF"/>
                 </a:highlight>
-                <a:latin typeface="Century Gothic"/>
-                <a:ea typeface="Century Gothic"/>
-                <a:cs typeface="Century Gothic"/>
-                <a:sym typeface="Century Gothic"/>
+                <a:latin typeface="Montserrat"/>
+                <a:ea typeface="Montserrat"/>
+                <a:cs typeface="Montserrat"/>
+                <a:sym typeface="Montserrat"/>
               </a:rPr>
               <a:t>House flippers working with FINSCO consultancy can tailor their strategies to target high-ROI renovations.</a:t>
             </a:r>
@@ -18194,10 +18721,10 @@
               <a:highlight>
                 <a:srgbClr val="FFFFFF"/>
               </a:highlight>
-              <a:latin typeface="Century Gothic"/>
-              <a:ea typeface="Century Gothic"/>
-              <a:cs typeface="Century Gothic"/>
-              <a:sym typeface="Century Gothic"/>
+              <a:latin typeface="Montserrat"/>
+              <a:ea typeface="Montserrat"/>
+              <a:cs typeface="Montserrat"/>
+              <a:sym typeface="Montserrat"/>
             </a:endParaRPr>
           </a:p>
           <a:p>
@@ -18212,35 +18739,35 @@
                 <a:spcPts val="0"/>
               </a:spcAft>
               <a:buSzPts val="2200"/>
-              <a:buFont typeface="Century Gothic"/>
-              <a:buChar char="•"/>
+              <a:buFont typeface="Montserrat"/>
+              <a:buChar char="●"/>
             </a:pPr>
             <a:r>
               <a:rPr lang="en-US" sz="2200">
                 <a:highlight>
                   <a:srgbClr val="FFFFFF"/>
                 </a:highlight>
-                <a:latin typeface="Century Gothic"/>
-                <a:ea typeface="Century Gothic"/>
-                <a:cs typeface="Century Gothic"/>
-                <a:sym typeface="Century Gothic"/>
+                <a:latin typeface="Montserrat"/>
+                <a:ea typeface="Montserrat"/>
+                <a:cs typeface="Montserrat"/>
+                <a:sym typeface="Montserrat"/>
               </a:rPr>
-              <a:t>The consultancy's success not only benefits Finsco and its clients but also stimulates economic growth through increased renovation and property transaction activities.</a:t>
+              <a:t>The consultancy success not only benefits Finsco and its clients but also stimulates economic growth through increased renovation and property transaction activities.</a:t>
             </a:r>
             <a:endParaRPr sz="2200">
               <a:highlight>
                 <a:srgbClr val="FFFFFF"/>
               </a:highlight>
-              <a:latin typeface="Century Gothic"/>
-              <a:ea typeface="Century Gothic"/>
-              <a:cs typeface="Century Gothic"/>
-              <a:sym typeface="Century Gothic"/>
+              <a:latin typeface="Montserrat"/>
+              <a:ea typeface="Montserrat"/>
+              <a:cs typeface="Montserrat"/>
+              <a:sym typeface="Montserrat"/>
             </a:endParaRPr>
           </a:p>
           <a:p>
             <a:pPr indent="0" lvl="0" marL="457200" rtl="0" algn="l">
               <a:lnSpc>
-                <a:spcPct val="200000"/>
+                <a:spcPct val="115000"/>
               </a:lnSpc>
               <a:spcBef>
                 <a:spcPts val="700"/>
@@ -18253,21 +18780,21 @@
             <a:r>
               <a:t/>
             </a:r>
-            <a:endParaRPr sz="2000">
+            <a:endParaRPr sz="2200">
               <a:solidFill>
                 <a:srgbClr val="000000"/>
               </a:solidFill>
-              <a:latin typeface="Century Gothic"/>
-              <a:ea typeface="Century Gothic"/>
-              <a:cs typeface="Century Gothic"/>
-              <a:sym typeface="Century Gothic"/>
+              <a:latin typeface="Montserrat"/>
+              <a:ea typeface="Montserrat"/>
+              <a:cs typeface="Montserrat"/>
+              <a:sym typeface="Montserrat"/>
             </a:endParaRPr>
           </a:p>
         </p:txBody>
       </p:sp>
       <p:sp>
         <p:nvSpPr>
-          <p:cNvPr id="111" name="Google Shape;111;g2ca772be537_1_1"/>
+          <p:cNvPr id="110" name="Google Shape;110;g2ca772be537_1_1"/>
           <p:cNvSpPr/>
           <p:nvPr/>
         </p:nvSpPr>
@@ -18341,7 +18868,7 @@
       </p:sp>
       <p:pic>
         <p:nvPicPr>
-          <p:cNvPr id="112" name="Google Shape;112;g2ca772be537_1_1"/>
+          <p:cNvPr id="111" name="Google Shape;111;g2ca772be537_1_1"/>
           <p:cNvPicPr preferRelativeResize="0"/>
           <p:nvPr/>
         </p:nvPicPr>
@@ -18380,7 +18907,7 @@
   <p:cSld>
     <p:spTree>
       <p:nvGrpSpPr>
-        <p:cNvPr id="116" name="Shape 116"/>
+        <p:cNvPr id="115" name="Shape 115"/>
         <p:cNvGrpSpPr/>
         <p:nvPr/>
       </p:nvGrpSpPr>
@@ -18394,7 +18921,7 @@
       </p:grpSpPr>
       <p:sp>
         <p:nvSpPr>
-          <p:cNvPr id="117" name="Google Shape;117;p5"/>
+          <p:cNvPr id="116" name="Google Shape;116;p5"/>
           <p:cNvSpPr txBox="1"/>
           <p:nvPr>
             <p:ph type="title"/>
@@ -18450,7 +18977,7 @@
       </p:sp>
       <p:sp>
         <p:nvSpPr>
-          <p:cNvPr id="118" name="Google Shape;118;p5"/>
+          <p:cNvPr id="117" name="Google Shape;117;p5"/>
           <p:cNvSpPr/>
           <p:nvPr/>
         </p:nvSpPr>
@@ -18524,7 +19051,7 @@
       </p:sp>
       <p:sp>
         <p:nvSpPr>
-          <p:cNvPr id="119" name="Google Shape;119;p5"/>
+          <p:cNvPr id="118" name="Google Shape;118;p5"/>
           <p:cNvSpPr txBox="1"/>
           <p:nvPr>
             <p:ph idx="1" type="body"/>
@@ -18566,7 +19093,7 @@
                 <a:spcPts val="0"/>
               </a:spcAft>
               <a:buSzPts val="1900"/>
-              <a:buFont typeface="Century Gothic"/>
+              <a:buFont typeface="Montserrat"/>
               <a:buChar char="●"/>
             </a:pPr>
             <a:r>
@@ -18574,24 +19101,12 @@
                 <a:highlight>
                   <a:srgbClr val="FFFFFF"/>
                 </a:highlight>
-                <a:latin typeface="Century Gothic"/>
-                <a:ea typeface="Century Gothic"/>
-                <a:cs typeface="Century Gothic"/>
-                <a:sym typeface="Century Gothic"/>
+                <a:latin typeface="Montserrat"/>
+                <a:ea typeface="Montserrat"/>
+                <a:cs typeface="Montserrat"/>
+                <a:sym typeface="Montserrat"/>
               </a:rPr>
-              <a:t>The data we are using to perform the analysis is </a:t>
-            </a:r>
-            <a:r>
-              <a:rPr lang="en-US" sz="1900">
-                <a:highlight>
-                  <a:srgbClr val="FFFFFF"/>
-                </a:highlight>
-                <a:latin typeface="Century Gothic"/>
-                <a:ea typeface="Century Gothic"/>
-                <a:cs typeface="Century Gothic"/>
-                <a:sym typeface="Century Gothic"/>
-              </a:rPr>
-              <a:t> </a:t>
+              <a:t>Data provided was </a:t>
             </a:r>
             <a:r>
               <a:rPr lang="en-US" sz="1900">
@@ -18601,10 +19116,10 @@
                 <a:highlight>
                   <a:srgbClr val="FFFFFF"/>
                 </a:highlight>
-                <a:latin typeface="Century Gothic"/>
-                <a:ea typeface="Century Gothic"/>
-                <a:cs typeface="Century Gothic"/>
-                <a:sym typeface="Century Gothic"/>
+                <a:latin typeface="Montserrat"/>
+                <a:ea typeface="Montserrat"/>
+                <a:cs typeface="Montserrat"/>
+                <a:sym typeface="Montserrat"/>
               </a:rPr>
               <a:t>King County House Sales</a:t>
             </a:r>
@@ -18613,14 +19128,19 @@
                 <a:highlight>
                   <a:srgbClr val="FFFFFF"/>
                 </a:highlight>
-                <a:latin typeface="Century Gothic"/>
-                <a:ea typeface="Century Gothic"/>
-                <a:cs typeface="Century Gothic"/>
-                <a:sym typeface="Century Gothic"/>
+                <a:latin typeface="Montserrat"/>
+                <a:ea typeface="Montserrat"/>
+                <a:cs typeface="Montserrat"/>
+                <a:sym typeface="Montserrat"/>
               </a:rPr>
               <a:t> data collected from 2014 and 2015.</a:t>
             </a:r>
-            <a:endParaRPr sz="3100"/>
+            <a:endParaRPr sz="3100">
+              <a:latin typeface="Montserrat"/>
+              <a:ea typeface="Montserrat"/>
+              <a:cs typeface="Montserrat"/>
+              <a:sym typeface="Montserrat"/>
+            </a:endParaRPr>
           </a:p>
           <a:p>
             <a:pPr indent="-349250" lvl="0" marL="457200" rtl="0" algn="l">
@@ -18634,30 +19154,54 @@
                 <a:spcPts val="0"/>
               </a:spcAft>
               <a:buSzPts val="1900"/>
-              <a:buFont typeface="Century Gothic"/>
+              <a:buFont typeface="Montserrat"/>
               <a:buChar char="●"/>
             </a:pPr>
             <a:r>
-              <a:rPr b="0" i="0" lang="en-US" sz="1900">
+              <a:rPr i="0" lang="en-US" sz="1900">
                 <a:solidFill>
                   <a:srgbClr val="000000"/>
                 </a:solidFill>
-                <a:latin typeface="Century Gothic"/>
-                <a:ea typeface="Century Gothic"/>
-                <a:cs typeface="Century Gothic"/>
-                <a:sym typeface="Century Gothic"/>
+                <a:latin typeface="Montserrat"/>
+                <a:ea typeface="Montserrat"/>
+                <a:cs typeface="Montserrat"/>
+                <a:sym typeface="Montserrat"/>
               </a:rPr>
-              <a:t>The target variable from this dataset is the price</a:t>
+              <a:t>The target variable from this dataset is the prop</a:t>
             </a:r>
             <a:r>
               <a:rPr lang="en-US" sz="1900">
                 <a:solidFill>
                   <a:srgbClr val="000000"/>
                 </a:solidFill>
-                <a:latin typeface="Century Gothic"/>
-                <a:ea typeface="Century Gothic"/>
-                <a:cs typeface="Century Gothic"/>
-                <a:sym typeface="Century Gothic"/>
+                <a:latin typeface="Montserrat"/>
+                <a:ea typeface="Montserrat"/>
+                <a:cs typeface="Montserrat"/>
+                <a:sym typeface="Montserrat"/>
+              </a:rPr>
+              <a:t>erty </a:t>
+            </a:r>
+            <a:r>
+              <a:rPr i="0" lang="en-US" sz="1900">
+                <a:solidFill>
+                  <a:srgbClr val="000000"/>
+                </a:solidFill>
+                <a:latin typeface="Montserrat"/>
+                <a:ea typeface="Montserrat"/>
+                <a:cs typeface="Montserrat"/>
+                <a:sym typeface="Montserrat"/>
+              </a:rPr>
+              <a:t>prices</a:t>
+            </a:r>
+            <a:r>
+              <a:rPr lang="en-US" sz="1900">
+                <a:solidFill>
+                  <a:srgbClr val="000000"/>
+                </a:solidFill>
+                <a:latin typeface="Montserrat"/>
+                <a:ea typeface="Montserrat"/>
+                <a:cs typeface="Montserrat"/>
+                <a:sym typeface="Montserrat"/>
               </a:rPr>
               <a:t>.</a:t>
             </a:r>
@@ -18665,10 +19209,10 @@
               <a:solidFill>
                 <a:srgbClr val="000000"/>
               </a:solidFill>
-              <a:latin typeface="Century Gothic"/>
-              <a:ea typeface="Century Gothic"/>
-              <a:cs typeface="Century Gothic"/>
-              <a:sym typeface="Century Gothic"/>
+              <a:latin typeface="Montserrat"/>
+              <a:ea typeface="Montserrat"/>
+              <a:cs typeface="Montserrat"/>
+              <a:sym typeface="Montserrat"/>
             </a:endParaRPr>
           </a:p>
           <a:p>
@@ -18683,7 +19227,7 @@
                 <a:spcPts val="0"/>
               </a:spcAft>
               <a:buSzPts val="1900"/>
-              <a:buFont typeface="Century Gothic"/>
+              <a:buFont typeface="Montserrat"/>
               <a:buChar char="●"/>
             </a:pPr>
             <a:r>
@@ -18691,59 +19235,35 @@
                 <a:solidFill>
                   <a:srgbClr val="000000"/>
                 </a:solidFill>
-                <a:latin typeface="Century Gothic"/>
-                <a:ea typeface="Century Gothic"/>
-                <a:cs typeface="Century Gothic"/>
-                <a:sym typeface="Century Gothic"/>
+                <a:latin typeface="Montserrat"/>
+                <a:ea typeface="Montserrat"/>
+                <a:cs typeface="Montserrat"/>
+                <a:sym typeface="Montserrat"/>
               </a:rPr>
-              <a:t>P</a:t>
-            </a:r>
-            <a:r>
-              <a:rPr b="0" i="0" lang="en-US" sz="1900">
-                <a:solidFill>
-                  <a:srgbClr val="000000"/>
-                </a:solidFill>
-                <a:latin typeface="Century Gothic"/>
-                <a:ea typeface="Century Gothic"/>
-                <a:cs typeface="Century Gothic"/>
-                <a:sym typeface="Century Gothic"/>
-              </a:rPr>
-              <a:t>redictor/independent variables</a:t>
-            </a:r>
-            <a:r>
-              <a:rPr lang="en-US" sz="1900">
-                <a:solidFill>
-                  <a:srgbClr val="000000"/>
-                </a:solidFill>
-                <a:latin typeface="Century Gothic"/>
-                <a:ea typeface="Century Gothic"/>
-                <a:cs typeface="Century Gothic"/>
-                <a:sym typeface="Century Gothic"/>
-              </a:rPr>
-              <a:t> are the following sqft_living, bathrooms, bedrooms, condition, sqft_lot, floors and year_blt</a:t>
+              <a:t>Main factors affecting the price are sqft_living, bathrooms, bedrooms, condition, sqft_lot, floors and year_blt</a:t>
             </a:r>
             <a:endParaRPr sz="1900">
               <a:highlight>
                 <a:srgbClr val="FFFFFF"/>
               </a:highlight>
-              <a:latin typeface="Century Gothic"/>
-              <a:ea typeface="Century Gothic"/>
-              <a:cs typeface="Century Gothic"/>
-              <a:sym typeface="Century Gothic"/>
+              <a:latin typeface="Montserrat"/>
+              <a:ea typeface="Montserrat"/>
+              <a:cs typeface="Montserrat"/>
+              <a:sym typeface="Montserrat"/>
             </a:endParaRPr>
           </a:p>
         </p:txBody>
       </p:sp>
       <p:sp>
         <p:nvSpPr>
-          <p:cNvPr id="120" name="Google Shape;120;p5"/>
+          <p:cNvPr id="119" name="Google Shape;119;p5"/>
           <p:cNvSpPr txBox="1"/>
           <p:nvPr/>
         </p:nvSpPr>
         <p:spPr>
           <a:xfrm>
             <a:off x="1013969" y="715706"/>
-            <a:ext cx="2565275" cy="584775"/>
+            <a:ext cx="2565300" cy="585000"/>
           </a:xfrm>
           <a:prstGeom prst="rect">
             <a:avLst/>
@@ -18795,21 +19315,21 @@
               </a:rPr>
               <a:t> </a:t>
             </a:r>
-            <a:endParaRPr b="0" i="0" sz="1400" u="none" cap="none" strike="noStrike">
+            <a:endParaRPr i="0" sz="1400" u="none" cap="none" strike="noStrike">
               <a:solidFill>
                 <a:srgbClr val="000000"/>
               </a:solidFill>
-              <a:latin typeface="Arial"/>
-              <a:ea typeface="Arial"/>
-              <a:cs typeface="Arial"/>
-              <a:sym typeface="Arial"/>
+              <a:latin typeface="Montserrat"/>
+              <a:ea typeface="Montserrat"/>
+              <a:cs typeface="Montserrat"/>
+              <a:sym typeface="Montserrat"/>
             </a:endParaRPr>
           </a:p>
         </p:txBody>
       </p:sp>
       <p:sp>
         <p:nvSpPr>
-          <p:cNvPr id="121" name="Google Shape;121;p5"/>
+          <p:cNvPr id="120" name="Google Shape;120;p5"/>
           <p:cNvSpPr txBox="1"/>
           <p:nvPr>
             <p:ph idx="1" type="body"/>
@@ -18851,7 +19371,7 @@
                 <a:spcPts val="0"/>
               </a:spcAft>
               <a:buSzPts val="1800"/>
-              <a:buFont typeface="Century Gothic"/>
+              <a:buFont typeface="Montserrat"/>
               <a:buChar char="●"/>
             </a:pPr>
             <a:r>
@@ -18859,10 +19379,10 @@
                 <a:highlight>
                   <a:srgbClr val="FFFFFF"/>
                 </a:highlight>
-                <a:latin typeface="Century Gothic"/>
-                <a:ea typeface="Century Gothic"/>
-                <a:cs typeface="Century Gothic"/>
-                <a:sym typeface="Century Gothic"/>
+                <a:latin typeface="Montserrat"/>
+                <a:ea typeface="Montserrat"/>
+                <a:cs typeface="Montserrat"/>
+                <a:sym typeface="Montserrat"/>
               </a:rPr>
               <a:t>Dealing with m</a:t>
             </a:r>
@@ -18871,10 +19391,10 @@
                 <a:highlight>
                   <a:srgbClr val="FFFFFF"/>
                 </a:highlight>
-                <a:latin typeface="Century Gothic"/>
-                <a:ea typeface="Century Gothic"/>
-                <a:cs typeface="Century Gothic"/>
-                <a:sym typeface="Century Gothic"/>
+                <a:latin typeface="Montserrat"/>
+                <a:ea typeface="Montserrat"/>
+                <a:cs typeface="Montserrat"/>
+                <a:sym typeface="Montserrat"/>
               </a:rPr>
               <a:t>issing values in some of the predictor variables like waterfront and view.</a:t>
             </a:r>
@@ -18882,10 +19402,10 @@
               <a:highlight>
                 <a:srgbClr val="FFFFFF"/>
               </a:highlight>
-              <a:latin typeface="Century Gothic"/>
-              <a:ea typeface="Century Gothic"/>
-              <a:cs typeface="Century Gothic"/>
-              <a:sym typeface="Century Gothic"/>
+              <a:latin typeface="Montserrat"/>
+              <a:ea typeface="Montserrat"/>
+              <a:cs typeface="Montserrat"/>
+              <a:sym typeface="Montserrat"/>
             </a:endParaRPr>
           </a:p>
           <a:p>
@@ -18900,7 +19420,7 @@
                 <a:spcPts val="0"/>
               </a:spcAft>
               <a:buSzPts val="1800"/>
-              <a:buFont typeface="Century Gothic"/>
+              <a:buFont typeface="Montserrat"/>
               <a:buChar char="●"/>
             </a:pPr>
             <a:r>
@@ -18908,10 +19428,10 @@
                 <a:highlight>
                   <a:srgbClr val="FFFFFF"/>
                 </a:highlight>
-                <a:latin typeface="Century Gothic"/>
-                <a:ea typeface="Century Gothic"/>
-                <a:cs typeface="Century Gothic"/>
-                <a:sym typeface="Century Gothic"/>
+                <a:latin typeface="Montserrat"/>
+                <a:ea typeface="Montserrat"/>
+                <a:cs typeface="Montserrat"/>
+                <a:sym typeface="Montserrat"/>
               </a:rPr>
               <a:t>Non-numerical variables. which have to be encoded before  in building our model</a:t>
             </a:r>
@@ -18919,17 +19439,17 @@
               <a:highlight>
                 <a:srgbClr val="FFFFFF"/>
               </a:highlight>
-              <a:latin typeface="Century Gothic"/>
-              <a:ea typeface="Century Gothic"/>
-              <a:cs typeface="Century Gothic"/>
-              <a:sym typeface="Century Gothic"/>
+              <a:latin typeface="Montserrat"/>
+              <a:ea typeface="Montserrat"/>
+              <a:cs typeface="Montserrat"/>
+              <a:sym typeface="Montserrat"/>
             </a:endParaRPr>
           </a:p>
         </p:txBody>
       </p:sp>
       <p:sp>
         <p:nvSpPr>
-          <p:cNvPr id="122" name="Google Shape;122;p5"/>
+          <p:cNvPr id="121" name="Google Shape;121;p5"/>
           <p:cNvSpPr txBox="1"/>
           <p:nvPr/>
         </p:nvSpPr>
@@ -18976,14 +19496,14 @@
               </a:rPr>
               <a:t>Limitations</a:t>
             </a:r>
-            <a:endParaRPr b="0" i="0" sz="1400" u="none" cap="none" strike="noStrike">
+            <a:endParaRPr i="0" sz="1400" u="none" cap="none" strike="noStrike">
               <a:solidFill>
                 <a:srgbClr val="000000"/>
               </a:solidFill>
-              <a:latin typeface="Arial"/>
-              <a:ea typeface="Arial"/>
-              <a:cs typeface="Arial"/>
-              <a:sym typeface="Arial"/>
+              <a:latin typeface="Montserrat"/>
+              <a:ea typeface="Montserrat"/>
+              <a:cs typeface="Montserrat"/>
+              <a:sym typeface="Montserrat"/>
             </a:endParaRPr>
           </a:p>
         </p:txBody>
@@ -19001,7 +19521,7 @@
   <p:cSld>
     <p:spTree>
       <p:nvGrpSpPr>
-        <p:cNvPr id="126" name="Shape 126"/>
+        <p:cNvPr id="125" name="Shape 125"/>
         <p:cNvGrpSpPr/>
         <p:nvPr/>
       </p:nvGrpSpPr>
@@ -19015,7 +19535,7 @@
       </p:grpSpPr>
       <p:pic>
         <p:nvPicPr>
-          <p:cNvPr id="127" name="Google Shape;127;p6"/>
+          <p:cNvPr id="126" name="Google Shape;126;p6"/>
           <p:cNvPicPr preferRelativeResize="0"/>
           <p:nvPr/>
         </p:nvPicPr>
@@ -19042,7 +19562,7 @@
       </p:pic>
       <p:sp>
         <p:nvSpPr>
-          <p:cNvPr id="128" name="Google Shape;128;p6"/>
+          <p:cNvPr id="127" name="Google Shape;127;p6"/>
           <p:cNvSpPr txBox="1"/>
           <p:nvPr>
             <p:ph type="title"/>
@@ -19104,7 +19624,7 @@
       </p:sp>
       <p:sp>
         <p:nvSpPr>
-          <p:cNvPr id="129" name="Google Shape;129;p6"/>
+          <p:cNvPr id="128" name="Google Shape;128;p6"/>
           <p:cNvSpPr txBox="1"/>
           <p:nvPr>
             <p:ph idx="1" type="body"/>
@@ -19112,8 +19632,8 @@
         </p:nvSpPr>
         <p:spPr>
           <a:xfrm>
-            <a:off x="117100" y="932400"/>
-            <a:ext cx="11352900" cy="5772600"/>
+            <a:off x="419550" y="1171750"/>
+            <a:ext cx="11352900" cy="5304000"/>
           </a:xfrm>
           <a:prstGeom prst="rect">
             <a:avLst/>
@@ -19129,7 +19649,7 @@
           </a:bodyPr>
           <a:lstStyle/>
           <a:p>
-            <a:pPr indent="-393700" lvl="0" marL="914400" rtl="0" algn="l">
+            <a:pPr indent="-368300" lvl="0" marL="457200" rtl="0" algn="l">
               <a:lnSpc>
                 <a:spcPct val="200000"/>
               </a:lnSpc>
@@ -19142,39 +19662,237 @@
               <a:buClr>
                 <a:srgbClr val="2D3B45"/>
               </a:buClr>
-              <a:buSzPts val="2600"/>
+              <a:buSzPts val="2200"/>
               <a:buFont typeface="Montserrat Medium"/>
               <a:buChar char="●"/>
             </a:pPr>
             <a:r>
-              <a:rPr b="1" lang="en-US" sz="2000">
+              <a:rPr b="1" lang="en-US" sz="2200">
                 <a:solidFill>
                   <a:srgbClr val="2D3B45"/>
                 </a:solidFill>
                 <a:highlight>
                   <a:schemeClr val="lt1"/>
                 </a:highlight>
-                <a:latin typeface="Century Gothic"/>
-                <a:ea typeface="Century Gothic"/>
-                <a:cs typeface="Century Gothic"/>
-                <a:sym typeface="Century Gothic"/>
+                <a:latin typeface="Montserrat"/>
+                <a:ea typeface="Montserrat"/>
+                <a:cs typeface="Montserrat"/>
+                <a:sym typeface="Montserrat"/>
               </a:rPr>
-              <a:t>Data cleaning</a:t>
+              <a:t>Data cleaning:</a:t>
             </a:r>
             <a:r>
-              <a:rPr lang="en-US" sz="2000">
+              <a:rPr lang="en-US" sz="2200">
                 <a:solidFill>
                   <a:srgbClr val="2D3B45"/>
                 </a:solidFill>
                 <a:highlight>
                   <a:schemeClr val="lt1"/>
                 </a:highlight>
-                <a:latin typeface="Century Gothic"/>
-                <a:ea typeface="Century Gothic"/>
-                <a:cs typeface="Century Gothic"/>
-                <a:sym typeface="Century Gothic"/>
+                <a:latin typeface="Montserrat"/>
+                <a:ea typeface="Montserrat"/>
+                <a:cs typeface="Montserrat"/>
+                <a:sym typeface="Montserrat"/>
               </a:rPr>
-              <a:t>-Ensuring the data does not have duplicate  values ,missing/null values  and encoding categorical variables into numeric for accurate plotting  etc</a:t>
+              <a:t> Handling duplicates, missing, null values  and encoding categorical variables</a:t>
+            </a:r>
+            <a:endParaRPr sz="2200">
+              <a:solidFill>
+                <a:srgbClr val="2D3B45"/>
+              </a:solidFill>
+              <a:highlight>
+                <a:schemeClr val="lt1"/>
+              </a:highlight>
+              <a:latin typeface="Montserrat"/>
+              <a:ea typeface="Montserrat"/>
+              <a:cs typeface="Montserrat"/>
+              <a:sym typeface="Montserrat"/>
+            </a:endParaRPr>
+          </a:p>
+          <a:p>
+            <a:pPr indent="-368300" lvl="0" marL="457200" rtl="0" algn="l">
+              <a:lnSpc>
+                <a:spcPct val="200000"/>
+              </a:lnSpc>
+              <a:spcBef>
+                <a:spcPts val="0"/>
+              </a:spcBef>
+              <a:spcAft>
+                <a:spcPts val="0"/>
+              </a:spcAft>
+              <a:buClr>
+                <a:srgbClr val="2D3B45"/>
+              </a:buClr>
+              <a:buSzPts val="2200"/>
+              <a:buFont typeface="Montserrat Medium"/>
+              <a:buChar char="●"/>
+            </a:pPr>
+            <a:r>
+              <a:rPr b="1" lang="en-US" sz="2200">
+                <a:solidFill>
+                  <a:srgbClr val="2D3B45"/>
+                </a:solidFill>
+                <a:highlight>
+                  <a:schemeClr val="lt1"/>
+                </a:highlight>
+                <a:latin typeface="Montserrat"/>
+                <a:ea typeface="Montserrat"/>
+                <a:cs typeface="Montserrat"/>
+                <a:sym typeface="Montserrat"/>
+              </a:rPr>
+              <a:t>Data visualization</a:t>
+            </a:r>
+            <a:r>
+              <a:rPr lang="en-US" sz="2200">
+                <a:solidFill>
+                  <a:srgbClr val="2D3B45"/>
+                </a:solidFill>
+                <a:highlight>
+                  <a:schemeClr val="lt1"/>
+                </a:highlight>
+                <a:latin typeface="Montserrat"/>
+                <a:ea typeface="Montserrat"/>
+                <a:cs typeface="Montserrat"/>
+                <a:sym typeface="Montserrat"/>
+              </a:rPr>
+              <a:t>: </a:t>
+            </a:r>
+            <a:r>
+              <a:rPr lang="en-US" sz="2200">
+                <a:latin typeface="Montserrat"/>
+                <a:ea typeface="Montserrat"/>
+                <a:cs typeface="Montserrat"/>
+                <a:sym typeface="Montserrat"/>
+              </a:rPr>
+              <a:t>Heatmaps, Histograms, Tableau, scatter plots and linear regression models </a:t>
+            </a:r>
+            <a:endParaRPr sz="2200">
+              <a:solidFill>
+                <a:srgbClr val="2D3B45"/>
+              </a:solidFill>
+              <a:highlight>
+                <a:schemeClr val="lt1"/>
+              </a:highlight>
+              <a:latin typeface="Montserrat"/>
+              <a:ea typeface="Montserrat"/>
+              <a:cs typeface="Montserrat"/>
+              <a:sym typeface="Montserrat"/>
+            </a:endParaRPr>
+          </a:p>
+          <a:p>
+            <a:pPr indent="-368300" lvl="0" marL="457200" rtl="0" algn="l">
+              <a:lnSpc>
+                <a:spcPct val="200000"/>
+              </a:lnSpc>
+              <a:spcBef>
+                <a:spcPts val="0"/>
+              </a:spcBef>
+              <a:spcAft>
+                <a:spcPts val="0"/>
+              </a:spcAft>
+              <a:buSzPts val="2200"/>
+              <a:buFont typeface="Montserrat Medium"/>
+              <a:buChar char="●"/>
+            </a:pPr>
+            <a:r>
+              <a:rPr b="1" lang="en-US" sz="2200">
+                <a:solidFill>
+                  <a:srgbClr val="0E1633"/>
+                </a:solidFill>
+                <a:latin typeface="Montserrat"/>
+                <a:ea typeface="Montserrat"/>
+                <a:cs typeface="Montserrat"/>
+                <a:sym typeface="Montserrat"/>
+              </a:rPr>
+              <a:t>Simple Regression</a:t>
+            </a:r>
+            <a:r>
+              <a:rPr lang="en-US" sz="2200">
+                <a:solidFill>
+                  <a:srgbClr val="0E1633"/>
+                </a:solidFill>
+                <a:latin typeface="Montserrat"/>
+                <a:ea typeface="Montserrat"/>
+                <a:cs typeface="Montserrat"/>
+                <a:sym typeface="Montserrat"/>
+              </a:rPr>
+              <a:t>: </a:t>
+            </a:r>
+            <a:r>
+              <a:rPr lang="en-US" sz="2200">
+                <a:latin typeface="Montserrat"/>
+                <a:ea typeface="Montserrat"/>
+                <a:cs typeface="Montserrat"/>
+                <a:sym typeface="Montserrat"/>
+              </a:rPr>
+              <a:t>Predicting price variable using one independent variable e.g. sqft_living, bathrooms ,bedrooms  (Baseline Model)</a:t>
+            </a:r>
+            <a:endParaRPr sz="2200">
+              <a:solidFill>
+                <a:srgbClr val="0E1633"/>
+              </a:solidFill>
+              <a:latin typeface="Montserrat"/>
+              <a:ea typeface="Montserrat"/>
+              <a:cs typeface="Montserrat"/>
+              <a:sym typeface="Montserrat"/>
+            </a:endParaRPr>
+          </a:p>
+          <a:p>
+            <a:pPr indent="-368300" lvl="0" marL="457200" rtl="0" algn="l">
+              <a:lnSpc>
+                <a:spcPct val="200000"/>
+              </a:lnSpc>
+              <a:spcBef>
+                <a:spcPts val="0"/>
+              </a:spcBef>
+              <a:spcAft>
+                <a:spcPts val="0"/>
+              </a:spcAft>
+              <a:buClr>
+                <a:srgbClr val="2D3B45"/>
+              </a:buClr>
+              <a:buSzPts val="2200"/>
+              <a:buFont typeface="Montserrat Medium"/>
+              <a:buChar char="●"/>
+            </a:pPr>
+            <a:r>
+              <a:rPr b="1" lang="en-US" sz="2200">
+                <a:solidFill>
+                  <a:srgbClr val="2D3B45"/>
+                </a:solidFill>
+                <a:highlight>
+                  <a:schemeClr val="lt1"/>
+                </a:highlight>
+                <a:latin typeface="Montserrat"/>
+                <a:ea typeface="Montserrat"/>
+                <a:cs typeface="Montserrat"/>
+                <a:sym typeface="Montserrat"/>
+              </a:rPr>
+              <a:t>Multiple Regression</a:t>
+            </a:r>
+            <a:r>
+              <a:rPr lang="en-US" sz="2200">
+                <a:solidFill>
+                  <a:srgbClr val="2D3B45"/>
+                </a:solidFill>
+                <a:highlight>
+                  <a:schemeClr val="lt1"/>
+                </a:highlight>
+                <a:latin typeface="Montserrat"/>
+                <a:ea typeface="Montserrat"/>
+                <a:cs typeface="Montserrat"/>
+                <a:sym typeface="Montserrat"/>
+              </a:rPr>
+              <a:t>: </a:t>
+            </a:r>
+            <a:r>
+              <a:rPr lang="en-US" sz="2200">
+                <a:latin typeface="Montserrat"/>
+                <a:ea typeface="Montserrat"/>
+                <a:cs typeface="Montserrat"/>
+                <a:sym typeface="Montserrat"/>
+              </a:rPr>
+              <a:t>Used to predict our price using two or more independent variables e.g. sqft_living, bathrooms, bedrooms </a:t>
             </a:r>
             <a:endParaRPr sz="2000">
               <a:solidFill>
@@ -19183,269 +19901,17 @@
               <a:highlight>
                 <a:schemeClr val="lt1"/>
               </a:highlight>
-              <a:latin typeface="Century Gothic"/>
-              <a:ea typeface="Century Gothic"/>
-              <a:cs typeface="Century Gothic"/>
-              <a:sym typeface="Century Gothic"/>
-            </a:endParaRPr>
-          </a:p>
-          <a:p>
-            <a:pPr indent="-393700" lvl="0" marL="914400" rtl="0" algn="l">
-              <a:lnSpc>
-                <a:spcPct val="200000"/>
-              </a:lnSpc>
-              <a:spcBef>
-                <a:spcPts val="0"/>
-              </a:spcBef>
-              <a:spcAft>
-                <a:spcPts val="0"/>
-              </a:spcAft>
-              <a:buClr>
-                <a:srgbClr val="2D3B45"/>
-              </a:buClr>
-              <a:buSzPts val="2600"/>
-              <a:buFont typeface="Montserrat Medium"/>
-              <a:buChar char="●"/>
-            </a:pPr>
-            <a:r>
-              <a:rPr b="1" lang="en-US" sz="2000">
-                <a:solidFill>
-                  <a:srgbClr val="2D3B45"/>
-                </a:solidFill>
-                <a:highlight>
-                  <a:schemeClr val="lt1"/>
-                </a:highlight>
-                <a:latin typeface="Century Gothic"/>
-                <a:ea typeface="Century Gothic"/>
-                <a:cs typeface="Century Gothic"/>
-                <a:sym typeface="Century Gothic"/>
-              </a:rPr>
-              <a:t>Data visualization-</a:t>
-            </a:r>
-            <a:r>
-              <a:rPr lang="en-US" sz="2000">
-                <a:solidFill>
-                  <a:srgbClr val="2D3B45"/>
-                </a:solidFill>
-                <a:highlight>
-                  <a:schemeClr val="lt1"/>
-                </a:highlight>
-                <a:latin typeface="Century Gothic"/>
-                <a:ea typeface="Century Gothic"/>
-                <a:cs typeface="Century Gothic"/>
-                <a:sym typeface="Century Gothic"/>
-              </a:rPr>
-              <a:t>We are using </a:t>
-            </a:r>
-            <a:r>
-              <a:rPr b="0" i="0" lang="en-US" sz="2000">
-                <a:solidFill>
-                  <a:srgbClr val="000000"/>
-                </a:solidFill>
-                <a:latin typeface="Century Gothic"/>
-                <a:ea typeface="Century Gothic"/>
-                <a:cs typeface="Century Gothic"/>
-                <a:sym typeface="Century Gothic"/>
-              </a:rPr>
-              <a:t>a heatmap to render correlation, Tablaeau dashboards,histograms, scatter plots and linear regression models </a:t>
-            </a:r>
-            <a:endParaRPr sz="2000">
-              <a:solidFill>
-                <a:srgbClr val="2D3B45"/>
-              </a:solidFill>
-              <a:highlight>
-                <a:schemeClr val="lt1"/>
-              </a:highlight>
-              <a:latin typeface="Century Gothic"/>
-              <a:ea typeface="Century Gothic"/>
-              <a:cs typeface="Century Gothic"/>
-              <a:sym typeface="Century Gothic"/>
-            </a:endParaRPr>
-          </a:p>
-          <a:p>
-            <a:pPr indent="-393700" lvl="0" marL="914400" rtl="0" algn="l">
-              <a:lnSpc>
-                <a:spcPct val="200000"/>
-              </a:lnSpc>
-              <a:spcBef>
-                <a:spcPts val="0"/>
-              </a:spcBef>
-              <a:spcAft>
-                <a:spcPts val="0"/>
-              </a:spcAft>
-              <a:buSzPts val="2600"/>
-              <a:buFont typeface="Montserrat Medium"/>
-              <a:buChar char="●"/>
-            </a:pPr>
-            <a:r>
-              <a:rPr b="1" lang="en-US" sz="2000">
-                <a:solidFill>
-                  <a:srgbClr val="0E1633"/>
-                </a:solidFill>
-                <a:latin typeface="Century Gothic"/>
-                <a:ea typeface="Century Gothic"/>
-                <a:cs typeface="Century Gothic"/>
-                <a:sym typeface="Century Gothic"/>
-              </a:rPr>
-              <a:t>Simple Regression-</a:t>
-            </a:r>
-            <a:r>
-              <a:rPr b="1" i="0" lang="en-US" sz="2000">
-                <a:solidFill>
-                  <a:srgbClr val="000000"/>
-                </a:solidFill>
-                <a:latin typeface="Century Gothic"/>
-                <a:ea typeface="Century Gothic"/>
-                <a:cs typeface="Century Gothic"/>
-                <a:sym typeface="Century Gothic"/>
-              </a:rPr>
-              <a:t> </a:t>
-            </a:r>
-            <a:r>
-              <a:rPr lang="en-US" sz="2000">
-                <a:solidFill>
-                  <a:srgbClr val="000000"/>
-                </a:solidFill>
-                <a:latin typeface="Century Gothic"/>
-                <a:ea typeface="Century Gothic"/>
-                <a:cs typeface="Century Gothic"/>
-                <a:sym typeface="Century Gothic"/>
-              </a:rPr>
-              <a:t>U</a:t>
-            </a:r>
-            <a:r>
-              <a:rPr b="0" i="0" lang="en-US" sz="2000">
-                <a:solidFill>
-                  <a:srgbClr val="000000"/>
-                </a:solidFill>
-                <a:latin typeface="Century Gothic"/>
-                <a:ea typeface="Century Gothic"/>
-                <a:cs typeface="Century Gothic"/>
-                <a:sym typeface="Century Gothic"/>
-              </a:rPr>
-              <a:t>sed here for predicting price variable using one independent variable e.g. sqft_living, bathrooms ,bedrooms </a:t>
-            </a:r>
-            <a:r>
-              <a:rPr lang="en-US" sz="2000">
-                <a:solidFill>
-                  <a:srgbClr val="000000"/>
-                </a:solidFill>
-                <a:latin typeface="Century Gothic"/>
-                <a:ea typeface="Century Gothic"/>
-                <a:cs typeface="Century Gothic"/>
-                <a:sym typeface="Century Gothic"/>
-              </a:rPr>
-              <a:t>.(</a:t>
-            </a:r>
-            <a:r>
-              <a:rPr b="1" lang="en-US" sz="2000">
-                <a:solidFill>
-                  <a:srgbClr val="000000"/>
-                </a:solidFill>
-                <a:latin typeface="Century Gothic"/>
-                <a:ea typeface="Century Gothic"/>
-                <a:cs typeface="Century Gothic"/>
-                <a:sym typeface="Century Gothic"/>
-              </a:rPr>
-              <a:t>Baseline Model</a:t>
-            </a:r>
-            <a:r>
-              <a:rPr lang="en-US" sz="2000">
-                <a:solidFill>
-                  <a:srgbClr val="000000"/>
-                </a:solidFill>
-                <a:latin typeface="Century Gothic"/>
-                <a:ea typeface="Century Gothic"/>
-                <a:cs typeface="Century Gothic"/>
-                <a:sym typeface="Century Gothic"/>
-              </a:rPr>
-              <a:t>)</a:t>
-            </a:r>
-            <a:endParaRPr sz="2000">
-              <a:solidFill>
-                <a:srgbClr val="0E1633"/>
-              </a:solidFill>
-              <a:latin typeface="Century Gothic"/>
-              <a:ea typeface="Century Gothic"/>
-              <a:cs typeface="Century Gothic"/>
-              <a:sym typeface="Century Gothic"/>
-            </a:endParaRPr>
-          </a:p>
-          <a:p>
-            <a:pPr indent="-393700" lvl="0" marL="914400" rtl="0" algn="l">
-              <a:lnSpc>
-                <a:spcPct val="200000"/>
-              </a:lnSpc>
-              <a:spcBef>
-                <a:spcPts val="0"/>
-              </a:spcBef>
-              <a:spcAft>
-                <a:spcPts val="0"/>
-              </a:spcAft>
-              <a:buClr>
-                <a:srgbClr val="2D3B45"/>
-              </a:buClr>
-              <a:buSzPts val="2600"/>
-              <a:buFont typeface="Montserrat Medium"/>
-              <a:buChar char="●"/>
-            </a:pPr>
-            <a:r>
-              <a:rPr b="1" lang="en-US" sz="2000">
-                <a:solidFill>
-                  <a:srgbClr val="2D3B45"/>
-                </a:solidFill>
-                <a:highlight>
-                  <a:schemeClr val="lt1"/>
-                </a:highlight>
-                <a:latin typeface="Century Gothic"/>
-                <a:ea typeface="Century Gothic"/>
-                <a:cs typeface="Century Gothic"/>
-                <a:sym typeface="Century Gothic"/>
-              </a:rPr>
-              <a:t>Multiple Regression-</a:t>
-            </a:r>
-            <a:r>
-              <a:rPr b="1" i="0" lang="en-US" sz="2000">
-                <a:solidFill>
-                  <a:srgbClr val="000000"/>
-                </a:solidFill>
-                <a:latin typeface="Century Gothic"/>
-                <a:ea typeface="Century Gothic"/>
-                <a:cs typeface="Century Gothic"/>
-                <a:sym typeface="Century Gothic"/>
-              </a:rPr>
-              <a:t> </a:t>
-            </a:r>
-            <a:r>
-              <a:rPr b="0" i="0" lang="en-US" sz="2000">
-                <a:solidFill>
-                  <a:srgbClr val="000000"/>
-                </a:solidFill>
-                <a:latin typeface="Century Gothic"/>
-                <a:ea typeface="Century Gothic"/>
-                <a:cs typeface="Century Gothic"/>
-                <a:sym typeface="Century Gothic"/>
-              </a:rPr>
-              <a:t>used to predict our price using two or more independent variables e.g. sqft_living, bathrooms, bedrooms </a:t>
-            </a:r>
-            <a:endParaRPr sz="2000">
-              <a:solidFill>
-                <a:srgbClr val="2D3B45"/>
-              </a:solidFill>
-              <a:highlight>
-                <a:schemeClr val="lt1"/>
-              </a:highlight>
-              <a:latin typeface="Century Gothic"/>
-              <a:ea typeface="Century Gothic"/>
-              <a:cs typeface="Century Gothic"/>
-              <a:sym typeface="Century Gothic"/>
+              <a:latin typeface="Montserrat"/>
+              <a:ea typeface="Montserrat"/>
+              <a:cs typeface="Montserrat"/>
+              <a:sym typeface="Montserrat"/>
             </a:endParaRPr>
           </a:p>
         </p:txBody>
       </p:sp>
       <p:sp>
         <p:nvSpPr>
-          <p:cNvPr id="130" name="Google Shape;130;p6"/>
+          <p:cNvPr id="129" name="Google Shape;129;p6"/>
           <p:cNvSpPr/>
           <p:nvPr/>
         </p:nvSpPr>
@@ -19513,7 +19979,7 @@
   <p:cSld>
     <p:spTree>
       <p:nvGrpSpPr>
-        <p:cNvPr id="134" name="Shape 134"/>
+        <p:cNvPr id="133" name="Shape 133"/>
         <p:cNvGrpSpPr/>
         <p:nvPr/>
       </p:nvGrpSpPr>
@@ -19527,7 +19993,7 @@
       </p:grpSpPr>
       <p:sp>
         <p:nvSpPr>
-          <p:cNvPr id="135" name="Google Shape;135;p7"/>
+          <p:cNvPr id="134" name="Google Shape;134;g2ca6d4f84d4_2_0"/>
           <p:cNvSpPr txBox="1"/>
           <p:nvPr>
             <p:ph type="title"/>
@@ -19535,8 +20001,8 @@
         </p:nvSpPr>
         <p:spPr>
           <a:xfrm>
-            <a:off x="1371627" y="0"/>
-            <a:ext cx="3641400" cy="838200"/>
+            <a:off x="1380575" y="82925"/>
+            <a:ext cx="8403000" cy="838200"/>
           </a:xfrm>
           <a:prstGeom prst="rect">
             <a:avLst/>
@@ -19553,9 +20019,6 @@
           <a:lstStyle/>
           <a:p>
             <a:pPr indent="0" lvl="0" marL="0" rtl="0" algn="l">
-              <a:lnSpc>
-                <a:spcPct val="90000"/>
-              </a:lnSpc>
               <a:spcBef>
                 <a:spcPts val="0"/>
               </a:spcBef>
@@ -19570,16 +20033,7 @@
               <a:buNone/>
             </a:pPr>
             <a:r>
-              <a:rPr b="1" lang="en-US" sz="3500" u="sng">
-                <a:latin typeface="Montserrat"/>
-                <a:ea typeface="Montserrat"/>
-                <a:cs typeface="Montserrat"/>
-                <a:sym typeface="Montserrat"/>
-              </a:rPr>
-              <a:t>Model </a:t>
-            </a:r>
-            <a:r>
-              <a:rPr b="1" lang="en-US" sz="3500" u="sng">
+              <a:rPr b="1" lang="en-US" sz="3500">
                 <a:latin typeface="Montserrat"/>
                 <a:ea typeface="Montserrat"/>
                 <a:cs typeface="Montserrat"/>
@@ -19587,7 +20041,7 @@
               </a:rPr>
               <a:t>Results</a:t>
             </a:r>
-            <a:endParaRPr b="1" sz="3500" u="sng">
+            <a:endParaRPr b="1" sz="3500">
               <a:latin typeface="Montserrat"/>
               <a:ea typeface="Montserrat"/>
               <a:cs typeface="Montserrat"/>
@@ -19598,13 +20052,13 @@
       </p:sp>
       <p:sp>
         <p:nvSpPr>
-          <p:cNvPr id="136" name="Google Shape;136;p7"/>
+          <p:cNvPr id="135" name="Google Shape;135;g2ca6d4f84d4_2_0"/>
           <p:cNvSpPr/>
           <p:nvPr/>
         </p:nvSpPr>
         <p:spPr>
           <a:xfrm>
-            <a:off x="416739" y="85802"/>
+            <a:off x="459075" y="168725"/>
             <a:ext cx="666600" cy="666600"/>
           </a:xfrm>
           <a:prstGeom prst="flowChartConnector">
@@ -19629,21 +20083,13 @@
           </a:bodyPr>
           <a:lstStyle/>
           <a:p>
-            <a:pPr indent="0" lvl="0" marL="0" marR="0" rtl="0" algn="ctr">
-              <a:lnSpc>
-                <a:spcPct val="100000"/>
-              </a:lnSpc>
-              <a:spcBef>
-                <a:spcPts val="0"/>
-              </a:spcBef>
-              <a:spcAft>
-                <a:spcPts val="0"/>
-              </a:spcAft>
-              <a:buClr>
-                <a:srgbClr val="000000"/>
-              </a:buClr>
-              <a:buSzPts val="3500"/>
-              <a:buFont typeface="Arial"/>
+            <a:pPr indent="0" lvl="0" marL="0" rtl="0" algn="ctr">
+              <a:spcBef>
+                <a:spcPts val="0"/>
+              </a:spcBef>
+              <a:spcAft>
+                <a:spcPts val="0"/>
+              </a:spcAft>
               <a:buNone/>
             </a:pPr>
             <a:r>
@@ -19658,7 +20104,7 @@
               </a:rPr>
               <a:t>6</a:t>
             </a:r>
-            <a:endParaRPr b="1" i="0" sz="3500" u="none" cap="none" strike="noStrike">
+            <a:endParaRPr b="1" sz="3500">
               <a:solidFill>
                 <a:srgbClr val="101F3C"/>
               </a:solidFill>
@@ -19670,16 +20116,46 @@
           </a:p>
         </p:txBody>
       </p:sp>
+      <p:pic>
+        <p:nvPicPr>
+          <p:cNvPr id="136" name="Google Shape;136;g2ca6d4f84d4_2_0"/>
+          <p:cNvPicPr preferRelativeResize="0"/>
+          <p:nvPr/>
+        </p:nvPicPr>
+        <p:blipFill>
+          <a:blip r:embed="rId3">
+            <a:alphaModFix/>
+          </a:blip>
+          <a:stretch>
+            <a:fillRect/>
+          </a:stretch>
+        </p:blipFill>
+        <p:spPr>
+          <a:xfrm>
+            <a:off x="6241250" y="1336350"/>
+            <a:ext cx="5950749" cy="5171799"/>
+          </a:xfrm>
+          <a:prstGeom prst="rect">
+            <a:avLst/>
+          </a:prstGeom>
+          <a:noFill/>
+          <a:ln>
+            <a:noFill/>
+          </a:ln>
+        </p:spPr>
+      </p:pic>
       <p:sp>
         <p:nvSpPr>
-          <p:cNvPr id="137" name="Google Shape;137;p7"/>
+          <p:cNvPr id="137" name="Google Shape;137;g2ca6d4f84d4_2_0"/>
           <p:cNvSpPr txBox="1"/>
-          <p:nvPr/>
+          <p:nvPr>
+            <p:ph idx="1" type="body"/>
+          </p:nvPr>
         </p:nvSpPr>
         <p:spPr>
           <a:xfrm>
-            <a:off x="354590" y="1714731"/>
-            <a:ext cx="11482800" cy="4070100"/>
+            <a:off x="141500" y="1336350"/>
+            <a:ext cx="5865300" cy="2277600"/>
           </a:xfrm>
           <a:prstGeom prst="rect">
             <a:avLst/>
@@ -19691,57 +20167,42 @@
         </p:spPr>
         <p:txBody>
           <a:bodyPr anchorCtr="0" anchor="t" bIns="45700" lIns="91425" spcFirstLastPara="1" rIns="91425" wrap="square" tIns="45700">
-            <a:spAutoFit/>
+            <a:noAutofit/>
           </a:bodyPr>
           <a:lstStyle/>
           <a:p>
-            <a:pPr indent="-374650" lvl="0" marL="457200" marR="0" rtl="0" algn="l">
-              <a:lnSpc>
-                <a:spcPct val="100000"/>
-              </a:lnSpc>
-              <a:spcBef>
-                <a:spcPts val="0"/>
-              </a:spcBef>
-              <a:spcAft>
-                <a:spcPts val="0"/>
-              </a:spcAft>
-              <a:buClr>
-                <a:schemeClr val="dk1"/>
-              </a:buClr>
-              <a:buSzPts val="2300"/>
-              <a:buFont typeface="Century Gothic"/>
+            <a:pPr indent="-368300" lvl="0" marL="457200" rtl="0" algn="l">
+              <a:lnSpc>
+                <a:spcPct val="100000"/>
+              </a:lnSpc>
+              <a:spcBef>
+                <a:spcPts val="0"/>
+              </a:spcBef>
+              <a:spcAft>
+                <a:spcPts val="0"/>
+              </a:spcAft>
+              <a:buSzPts val="2200"/>
+              <a:buFont typeface="Montserrat"/>
               <a:buChar char="●"/>
             </a:pPr>
             <a:r>
-              <a:rPr lang="en-US" sz="2300">
-                <a:solidFill>
-                  <a:schemeClr val="dk1"/>
-                </a:solidFill>
-                <a:highlight>
-                  <a:srgbClr val="FFFFFF"/>
-                </a:highlight>
-                <a:latin typeface="Century Gothic"/>
-                <a:ea typeface="Century Gothic"/>
-                <a:cs typeface="Century Gothic"/>
-                <a:sym typeface="Century Gothic"/>
+              <a:rPr lang="en-US" sz="2200">
+                <a:latin typeface="Montserrat"/>
+                <a:ea typeface="Montserrat"/>
+                <a:cs typeface="Montserrat"/>
+                <a:sym typeface="Montserrat"/>
               </a:rPr>
-              <a:t>Increase in living area size increases property price.</a:t>
+              <a:t>Increase in living area size increases property price</a:t>
             </a:r>
-            <a:endParaRPr sz="2300">
-              <a:solidFill>
-                <a:schemeClr val="dk1"/>
-              </a:solidFill>
-              <a:highlight>
-                <a:srgbClr val="FFFFFF"/>
-              </a:highlight>
-              <a:latin typeface="Century Gothic"/>
-              <a:ea typeface="Century Gothic"/>
-              <a:cs typeface="Century Gothic"/>
-              <a:sym typeface="Century Gothic"/>
+            <a:endParaRPr sz="2200">
+              <a:latin typeface="Montserrat"/>
+              <a:ea typeface="Montserrat"/>
+              <a:cs typeface="Montserrat"/>
+              <a:sym typeface="Montserrat"/>
             </a:endParaRPr>
           </a:p>
           <a:p>
-            <a:pPr indent="0" lvl="0" marL="0" marR="0" rtl="0" algn="l">
+            <a:pPr indent="0" lvl="0" marL="0" rtl="0" algn="l">
               <a:lnSpc>
                 <a:spcPct val="100000"/>
               </a:lnSpc>
@@ -19756,280 +20217,73 @@
             <a:r>
               <a:t/>
             </a:r>
-            <a:endParaRPr sz="2300">
-              <a:solidFill>
-                <a:schemeClr val="dk1"/>
-              </a:solidFill>
-              <a:highlight>
-                <a:srgbClr val="FFFFFF"/>
-              </a:highlight>
-              <a:latin typeface="Century Gothic"/>
-              <a:ea typeface="Century Gothic"/>
-              <a:cs typeface="Century Gothic"/>
-              <a:sym typeface="Century Gothic"/>
+            <a:endParaRPr sz="2200">
+              <a:latin typeface="Montserrat"/>
+              <a:ea typeface="Montserrat"/>
+              <a:cs typeface="Montserrat"/>
+              <a:sym typeface="Montserrat"/>
             </a:endParaRPr>
           </a:p>
           <a:p>
-            <a:pPr indent="0" lvl="0" marL="0" marR="0" rtl="0" algn="l">
-              <a:lnSpc>
-                <a:spcPct val="100000"/>
-              </a:lnSpc>
-              <a:spcBef>
-                <a:spcPts val="0"/>
-              </a:spcBef>
-              <a:spcAft>
-                <a:spcPts val="0"/>
-              </a:spcAft>
-              <a:buNone/>
-            </a:pPr>
-            <a:r>
-              <a:t/>
-            </a:r>
-            <a:endParaRPr sz="2300">
-              <a:solidFill>
-                <a:schemeClr val="dk1"/>
-              </a:solidFill>
-              <a:highlight>
-                <a:srgbClr val="FFFFFF"/>
-              </a:highlight>
-              <a:latin typeface="Century Gothic"/>
-              <a:ea typeface="Century Gothic"/>
-              <a:cs typeface="Century Gothic"/>
-              <a:sym typeface="Century Gothic"/>
-            </a:endParaRPr>
-          </a:p>
-          <a:p>
-            <a:pPr indent="-374650" lvl="0" marL="457200" rtl="0" algn="l">
-              <a:lnSpc>
-                <a:spcPct val="115000"/>
-              </a:lnSpc>
-              <a:spcBef>
-                <a:spcPts val="0"/>
-              </a:spcBef>
-              <a:spcAft>
-                <a:spcPts val="0"/>
-              </a:spcAft>
-              <a:buClr>
-                <a:schemeClr val="dk1"/>
-              </a:buClr>
-              <a:buSzPts val="2300"/>
-              <a:buFont typeface="Century Gothic"/>
+            <a:pPr indent="-368300" lvl="0" marL="457200" rtl="0" algn="l">
+              <a:lnSpc>
+                <a:spcPct val="100000"/>
+              </a:lnSpc>
+              <a:spcBef>
+                <a:spcPts val="0"/>
+              </a:spcBef>
+              <a:spcAft>
+                <a:spcPts val="0"/>
+              </a:spcAft>
+              <a:buSzPts val="2200"/>
+              <a:buFont typeface="Montserrat"/>
               <a:buChar char="●"/>
             </a:pPr>
             <a:r>
-              <a:rPr lang="en-US" sz="2300">
-                <a:solidFill>
-                  <a:schemeClr val="dk1"/>
-                </a:solidFill>
-                <a:highlight>
-                  <a:srgbClr val="FFFFFF"/>
-                </a:highlight>
-                <a:latin typeface="Century Gothic"/>
-                <a:ea typeface="Century Gothic"/>
-                <a:cs typeface="Century Gothic"/>
-                <a:sym typeface="Century Gothic"/>
+              <a:rPr lang="en-US" sz="2200">
+                <a:latin typeface="Montserrat"/>
+                <a:ea typeface="Montserrat"/>
+                <a:cs typeface="Montserrat"/>
+                <a:sym typeface="Montserrat"/>
               </a:rPr>
-              <a:t>Properties with more bedrooms, have a higher price.</a:t>
+              <a:t>For 1 additional square feet, the home value increases by USD 279</a:t>
             </a:r>
-            <a:endParaRPr sz="2300">
-              <a:solidFill>
-                <a:schemeClr val="dk1"/>
-              </a:solidFill>
-              <a:highlight>
-                <a:srgbClr val="FFFFFF"/>
-              </a:highlight>
-              <a:latin typeface="Century Gothic"/>
-              <a:ea typeface="Century Gothic"/>
-              <a:cs typeface="Century Gothic"/>
-              <a:sym typeface="Century Gothic"/>
-            </a:endParaRPr>
-          </a:p>
-          <a:p>
-            <a:pPr indent="0" lvl="0" marL="0" rtl="0" algn="l">
-              <a:lnSpc>
-                <a:spcPct val="115000"/>
-              </a:lnSpc>
-              <a:spcBef>
-                <a:spcPts val="700"/>
-              </a:spcBef>
-              <a:spcAft>
-                <a:spcPts val="0"/>
-              </a:spcAft>
-              <a:buNone/>
-            </a:pPr>
-            <a:r>
-              <a:t/>
-            </a:r>
-            <a:endParaRPr sz="2300">
-              <a:solidFill>
-                <a:schemeClr val="dk1"/>
-              </a:solidFill>
-              <a:highlight>
-                <a:srgbClr val="FFFFFF"/>
-              </a:highlight>
-              <a:latin typeface="Century Gothic"/>
-              <a:ea typeface="Century Gothic"/>
-              <a:cs typeface="Century Gothic"/>
-              <a:sym typeface="Century Gothic"/>
-            </a:endParaRPr>
-          </a:p>
-          <a:p>
-            <a:pPr indent="-374650" lvl="0" marL="457200" rtl="0" algn="l">
-              <a:lnSpc>
-                <a:spcPct val="115000"/>
-              </a:lnSpc>
-              <a:spcBef>
-                <a:spcPts val="700"/>
-              </a:spcBef>
-              <a:spcAft>
-                <a:spcPts val="0"/>
-              </a:spcAft>
-              <a:buClr>
-                <a:schemeClr val="dk1"/>
-              </a:buClr>
-              <a:buSzPts val="2300"/>
-              <a:buFont typeface="Century Gothic"/>
-              <a:buChar char="●"/>
-            </a:pPr>
-            <a:r>
-              <a:rPr lang="en-US" sz="2300">
-                <a:solidFill>
-                  <a:schemeClr val="dk1"/>
-                </a:solidFill>
-                <a:highlight>
-                  <a:srgbClr val="FFFFFF"/>
-                </a:highlight>
-                <a:latin typeface="Century Gothic"/>
-                <a:ea typeface="Century Gothic"/>
-                <a:cs typeface="Century Gothic"/>
-                <a:sym typeface="Century Gothic"/>
-              </a:rPr>
-              <a:t>More bathrooms increase the value of the homes.</a:t>
-            </a:r>
-            <a:endParaRPr sz="2300">
-              <a:solidFill>
-                <a:schemeClr val="dk1"/>
-              </a:solidFill>
-              <a:highlight>
-                <a:srgbClr val="FFFFFF"/>
-              </a:highlight>
-              <a:latin typeface="Century Gothic"/>
-              <a:ea typeface="Century Gothic"/>
-              <a:cs typeface="Century Gothic"/>
-              <a:sym typeface="Century Gothic"/>
-            </a:endParaRPr>
-          </a:p>
-          <a:p>
-            <a:pPr indent="0" lvl="0" marL="0" rtl="0" algn="l">
-              <a:lnSpc>
-                <a:spcPct val="115000"/>
-              </a:lnSpc>
-              <a:spcBef>
-                <a:spcPts val="700"/>
-              </a:spcBef>
-              <a:spcAft>
-                <a:spcPts val="0"/>
-              </a:spcAft>
-              <a:buNone/>
-            </a:pPr>
-            <a:r>
-              <a:t/>
-            </a:r>
-            <a:endParaRPr sz="2300">
-              <a:solidFill>
-                <a:schemeClr val="dk1"/>
-              </a:solidFill>
-              <a:highlight>
-                <a:srgbClr val="FFFFFF"/>
-              </a:highlight>
-              <a:latin typeface="Century Gothic"/>
-              <a:ea typeface="Century Gothic"/>
-              <a:cs typeface="Century Gothic"/>
-              <a:sym typeface="Century Gothic"/>
-            </a:endParaRPr>
-          </a:p>
-          <a:p>
-            <a:pPr indent="-374650" lvl="0" marL="457200" rtl="0" algn="l">
-              <a:lnSpc>
-                <a:spcPct val="115000"/>
-              </a:lnSpc>
-              <a:spcBef>
-                <a:spcPts val="700"/>
-              </a:spcBef>
-              <a:spcAft>
-                <a:spcPts val="0"/>
-              </a:spcAft>
-              <a:buClr>
-                <a:schemeClr val="dk1"/>
-              </a:buClr>
-              <a:buSzPts val="2300"/>
-              <a:buFont typeface="Century Gothic"/>
-              <a:buChar char="●"/>
-            </a:pPr>
-            <a:r>
-              <a:rPr lang="en-US" sz="2300">
-                <a:solidFill>
-                  <a:schemeClr val="dk1"/>
-                </a:solidFill>
-                <a:highlight>
-                  <a:srgbClr val="FFFFFF"/>
-                </a:highlight>
-                <a:latin typeface="Century Gothic"/>
-                <a:ea typeface="Century Gothic"/>
-                <a:cs typeface="Century Gothic"/>
-                <a:sym typeface="Century Gothic"/>
-              </a:rPr>
-              <a:t>A well maintained house is more valuable.</a:t>
-            </a:r>
-            <a:endParaRPr sz="2300">
-              <a:solidFill>
-                <a:schemeClr val="dk1"/>
-              </a:solidFill>
-              <a:highlight>
-                <a:srgbClr val="FFFFFF"/>
-              </a:highlight>
-              <a:latin typeface="Century Gothic"/>
-              <a:ea typeface="Century Gothic"/>
-              <a:cs typeface="Century Gothic"/>
-              <a:sym typeface="Century Gothic"/>
-            </a:endParaRPr>
-          </a:p>
-          <a:p>
-            <a:pPr indent="0" lvl="0" marL="457200" marR="0" rtl="0" algn="l">
-              <a:lnSpc>
-                <a:spcPct val="100000"/>
-              </a:lnSpc>
-              <a:spcBef>
-                <a:spcPts val="700"/>
-              </a:spcBef>
-              <a:spcAft>
-                <a:spcPts val="0"/>
-              </a:spcAft>
-              <a:buNone/>
-            </a:pPr>
-            <a:br>
-              <a:rPr b="0" i="0" lang="en-US" sz="1400" u="none" cap="none" strike="noStrike">
-                <a:solidFill>
-                  <a:srgbClr val="000000"/>
-                </a:solidFill>
-                <a:latin typeface="Century Gothic"/>
-                <a:ea typeface="Century Gothic"/>
-                <a:cs typeface="Century Gothic"/>
-                <a:sym typeface="Century Gothic"/>
-              </a:rPr>
-            </a:br>
-            <a:endParaRPr b="0" i="0" sz="1400" u="none" cap="none" strike="noStrike">
-              <a:solidFill>
-                <a:srgbClr val="000000"/>
-              </a:solidFill>
-              <a:latin typeface="Arial"/>
-              <a:ea typeface="Arial"/>
-              <a:cs typeface="Arial"/>
-              <a:sym typeface="Arial"/>
+            <a:endParaRPr sz="2200">
+              <a:latin typeface="Montserrat"/>
+              <a:ea typeface="Montserrat"/>
+              <a:cs typeface="Montserrat"/>
+              <a:sym typeface="Montserrat"/>
             </a:endParaRPr>
           </a:p>
         </p:txBody>
       </p:sp>
+      <p:pic>
+        <p:nvPicPr>
+          <p:cNvPr id="138" name="Google Shape;138;g2ca6d4f84d4_2_0"/>
+          <p:cNvPicPr preferRelativeResize="0"/>
+          <p:nvPr/>
+        </p:nvPicPr>
+        <p:blipFill rotWithShape="1">
+          <a:blip r:embed="rId4">
+            <a:alphaModFix/>
+          </a:blip>
+          <a:srcRect b="0" l="0" r="4652" t="0"/>
+          <a:stretch/>
+        </p:blipFill>
+        <p:spPr>
+          <a:xfrm>
+            <a:off x="69313" y="3737400"/>
+            <a:ext cx="6009673" cy="2770750"/>
+          </a:xfrm>
+          <a:prstGeom prst="rect">
+            <a:avLst/>
+          </a:prstGeom>
+          <a:noFill/>
+          <a:ln>
+            <a:noFill/>
+          </a:ln>
+        </p:spPr>
+      </p:pic>
     </p:spTree>
   </p:cSld>
   <p:clrMapOvr>
@@ -20043,7 +20297,7 @@
   <p:cSld>
     <p:spTree>
       <p:nvGrpSpPr>
-        <p:cNvPr id="141" name="Shape 141"/>
+        <p:cNvPr id="142" name="Shape 142"/>
         <p:cNvGrpSpPr/>
         <p:nvPr/>
       </p:nvGrpSpPr>
@@ -20057,7 +20311,7 @@
       </p:grpSpPr>
       <p:sp>
         <p:nvSpPr>
-          <p:cNvPr id="142" name="Google Shape;142;g2ca9327ea0d_0_5"/>
+          <p:cNvPr id="143" name="Google Shape;143;g2ca6d4f84d4_2_83"/>
           <p:cNvSpPr txBox="1"/>
           <p:nvPr>
             <p:ph type="title"/>
@@ -20065,8 +20319,8 @@
         </p:nvSpPr>
         <p:spPr>
           <a:xfrm>
-            <a:off x="1371625" y="0"/>
-            <a:ext cx="7491600" cy="838200"/>
+            <a:off x="1380575" y="82925"/>
+            <a:ext cx="8403000" cy="838200"/>
           </a:xfrm>
           <a:prstGeom prst="rect">
             <a:avLst/>
@@ -20083,9 +20337,6 @@
           <a:lstStyle/>
           <a:p>
             <a:pPr indent="0" lvl="0" marL="0" rtl="0" algn="l">
-              <a:lnSpc>
-                <a:spcPct val="90000"/>
-              </a:lnSpc>
               <a:spcBef>
                 <a:spcPts val="0"/>
               </a:spcBef>
@@ -20100,24 +20351,15 @@
               <a:buNone/>
             </a:pPr>
             <a:r>
-              <a:rPr b="1" lang="en-US" sz="3500" u="sng">
+              <a:rPr b="1" lang="en-US" sz="3500">
                 <a:latin typeface="Montserrat"/>
                 <a:ea typeface="Montserrat"/>
                 <a:cs typeface="Montserrat"/>
                 <a:sym typeface="Montserrat"/>
               </a:rPr>
-              <a:t>Descriptive Statistics</a:t>
+              <a:t>Results</a:t>
             </a:r>
-            <a:r>
-              <a:rPr b="1" lang="en-US" sz="3500" u="sng">
-                <a:latin typeface="Montserrat"/>
-                <a:ea typeface="Montserrat"/>
-                <a:cs typeface="Montserrat"/>
-                <a:sym typeface="Montserrat"/>
-              </a:rPr>
-              <a:t> Results</a:t>
-            </a:r>
-            <a:endParaRPr b="1" sz="3500" u="sng">
+            <a:endParaRPr b="1" sz="3500">
               <a:latin typeface="Montserrat"/>
               <a:ea typeface="Montserrat"/>
               <a:cs typeface="Montserrat"/>
@@ -20128,13 +20370,13 @@
       </p:sp>
       <p:sp>
         <p:nvSpPr>
-          <p:cNvPr id="143" name="Google Shape;143;g2ca9327ea0d_0_5"/>
+          <p:cNvPr id="144" name="Google Shape;144;g2ca6d4f84d4_2_83"/>
           <p:cNvSpPr/>
           <p:nvPr/>
         </p:nvSpPr>
         <p:spPr>
           <a:xfrm>
-            <a:off x="416739" y="85802"/>
+            <a:off x="459075" y="168725"/>
             <a:ext cx="666600" cy="666600"/>
           </a:xfrm>
           <a:prstGeom prst="flowChartConnector">
@@ -20159,21 +20401,13 @@
           </a:bodyPr>
           <a:lstStyle/>
           <a:p>
-            <a:pPr indent="0" lvl="0" marL="0" marR="0" rtl="0" algn="ctr">
-              <a:lnSpc>
-                <a:spcPct val="100000"/>
-              </a:lnSpc>
-              <a:spcBef>
-                <a:spcPts val="0"/>
-              </a:spcBef>
-              <a:spcAft>
-                <a:spcPts val="0"/>
-              </a:spcAft>
-              <a:buClr>
-                <a:srgbClr val="000000"/>
-              </a:buClr>
-              <a:buSzPts val="3500"/>
-              <a:buFont typeface="Arial"/>
+            <a:pPr indent="0" lvl="0" marL="0" rtl="0" algn="ctr">
+              <a:spcBef>
+                <a:spcPts val="0"/>
+              </a:spcBef>
+              <a:spcAft>
+                <a:spcPts val="0"/>
+              </a:spcAft>
               <a:buNone/>
             </a:pPr>
             <a:r>
@@ -20188,7 +20422,7 @@
               </a:rPr>
               <a:t>7</a:t>
             </a:r>
-            <a:endParaRPr b="1" i="0" sz="3500" u="none" cap="none" strike="noStrike">
+            <a:endParaRPr b="1" sz="3500">
               <a:solidFill>
                 <a:srgbClr val="101F3C"/>
               </a:solidFill>
@@ -20200,9 +20434,176 @@
           </a:p>
         </p:txBody>
       </p:sp>
+      <p:sp>
+        <p:nvSpPr>
+          <p:cNvPr id="145" name="Google Shape;145;g2ca6d4f84d4_2_83"/>
+          <p:cNvSpPr txBox="1"/>
+          <p:nvPr>
+            <p:ph idx="1" type="body"/>
+          </p:nvPr>
+        </p:nvSpPr>
+        <p:spPr>
+          <a:xfrm>
+            <a:off x="459075" y="1369425"/>
+            <a:ext cx="3660600" cy="4551300"/>
+          </a:xfrm>
+          <a:prstGeom prst="rect">
+            <a:avLst/>
+          </a:prstGeom>
+          <a:noFill/>
+          <a:ln>
+            <a:noFill/>
+          </a:ln>
+        </p:spPr>
+        <p:txBody>
+          <a:bodyPr anchorCtr="0" anchor="t" bIns="45700" lIns="91425" spcFirstLastPara="1" rIns="91425" wrap="square" tIns="45700">
+            <a:noAutofit/>
+          </a:bodyPr>
+          <a:lstStyle/>
+          <a:p>
+            <a:pPr indent="-368300" lvl="0" marL="457200" rtl="0" algn="l">
+              <a:lnSpc>
+                <a:spcPct val="100000"/>
+              </a:lnSpc>
+              <a:spcBef>
+                <a:spcPts val="0"/>
+              </a:spcBef>
+              <a:spcAft>
+                <a:spcPts val="0"/>
+              </a:spcAft>
+              <a:buSzPts val="2200"/>
+              <a:buFont typeface="Montserrat"/>
+              <a:buChar char="●"/>
+            </a:pPr>
+            <a:r>
+              <a:rPr lang="en-US" sz="2200">
+                <a:latin typeface="Montserrat"/>
+                <a:ea typeface="Montserrat"/>
+                <a:cs typeface="Montserrat"/>
+                <a:sym typeface="Montserrat"/>
+              </a:rPr>
+              <a:t>Properties with more bedrooms, have a higher price.</a:t>
+            </a:r>
+            <a:endParaRPr sz="2200">
+              <a:latin typeface="Montserrat"/>
+              <a:ea typeface="Montserrat"/>
+              <a:cs typeface="Montserrat"/>
+              <a:sym typeface="Montserrat"/>
+            </a:endParaRPr>
+          </a:p>
+          <a:p>
+            <a:pPr indent="0" lvl="0" marL="0" rtl="0" algn="l">
+              <a:lnSpc>
+                <a:spcPct val="100000"/>
+              </a:lnSpc>
+              <a:spcBef>
+                <a:spcPts val="0"/>
+              </a:spcBef>
+              <a:spcAft>
+                <a:spcPts val="0"/>
+              </a:spcAft>
+              <a:buNone/>
+            </a:pPr>
+            <a:r>
+              <a:t/>
+            </a:r>
+            <a:endParaRPr sz="2200">
+              <a:latin typeface="Montserrat"/>
+              <a:ea typeface="Montserrat"/>
+              <a:cs typeface="Montserrat"/>
+              <a:sym typeface="Montserrat"/>
+            </a:endParaRPr>
+          </a:p>
+          <a:p>
+            <a:pPr indent="-368300" lvl="0" marL="457200" rtl="0" algn="l">
+              <a:lnSpc>
+                <a:spcPct val="100000"/>
+              </a:lnSpc>
+              <a:spcBef>
+                <a:spcPts val="0"/>
+              </a:spcBef>
+              <a:spcAft>
+                <a:spcPts val="0"/>
+              </a:spcAft>
+              <a:buSzPts val="2200"/>
+              <a:buFont typeface="Montserrat"/>
+              <a:buChar char="●"/>
+            </a:pPr>
+            <a:r>
+              <a:rPr lang="en-US" sz="2200">
+                <a:latin typeface="Montserrat"/>
+                <a:ea typeface="Montserrat"/>
+                <a:cs typeface="Montserrat"/>
+                <a:sym typeface="Montserrat"/>
+              </a:rPr>
+              <a:t>Clients prefer 3 to 6 bedrooms</a:t>
+            </a:r>
+            <a:endParaRPr sz="2200">
+              <a:latin typeface="Montserrat"/>
+              <a:ea typeface="Montserrat"/>
+              <a:cs typeface="Montserrat"/>
+              <a:sym typeface="Montserrat"/>
+            </a:endParaRPr>
+          </a:p>
+          <a:p>
+            <a:pPr indent="0" lvl="0" marL="0" rtl="0" algn="l">
+              <a:lnSpc>
+                <a:spcPct val="100000"/>
+              </a:lnSpc>
+              <a:spcBef>
+                <a:spcPts val="0"/>
+              </a:spcBef>
+              <a:spcAft>
+                <a:spcPts val="0"/>
+              </a:spcAft>
+              <a:buNone/>
+            </a:pPr>
+            <a:r>
+              <a:t/>
+            </a:r>
+            <a:endParaRPr sz="2200">
+              <a:latin typeface="Montserrat"/>
+              <a:ea typeface="Montserrat"/>
+              <a:cs typeface="Montserrat"/>
+              <a:sym typeface="Montserrat"/>
+            </a:endParaRPr>
+          </a:p>
+          <a:p>
+            <a:pPr indent="-368300" lvl="0" marL="457200" rtl="0" algn="l">
+              <a:lnSpc>
+                <a:spcPct val="100000"/>
+              </a:lnSpc>
+              <a:spcBef>
+                <a:spcPts val="0"/>
+              </a:spcBef>
+              <a:spcAft>
+                <a:spcPts val="0"/>
+              </a:spcAft>
+              <a:buSzPts val="2200"/>
+              <a:buFont typeface="Montserrat"/>
+              <a:buChar char="●"/>
+            </a:pPr>
+            <a:r>
+              <a:rPr lang="en-US" sz="2200">
+                <a:latin typeface="Montserrat"/>
+                <a:ea typeface="Montserrat"/>
+                <a:cs typeface="Montserrat"/>
+                <a:sym typeface="Montserrat"/>
+              </a:rPr>
+              <a:t>1 additional bathroom, can increase the property price by USD 121,794</a:t>
+            </a:r>
+            <a:endParaRPr sz="2200">
+              <a:latin typeface="Montserrat"/>
+              <a:ea typeface="Montserrat"/>
+              <a:cs typeface="Montserrat"/>
+              <a:sym typeface="Montserrat"/>
+            </a:endParaRPr>
+          </a:p>
+        </p:txBody>
+      </p:sp>
       <p:pic>
         <p:nvPicPr>
-          <p:cNvPr id="144" name="Google Shape;144;g2ca9327ea0d_0_5"/>
+          <p:cNvPr id="146" name="Google Shape;146;g2ca6d4f84d4_2_83"/>
           <p:cNvPicPr preferRelativeResize="0"/>
           <p:nvPr/>
         </p:nvPicPr>
@@ -20216,8 +20617,8 @@
         </p:blipFill>
         <p:spPr>
           <a:xfrm>
-            <a:off x="160900" y="1949158"/>
-            <a:ext cx="8702325" cy="4942942"/>
+            <a:off x="4324100" y="1093825"/>
+            <a:ext cx="7175682" cy="5632076"/>
           </a:xfrm>
           <a:prstGeom prst="rect">
             <a:avLst/>
@@ -20228,171 +20629,6 @@
           </a:ln>
         </p:spPr>
       </p:pic>
-      <p:sp>
-        <p:nvSpPr>
-          <p:cNvPr id="145" name="Google Shape;145;g2ca9327ea0d_0_5"/>
-          <p:cNvSpPr txBox="1"/>
-          <p:nvPr/>
-        </p:nvSpPr>
-        <p:spPr>
-          <a:xfrm>
-            <a:off x="8863225" y="3429000"/>
-            <a:ext cx="3477000" cy="1925100"/>
-          </a:xfrm>
-          <a:prstGeom prst="rect">
-            <a:avLst/>
-          </a:prstGeom>
-          <a:noFill/>
-          <a:ln>
-            <a:noFill/>
-          </a:ln>
-        </p:spPr>
-        <p:txBody>
-          <a:bodyPr anchorCtr="0" anchor="t" bIns="91425" lIns="91425" spcFirstLastPara="1" rIns="91425" wrap="square" tIns="91425">
-            <a:noAutofit/>
-          </a:bodyPr>
-          <a:lstStyle/>
-          <a:p>
-            <a:pPr indent="-355600" lvl="0" marL="457200" rtl="0" algn="l">
-              <a:spcBef>
-                <a:spcPts val="0"/>
-              </a:spcBef>
-              <a:spcAft>
-                <a:spcPts val="0"/>
-              </a:spcAft>
-              <a:buClr>
-                <a:schemeClr val="dk1"/>
-              </a:buClr>
-              <a:buSzPts val="2000"/>
-              <a:buFont typeface="Century Gothic"/>
-              <a:buChar char="●"/>
-            </a:pPr>
-            <a:r>
-              <a:rPr lang="en-US" sz="2000">
-                <a:solidFill>
-                  <a:schemeClr val="dk1"/>
-                </a:solidFill>
-                <a:latin typeface="Century Gothic"/>
-                <a:ea typeface="Century Gothic"/>
-                <a:cs typeface="Century Gothic"/>
-                <a:sym typeface="Century Gothic"/>
-              </a:rPr>
-              <a:t>Houses built </a:t>
-            </a:r>
-            <a:r>
-              <a:rPr lang="en-US" sz="2000">
-                <a:solidFill>
-                  <a:schemeClr val="dk1"/>
-                </a:solidFill>
-                <a:latin typeface="Century Gothic"/>
-                <a:ea typeface="Century Gothic"/>
-                <a:cs typeface="Century Gothic"/>
-                <a:sym typeface="Century Gothic"/>
-              </a:rPr>
-              <a:t>around</a:t>
-            </a:r>
-            <a:r>
-              <a:rPr lang="en-US" sz="2000">
-                <a:solidFill>
-                  <a:schemeClr val="dk1"/>
-                </a:solidFill>
-                <a:latin typeface="Century Gothic"/>
-                <a:ea typeface="Century Gothic"/>
-                <a:cs typeface="Century Gothic"/>
-                <a:sym typeface="Century Gothic"/>
-              </a:rPr>
-              <a:t> 1930 and in the 21’st century have a high sale value</a:t>
-            </a:r>
-            <a:endParaRPr sz="2000">
-              <a:solidFill>
-                <a:schemeClr val="dk1"/>
-              </a:solidFill>
-              <a:highlight>
-                <a:srgbClr val="FFFFFF"/>
-              </a:highlight>
-              <a:latin typeface="Century Gothic"/>
-              <a:ea typeface="Century Gothic"/>
-              <a:cs typeface="Century Gothic"/>
-              <a:sym typeface="Century Gothic"/>
-            </a:endParaRPr>
-          </a:p>
-        </p:txBody>
-      </p:sp>
-      <p:sp>
-        <p:nvSpPr>
-          <p:cNvPr id="146" name="Google Shape;146;g2ca9327ea0d_0_5"/>
-          <p:cNvSpPr txBox="1"/>
-          <p:nvPr/>
-        </p:nvSpPr>
-        <p:spPr>
-          <a:xfrm>
-            <a:off x="416750" y="752400"/>
-            <a:ext cx="11394300" cy="952200"/>
-          </a:xfrm>
-          <a:prstGeom prst="rect">
-            <a:avLst/>
-          </a:prstGeom>
-          <a:noFill/>
-          <a:ln>
-            <a:noFill/>
-          </a:ln>
-        </p:spPr>
-        <p:txBody>
-          <a:bodyPr anchorCtr="0" anchor="t" bIns="91425" lIns="91425" spcFirstLastPara="1" rIns="91425" wrap="square" tIns="91425">
-            <a:noAutofit/>
-          </a:bodyPr>
-          <a:lstStyle/>
-          <a:p>
-            <a:pPr indent="0" lvl="0" marL="0" rtl="0" algn="l">
-              <a:spcBef>
-                <a:spcPts val="0"/>
-              </a:spcBef>
-              <a:spcAft>
-                <a:spcPts val="0"/>
-              </a:spcAft>
-              <a:buNone/>
-            </a:pPr>
-            <a:r>
-              <a:rPr b="1" lang="en-US"/>
-              <a:t>Dashboard Link</a:t>
-            </a:r>
-            <a:endParaRPr b="1"/>
-          </a:p>
-          <a:p>
-            <a:pPr indent="0" lvl="0" marL="0" rtl="0" algn="l">
-              <a:spcBef>
-                <a:spcPts val="0"/>
-              </a:spcBef>
-              <a:spcAft>
-                <a:spcPts val="0"/>
-              </a:spcAft>
-              <a:buNone/>
-            </a:pPr>
-            <a:r>
-              <a:rPr lang="en-US" sz="1800" u="sng">
-                <a:solidFill>
-                  <a:schemeClr val="hlink"/>
-                </a:solidFill>
-                <a:latin typeface="Century Gothic"/>
-                <a:ea typeface="Century Gothic"/>
-                <a:cs typeface="Century Gothic"/>
-                <a:sym typeface="Century Gothic"/>
-                <a:hlinkClick r:id="rId4"/>
-              </a:rPr>
-              <a:t>https://public.tableau.com/views/KingCountySalesDashboard-Group8/KingCountySalesdashboard?:language=en-US&amp;publish=yes&amp;:sid=&amp;:display_count=n&amp;:origin=viz_share_link</a:t>
-            </a:r>
-            <a:endParaRPr sz="2000">
-              <a:solidFill>
-                <a:schemeClr val="dk1"/>
-              </a:solidFill>
-              <a:latin typeface="Century Gothic"/>
-              <a:ea typeface="Century Gothic"/>
-              <a:cs typeface="Century Gothic"/>
-              <a:sym typeface="Century Gothic"/>
-            </a:endParaRPr>
-          </a:p>
-        </p:txBody>
-      </p:sp>
     </p:spTree>
   </p:cSld>
   <p:clrMapOvr>
@@ -20402,6 +20638,285 @@
 </file>
 
 <file path=ppt/theme/theme1.xml><?xml version="1.0" encoding="utf-8"?>
+<a:theme xmlns:a="http://schemas.openxmlformats.org/drawingml/2006/main" xmlns:r="http://schemas.openxmlformats.org/officeDocument/2006/relationships" name="Office Theme">
+  <a:themeElements>
+    <a:clrScheme name="Office">
+      <a:dk1>
+        <a:srgbClr val="000000"/>
+      </a:dk1>
+      <a:lt1>
+        <a:srgbClr val="FFFFFF"/>
+      </a:lt1>
+      <a:dk2>
+        <a:srgbClr val="44546A"/>
+      </a:dk2>
+      <a:lt2>
+        <a:srgbClr val="E7E6E6"/>
+      </a:lt2>
+      <a:accent1>
+        <a:srgbClr val="4472C4"/>
+      </a:accent1>
+      <a:accent2>
+        <a:srgbClr val="ED7D31"/>
+      </a:accent2>
+      <a:accent3>
+        <a:srgbClr val="A5A5A5"/>
+      </a:accent3>
+      <a:accent4>
+        <a:srgbClr val="FFC000"/>
+      </a:accent4>
+      <a:accent5>
+        <a:srgbClr val="5B9BD5"/>
+      </a:accent5>
+      <a:accent6>
+        <a:srgbClr val="70AD47"/>
+      </a:accent6>
+      <a:hlink>
+        <a:srgbClr val="0563C1"/>
+      </a:hlink>
+      <a:folHlink>
+        <a:srgbClr val="954F72"/>
+      </a:folHlink>
+    </a:clrScheme>
+    <a:fontScheme name="Office">
+      <a:majorFont>
+        <a:latin typeface="Arial"/>
+        <a:ea typeface=""/>
+        <a:cs typeface=""/>
+        <a:font script="Jpan" typeface="ＭＳ Ｐゴシック"/>
+        <a:font script="Hang" typeface="맑은 고딕"/>
+        <a:font script="Hans" typeface="宋体"/>
+        <a:font script="Hant" typeface="新細明體"/>
+        <a:font script="Arab" typeface="Times New Roman"/>
+        <a:font script="Hebr" typeface="Times New Roman"/>
+        <a:font script="Thai" typeface="Angsana New"/>
+        <a:font script="Ethi" typeface="Nyala"/>
+        <a:font script="Beng" typeface="Vrinda"/>
+        <a:font script="Gujr" typeface="Shruti"/>
+        <a:font script="Khmr" typeface="MoolBoran"/>
+        <a:font script="Knda" typeface="Tunga"/>
+        <a:font script="Guru" typeface="Raavi"/>
+        <a:font script="Cans" typeface="Euphemia"/>
+        <a:font script="Cher" typeface="Plantagenet Cherokee"/>
+        <a:font script="Yiii" typeface="Microsoft Yi Baiti"/>
+        <a:font script="Tibt" typeface="Microsoft Himalaya"/>
+        <a:font script="Thaa" typeface="MV Boli"/>
+        <a:font script="Deva" typeface="Mangal"/>
+        <a:font script="Telu" typeface="Gautami"/>
+        <a:font script="Taml" typeface="Latha"/>
+        <a:font script="Syrc" typeface="Estrangelo Edessa"/>
+        <a:font script="Orya" typeface="Kalinga"/>
+        <a:font script="Mlym" typeface="Kartika"/>
+        <a:font script="Laoo" typeface="DokChampa"/>
+        <a:font script="Sinh" typeface="Iskoola Pota"/>
+        <a:font script="Mong" typeface="Mongolian Baiti"/>
+        <a:font script="Viet" typeface="Times New Roman"/>
+        <a:font script="Uigh" typeface="Microsoft Uighur"/>
+        <a:font script="Geor" typeface="Sylfaen"/>
+      </a:majorFont>
+      <a:minorFont>
+        <a:latin typeface="Arial"/>
+        <a:ea typeface=""/>
+        <a:cs typeface=""/>
+        <a:font script="Jpan" typeface="ＭＳ Ｐゴシック"/>
+        <a:font script="Hang" typeface="맑은 고딕"/>
+        <a:font script="Hans" typeface="宋体"/>
+        <a:font script="Hant" typeface="新細明體"/>
+        <a:font script="Arab" typeface="Arial"/>
+        <a:font script="Hebr" typeface="Arial"/>
+        <a:font script="Thai" typeface="Cordia New"/>
+        <a:font script="Ethi" typeface="Nyala"/>
+        <a:font script="Beng" typeface="Vrinda"/>
+        <a:font script="Gujr" typeface="Shruti"/>
+        <a:font script="Khmr" typeface="DaunPenh"/>
+        <a:font script="Knda" typeface="Tunga"/>
+        <a:font script="Guru" typeface="Raavi"/>
+        <a:font script="Cans" typeface="Euphemia"/>
+        <a:font script="Cher" typeface="Plantagenet Cherokee"/>
+        <a:font script="Yiii" typeface="Microsoft Yi Baiti"/>
+        <a:font script="Tibt" typeface="Microsoft Himalaya"/>
+        <a:font script="Thaa" typeface="MV Boli"/>
+        <a:font script="Deva" typeface="Mangal"/>
+        <a:font script="Telu" typeface="Gautami"/>
+        <a:font script="Taml" typeface="Latha"/>
+        <a:font script="Syrc" typeface="Estrangelo Edessa"/>
+        <a:font script="Orya" typeface="Kalinga"/>
+        <a:font script="Mlym" typeface="Kartika"/>
+        <a:font script="Laoo" typeface="DokChampa"/>
+        <a:font script="Sinh" typeface="Iskoola Pota"/>
+        <a:font script="Mong" typeface="Mongolian Baiti"/>
+        <a:font script="Viet" typeface="Arial"/>
+        <a:font script="Uigh" typeface="Microsoft Uighur"/>
+        <a:font script="Geor" typeface="Sylfaen"/>
+      </a:minorFont>
+    </a:fontScheme>
+    <a:fmtScheme name="Office">
+      <a:fillStyleLst>
+        <a:solidFill>
+          <a:schemeClr val="phClr"/>
+        </a:solidFill>
+        <a:gradFill rotWithShape="1">
+          <a:gsLst>
+            <a:gs pos="0">
+              <a:schemeClr val="phClr">
+                <a:tint val="50000"/>
+                <a:satMod val="300000"/>
+              </a:schemeClr>
+            </a:gs>
+            <a:gs pos="35000">
+              <a:schemeClr val="phClr">
+                <a:tint val="37000"/>
+                <a:satMod val="300000"/>
+              </a:schemeClr>
+            </a:gs>
+            <a:gs pos="100000">
+              <a:schemeClr val="phClr">
+                <a:tint val="15000"/>
+                <a:satMod val="350000"/>
+              </a:schemeClr>
+            </a:gs>
+          </a:gsLst>
+          <a:lin ang="16200000" scaled="1"/>
+        </a:gradFill>
+        <a:gradFill rotWithShape="1">
+          <a:gsLst>
+            <a:gs pos="0">
+              <a:schemeClr val="phClr">
+                <a:tint val="100000"/>
+                <a:shade val="100000"/>
+                <a:satMod val="130000"/>
+              </a:schemeClr>
+            </a:gs>
+            <a:gs pos="100000">
+              <a:schemeClr val="phClr">
+                <a:tint val="50000"/>
+                <a:shade val="100000"/>
+                <a:satMod val="350000"/>
+              </a:schemeClr>
+            </a:gs>
+          </a:gsLst>
+          <a:lin ang="16200000" scaled="0"/>
+        </a:gradFill>
+      </a:fillStyleLst>
+      <a:lnStyleLst>
+        <a:ln w="9525" cap="flat" cmpd="sng" algn="ctr">
+          <a:solidFill>
+            <a:schemeClr val="phClr">
+              <a:shade val="95000"/>
+              <a:satMod val="105000"/>
+            </a:schemeClr>
+          </a:solidFill>
+          <a:prstDash val="solid"/>
+        </a:ln>
+        <a:ln w="25400" cap="flat" cmpd="sng" algn="ctr">
+          <a:solidFill>
+            <a:schemeClr val="phClr"/>
+          </a:solidFill>
+          <a:prstDash val="solid"/>
+        </a:ln>
+        <a:ln w="38100" cap="flat" cmpd="sng" algn="ctr">
+          <a:solidFill>
+            <a:schemeClr val="phClr"/>
+          </a:solidFill>
+          <a:prstDash val="solid"/>
+        </a:ln>
+      </a:lnStyleLst>
+      <a:effectStyleLst>
+        <a:effectStyle>
+          <a:effectLst>
+            <a:outerShdw blurRad="40000" dist="20000" dir="5400000" rotWithShape="0">
+              <a:srgbClr val="000000">
+                <a:alpha val="38000"/>
+              </a:srgbClr>
+            </a:outerShdw>
+          </a:effectLst>
+        </a:effectStyle>
+        <a:effectStyle>
+          <a:effectLst>
+            <a:outerShdw blurRad="40000" dist="23000" dir="5400000" rotWithShape="0">
+              <a:srgbClr val="000000">
+                <a:alpha val="35000"/>
+              </a:srgbClr>
+            </a:outerShdw>
+          </a:effectLst>
+        </a:effectStyle>
+        <a:effectStyle>
+          <a:effectLst>
+            <a:outerShdw blurRad="40000" dist="23000" dir="5400000" rotWithShape="0">
+              <a:srgbClr val="000000">
+                <a:alpha val="35000"/>
+              </a:srgbClr>
+            </a:outerShdw>
+          </a:effectLst>
+          <a:scene3d>
+            <a:camera prst="orthographicFront">
+              <a:rot lat="0" lon="0" rev="0"/>
+            </a:camera>
+            <a:lightRig rig="threePt" dir="t">
+              <a:rot lat="0" lon="0" rev="1200000"/>
+            </a:lightRig>
+          </a:scene3d>
+          <a:sp3d>
+            <a:bevelT w="63500" h="25400"/>
+          </a:sp3d>
+        </a:effectStyle>
+      </a:effectStyleLst>
+      <a:bgFillStyleLst>
+        <a:solidFill>
+          <a:schemeClr val="phClr"/>
+        </a:solidFill>
+        <a:gradFill rotWithShape="1">
+          <a:gsLst>
+            <a:gs pos="0">
+              <a:schemeClr val="phClr">
+                <a:tint val="40000"/>
+                <a:satMod val="350000"/>
+              </a:schemeClr>
+            </a:gs>
+            <a:gs pos="40000">
+              <a:schemeClr val="phClr">
+                <a:tint val="45000"/>
+                <a:shade val="99000"/>
+                <a:satMod val="350000"/>
+              </a:schemeClr>
+            </a:gs>
+            <a:gs pos="100000">
+              <a:schemeClr val="phClr">
+                <a:shade val="20000"/>
+                <a:satMod val="255000"/>
+              </a:schemeClr>
+            </a:gs>
+          </a:gsLst>
+          <a:path path="circle">
+            <a:fillToRect l="50000" t="-80000" r="50000" b="180000"/>
+          </a:path>
+        </a:gradFill>
+        <a:gradFill rotWithShape="1">
+          <a:gsLst>
+            <a:gs pos="0">
+              <a:schemeClr val="phClr">
+                <a:tint val="80000"/>
+                <a:satMod val="300000"/>
+              </a:schemeClr>
+            </a:gs>
+            <a:gs pos="100000">
+              <a:schemeClr val="phClr">
+                <a:shade val="30000"/>
+                <a:satMod val="200000"/>
+              </a:schemeClr>
+            </a:gs>
+          </a:gsLst>
+          <a:path path="circle">
+            <a:fillToRect l="50000" t="50000" r="50000" b="50000"/>
+          </a:path>
+        </a:gradFill>
+      </a:bgFillStyleLst>
+    </a:fmtScheme>
+  </a:themeElements>
+</a:theme>
+</file>
+
+<file path=ppt/theme/theme2.xml><?xml version="1.0" encoding="utf-8"?>
 <a:theme xmlns:a="http://schemas.openxmlformats.org/drawingml/2006/main" xmlns:r="http://schemas.openxmlformats.org/officeDocument/2006/relationships">
   <a:themeElements>
     <a:clrScheme name="Default">
@@ -20678,283 +21193,4 @@
     </a:fmtScheme>
   </a:themeElements>
 </a:theme>
-</file>
-
-<file path=ppt/theme/theme2.xml><?xml version="1.0" encoding="utf-8"?>
-<a:theme xmlns:a="http://schemas.openxmlformats.org/drawingml/2006/main" xmlns:r="http://schemas.openxmlformats.org/officeDocument/2006/relationships" name="Office Theme">
-  <a:themeElements>
-    <a:clrScheme name="Office">
-      <a:dk1>
-        <a:srgbClr val="000000"/>
-      </a:dk1>
-      <a:lt1>
-        <a:srgbClr val="FFFFFF"/>
-      </a:lt1>
-      <a:dk2>
-        <a:srgbClr val="44546A"/>
-      </a:dk2>
-      <a:lt2>
-        <a:srgbClr val="E7E6E6"/>
-      </a:lt2>
-      <a:accent1>
-        <a:srgbClr val="4472C4"/>
-      </a:accent1>
-      <a:accent2>
-        <a:srgbClr val="ED7D31"/>
-      </a:accent2>
-      <a:accent3>
-        <a:srgbClr val="A5A5A5"/>
-      </a:accent3>
-      <a:accent4>
-        <a:srgbClr val="FFC000"/>
-      </a:accent4>
-      <a:accent5>
-        <a:srgbClr val="5B9BD5"/>
-      </a:accent5>
-      <a:accent6>
-        <a:srgbClr val="70AD47"/>
-      </a:accent6>
-      <a:hlink>
-        <a:srgbClr val="0563C1"/>
-      </a:hlink>
-      <a:folHlink>
-        <a:srgbClr val="954F72"/>
-      </a:folHlink>
-    </a:clrScheme>
-    <a:fontScheme name="Office">
-      <a:majorFont>
-        <a:latin typeface="Arial"/>
-        <a:ea typeface=""/>
-        <a:cs typeface=""/>
-        <a:font script="Jpan" typeface="ＭＳ Ｐゴシック"/>
-        <a:font script="Hang" typeface="맑은 고딕"/>
-        <a:font script="Hans" typeface="宋体"/>
-        <a:font script="Hant" typeface="新細明體"/>
-        <a:font script="Arab" typeface="Times New Roman"/>
-        <a:font script="Hebr" typeface="Times New Roman"/>
-        <a:font script="Thai" typeface="Angsana New"/>
-        <a:font script="Ethi" typeface="Nyala"/>
-        <a:font script="Beng" typeface="Vrinda"/>
-        <a:font script="Gujr" typeface="Shruti"/>
-        <a:font script="Khmr" typeface="MoolBoran"/>
-        <a:font script="Knda" typeface="Tunga"/>
-        <a:font script="Guru" typeface="Raavi"/>
-        <a:font script="Cans" typeface="Euphemia"/>
-        <a:font script="Cher" typeface="Plantagenet Cherokee"/>
-        <a:font script="Yiii" typeface="Microsoft Yi Baiti"/>
-        <a:font script="Tibt" typeface="Microsoft Himalaya"/>
-        <a:font script="Thaa" typeface="MV Boli"/>
-        <a:font script="Deva" typeface="Mangal"/>
-        <a:font script="Telu" typeface="Gautami"/>
-        <a:font script="Taml" typeface="Latha"/>
-        <a:font script="Syrc" typeface="Estrangelo Edessa"/>
-        <a:font script="Orya" typeface="Kalinga"/>
-        <a:font script="Mlym" typeface="Kartika"/>
-        <a:font script="Laoo" typeface="DokChampa"/>
-        <a:font script="Sinh" typeface="Iskoola Pota"/>
-        <a:font script="Mong" typeface="Mongolian Baiti"/>
-        <a:font script="Viet" typeface="Times New Roman"/>
-        <a:font script="Uigh" typeface="Microsoft Uighur"/>
-        <a:font script="Geor" typeface="Sylfaen"/>
-      </a:majorFont>
-      <a:minorFont>
-        <a:latin typeface="Arial"/>
-        <a:ea typeface=""/>
-        <a:cs typeface=""/>
-        <a:font script="Jpan" typeface="ＭＳ Ｐゴシック"/>
-        <a:font script="Hang" typeface="맑은 고딕"/>
-        <a:font script="Hans" typeface="宋体"/>
-        <a:font script="Hant" typeface="新細明體"/>
-        <a:font script="Arab" typeface="Arial"/>
-        <a:font script="Hebr" typeface="Arial"/>
-        <a:font script="Thai" typeface="Cordia New"/>
-        <a:font script="Ethi" typeface="Nyala"/>
-        <a:font script="Beng" typeface="Vrinda"/>
-        <a:font script="Gujr" typeface="Shruti"/>
-        <a:font script="Khmr" typeface="DaunPenh"/>
-        <a:font script="Knda" typeface="Tunga"/>
-        <a:font script="Guru" typeface="Raavi"/>
-        <a:font script="Cans" typeface="Euphemia"/>
-        <a:font script="Cher" typeface="Plantagenet Cherokee"/>
-        <a:font script="Yiii" typeface="Microsoft Yi Baiti"/>
-        <a:font script="Tibt" typeface="Microsoft Himalaya"/>
-        <a:font script="Thaa" typeface="MV Boli"/>
-        <a:font script="Deva" typeface="Mangal"/>
-        <a:font script="Telu" typeface="Gautami"/>
-        <a:font script="Taml" typeface="Latha"/>
-        <a:font script="Syrc" typeface="Estrangelo Edessa"/>
-        <a:font script="Orya" typeface="Kalinga"/>
-        <a:font script="Mlym" typeface="Kartika"/>
-        <a:font script="Laoo" typeface="DokChampa"/>
-        <a:font script="Sinh" typeface="Iskoola Pota"/>
-        <a:font script="Mong" typeface="Mongolian Baiti"/>
-        <a:font script="Viet" typeface="Arial"/>
-        <a:font script="Uigh" typeface="Microsoft Uighur"/>
-        <a:font script="Geor" typeface="Sylfaen"/>
-      </a:minorFont>
-    </a:fontScheme>
-    <a:fmtScheme name="Office">
-      <a:fillStyleLst>
-        <a:solidFill>
-          <a:schemeClr val="phClr"/>
-        </a:solidFill>
-        <a:gradFill rotWithShape="1">
-          <a:gsLst>
-            <a:gs pos="0">
-              <a:schemeClr val="phClr">
-                <a:tint val="50000"/>
-                <a:satMod val="300000"/>
-              </a:schemeClr>
-            </a:gs>
-            <a:gs pos="35000">
-              <a:schemeClr val="phClr">
-                <a:tint val="37000"/>
-                <a:satMod val="300000"/>
-              </a:schemeClr>
-            </a:gs>
-            <a:gs pos="100000">
-              <a:schemeClr val="phClr">
-                <a:tint val="15000"/>
-                <a:satMod val="350000"/>
-              </a:schemeClr>
-            </a:gs>
-          </a:gsLst>
-          <a:lin ang="16200000" scaled="1"/>
-        </a:gradFill>
-        <a:gradFill rotWithShape="1">
-          <a:gsLst>
-            <a:gs pos="0">
-              <a:schemeClr val="phClr">
-                <a:tint val="100000"/>
-                <a:shade val="100000"/>
-                <a:satMod val="130000"/>
-              </a:schemeClr>
-            </a:gs>
-            <a:gs pos="100000">
-              <a:schemeClr val="phClr">
-                <a:tint val="50000"/>
-                <a:shade val="100000"/>
-                <a:satMod val="350000"/>
-              </a:schemeClr>
-            </a:gs>
-          </a:gsLst>
-          <a:lin ang="16200000" scaled="0"/>
-        </a:gradFill>
-      </a:fillStyleLst>
-      <a:lnStyleLst>
-        <a:ln w="9525" cap="flat" cmpd="sng" algn="ctr">
-          <a:solidFill>
-            <a:schemeClr val="phClr">
-              <a:shade val="95000"/>
-              <a:satMod val="105000"/>
-            </a:schemeClr>
-          </a:solidFill>
-          <a:prstDash val="solid"/>
-        </a:ln>
-        <a:ln w="25400" cap="flat" cmpd="sng" algn="ctr">
-          <a:solidFill>
-            <a:schemeClr val="phClr"/>
-          </a:solidFill>
-          <a:prstDash val="solid"/>
-        </a:ln>
-        <a:ln w="38100" cap="flat" cmpd="sng" algn="ctr">
-          <a:solidFill>
-            <a:schemeClr val="phClr"/>
-          </a:solidFill>
-          <a:prstDash val="solid"/>
-        </a:ln>
-      </a:lnStyleLst>
-      <a:effectStyleLst>
-        <a:effectStyle>
-          <a:effectLst>
-            <a:outerShdw blurRad="40000" dist="20000" dir="5400000" rotWithShape="0">
-              <a:srgbClr val="000000">
-                <a:alpha val="38000"/>
-              </a:srgbClr>
-            </a:outerShdw>
-          </a:effectLst>
-        </a:effectStyle>
-        <a:effectStyle>
-          <a:effectLst>
-            <a:outerShdw blurRad="40000" dist="23000" dir="5400000" rotWithShape="0">
-              <a:srgbClr val="000000">
-                <a:alpha val="35000"/>
-              </a:srgbClr>
-            </a:outerShdw>
-          </a:effectLst>
-        </a:effectStyle>
-        <a:effectStyle>
-          <a:effectLst>
-            <a:outerShdw blurRad="40000" dist="23000" dir="5400000" rotWithShape="0">
-              <a:srgbClr val="000000">
-                <a:alpha val="35000"/>
-              </a:srgbClr>
-            </a:outerShdw>
-          </a:effectLst>
-          <a:scene3d>
-            <a:camera prst="orthographicFront">
-              <a:rot lat="0" lon="0" rev="0"/>
-            </a:camera>
-            <a:lightRig rig="threePt" dir="t">
-              <a:rot lat="0" lon="0" rev="1200000"/>
-            </a:lightRig>
-          </a:scene3d>
-          <a:sp3d>
-            <a:bevelT w="63500" h="25400"/>
-          </a:sp3d>
-        </a:effectStyle>
-      </a:effectStyleLst>
-      <a:bgFillStyleLst>
-        <a:solidFill>
-          <a:schemeClr val="phClr"/>
-        </a:solidFill>
-        <a:gradFill rotWithShape="1">
-          <a:gsLst>
-            <a:gs pos="0">
-              <a:schemeClr val="phClr">
-                <a:tint val="40000"/>
-                <a:satMod val="350000"/>
-              </a:schemeClr>
-            </a:gs>
-            <a:gs pos="40000">
-              <a:schemeClr val="phClr">
-                <a:tint val="45000"/>
-                <a:shade val="99000"/>
-                <a:satMod val="350000"/>
-              </a:schemeClr>
-            </a:gs>
-            <a:gs pos="100000">
-              <a:schemeClr val="phClr">
-                <a:shade val="20000"/>
-                <a:satMod val="255000"/>
-              </a:schemeClr>
-            </a:gs>
-          </a:gsLst>
-          <a:path path="circle">
-            <a:fillToRect l="50000" t="-80000" r="50000" b="180000"/>
-          </a:path>
-        </a:gradFill>
-        <a:gradFill rotWithShape="1">
-          <a:gsLst>
-            <a:gs pos="0">
-              <a:schemeClr val="phClr">
-                <a:tint val="80000"/>
-                <a:satMod val="300000"/>
-              </a:schemeClr>
-            </a:gs>
-            <a:gs pos="100000">
-              <a:schemeClr val="phClr">
-                <a:shade val="30000"/>
-                <a:satMod val="200000"/>
-              </a:schemeClr>
-            </a:gs>
-          </a:gsLst>
-          <a:path path="circle">
-            <a:fillToRect l="50000" t="50000" r="50000" b="50000"/>
-          </a:path>
-        </a:gradFill>
-      </a:bgFillStyleLst>
-    </a:fmtScheme>
-  </a:themeElements>
-</a:theme>
 </file>